--- a/blockchain/graph.pptx
+++ b/blockchain/graph.pptx
@@ -1,12 +1,15 @@
 
 <file path=ppt/presentation.xml><?xml version="1.0" encoding="utf-8"?>
-<p:presentation xmlns:a="http://schemas.openxmlformats.org/drawingml/2006/main" xmlns:r="http://schemas.openxmlformats.org/officeDocument/2006/relationships" xmlns:p="http://schemas.openxmlformats.org/presentationml/2006/main" saveSubsetFonts="1">
+<p:presentation xmlns:a="http://schemas.openxmlformats.org/drawingml/2006/main" xmlns:r="http://schemas.openxmlformats.org/officeDocument/2006/relationships" xmlns:p="http://schemas.openxmlformats.org/presentationml/2006/main">
   <p:sldMasterIdLst>
     <p:sldMasterId id="2147483648" r:id="rId1"/>
   </p:sldMasterIdLst>
   <p:sldIdLst>
-    <p:sldId id="256" r:id="rId2"/>
-    <p:sldId id="257" r:id="rId3"/>
+    <p:sldId id="256" r:id="rId3"/>
+    <p:sldId id="257" r:id="rId4"/>
+    <p:sldId id="258" r:id="rId5"/>
+    <p:sldId id="259" r:id="rId6"/>
+    <p:sldId id="260" r:id="rId7"/>
   </p:sldIdLst>
   <p:sldSz cx="12192000" cy="6858000"/>
   <p:notesSz cx="6858000" cy="9144000"/>
@@ -105,11 +108,6 @@
       </a:defRPr>
     </a:lvl9pPr>
   </p:defaultTextStyle>
-  <p:extLst>
-    <p:ext uri="{EFAFB233-063F-42B5-8137-9DF3F51BA10A}">
-      <p15:sldGuideLst xmlns:p15="http://schemas.microsoft.com/office/powerpoint/2012/main"/>
-    </p:ext>
-  </p:extLst>
 </p:presentation>
 </file>
 
@@ -132,13 +130,7 @@
       </p:grpSpPr>
       <p:sp>
         <p:nvSpPr>
-          <p:cNvPr id="2" name="标题 1">
-            <a:extLst>
-              <a:ext uri="{FF2B5EF4-FFF2-40B4-BE49-F238E27FC236}">
-                <a16:creationId xmlns:a16="http://schemas.microsoft.com/office/drawing/2014/main" id="{F346AFE8-71C4-4195-AAF4-3282CF7ED6E5}"/>
-              </a:ext>
-            </a:extLst>
-          </p:cNvPr>
+          <p:cNvPr id="2" name="标题 1"/>
           <p:cNvSpPr>
             <a:spLocks noGrp="1"/>
           </p:cNvSpPr>
@@ -164,18 +156,13 @@
               <a:rPr lang="zh-CN" altLang="en-US"/>
               <a:t>单击此处编辑母版标题样式</a:t>
             </a:r>
+            <a:endParaRPr lang="zh-CN" altLang="en-US"/>
           </a:p>
         </p:txBody>
       </p:sp>
       <p:sp>
         <p:nvSpPr>
-          <p:cNvPr id="3" name="副标题 2">
-            <a:extLst>
-              <a:ext uri="{FF2B5EF4-FFF2-40B4-BE49-F238E27FC236}">
-                <a16:creationId xmlns:a16="http://schemas.microsoft.com/office/drawing/2014/main" id="{E9C5F04D-81F3-4519-8760-73A6F88011A3}"/>
-              </a:ext>
-            </a:extLst>
-          </p:cNvPr>
+          <p:cNvPr id="3" name="副标题 2"/>
           <p:cNvSpPr>
             <a:spLocks noGrp="1"/>
           </p:cNvSpPr>
@@ -234,18 +221,13 @@
               <a:rPr lang="zh-CN" altLang="en-US"/>
               <a:t>单击此处编辑母版副标题样式</a:t>
             </a:r>
+            <a:endParaRPr lang="zh-CN" altLang="en-US"/>
           </a:p>
         </p:txBody>
       </p:sp>
       <p:sp>
         <p:nvSpPr>
-          <p:cNvPr id="4" name="日期占位符 3">
-            <a:extLst>
-              <a:ext uri="{FF2B5EF4-FFF2-40B4-BE49-F238E27FC236}">
-                <a16:creationId xmlns:a16="http://schemas.microsoft.com/office/drawing/2014/main" id="{C0799049-C5B4-4162-A73B-E81D5F3F4C92}"/>
-              </a:ext>
-            </a:extLst>
-          </p:cNvPr>
+          <p:cNvPr id="4" name="日期占位符 3"/>
           <p:cNvSpPr>
             <a:spLocks noGrp="1"/>
           </p:cNvSpPr>
@@ -260,7 +242,6 @@
           <a:p>
             <a:fld id="{0A2A24A1-F9D5-47DE-BEF7-BF7C028037DC}" type="datetimeFigureOut">
               <a:rPr lang="zh-CN" altLang="en-US" smtClean="0"/>
-              <a:t>2022/1/13</a:t>
             </a:fld>
             <a:endParaRPr lang="zh-CN" altLang="en-US"/>
           </a:p>
@@ -268,13 +249,7 @@
       </p:sp>
       <p:sp>
         <p:nvSpPr>
-          <p:cNvPr id="5" name="页脚占位符 4">
-            <a:extLst>
-              <a:ext uri="{FF2B5EF4-FFF2-40B4-BE49-F238E27FC236}">
-                <a16:creationId xmlns:a16="http://schemas.microsoft.com/office/drawing/2014/main" id="{102894DA-B057-4C10-B174-ED03DDAAC85E}"/>
-              </a:ext>
-            </a:extLst>
-          </p:cNvPr>
+          <p:cNvPr id="5" name="页脚占位符 4"/>
           <p:cNvSpPr>
             <a:spLocks noGrp="1"/>
           </p:cNvSpPr>
@@ -293,13 +268,7 @@
       </p:sp>
       <p:sp>
         <p:nvSpPr>
-          <p:cNvPr id="6" name="灯片编号占位符 5">
-            <a:extLst>
-              <a:ext uri="{FF2B5EF4-FFF2-40B4-BE49-F238E27FC236}">
-                <a16:creationId xmlns:a16="http://schemas.microsoft.com/office/drawing/2014/main" id="{597C7D71-0141-4D07-B6A5-A8CD87F1CEEE}"/>
-              </a:ext>
-            </a:extLst>
-          </p:cNvPr>
+          <p:cNvPr id="6" name="灯片编号占位符 5"/>
           <p:cNvSpPr>
             <a:spLocks noGrp="1"/>
           </p:cNvSpPr>
@@ -314,18 +283,12 @@
           <a:p>
             <a:fld id="{516DC589-589F-4765-8D9F-7EE345FE25A5}" type="slidenum">
               <a:rPr lang="zh-CN" altLang="en-US" smtClean="0"/>
-              <a:t>‹#›</a:t>
             </a:fld>
             <a:endParaRPr lang="zh-CN" altLang="en-US"/>
           </a:p>
         </p:txBody>
       </p:sp>
     </p:spTree>
-    <p:extLst>
-      <p:ext uri="{BB962C8B-B14F-4D97-AF65-F5344CB8AC3E}">
-        <p14:creationId xmlns:p14="http://schemas.microsoft.com/office/powerpoint/2010/main" val="719769199"/>
-      </p:ext>
-    </p:extLst>
   </p:cSld>
   <p:clrMapOvr>
     <a:masterClrMapping/>
@@ -352,13 +315,7 @@
       </p:grpSpPr>
       <p:sp>
         <p:nvSpPr>
-          <p:cNvPr id="2" name="标题 1">
-            <a:extLst>
-              <a:ext uri="{FF2B5EF4-FFF2-40B4-BE49-F238E27FC236}">
-                <a16:creationId xmlns:a16="http://schemas.microsoft.com/office/drawing/2014/main" id="{BF93F0D9-40ED-42FE-9D36-EFD9B205FD7A}"/>
-              </a:ext>
-            </a:extLst>
-          </p:cNvPr>
+          <p:cNvPr id="2" name="标题 1"/>
           <p:cNvSpPr>
             <a:spLocks noGrp="1"/>
           </p:cNvSpPr>
@@ -375,18 +332,13 @@
               <a:rPr lang="zh-CN" altLang="en-US"/>
               <a:t>单击此处编辑母版标题样式</a:t>
             </a:r>
+            <a:endParaRPr lang="zh-CN" altLang="en-US"/>
           </a:p>
         </p:txBody>
       </p:sp>
       <p:sp>
         <p:nvSpPr>
-          <p:cNvPr id="3" name="竖排文字占位符 2">
-            <a:extLst>
-              <a:ext uri="{FF2B5EF4-FFF2-40B4-BE49-F238E27FC236}">
-                <a16:creationId xmlns:a16="http://schemas.microsoft.com/office/drawing/2014/main" id="{01723B43-6407-449E-A866-2C0D8D4365B4}"/>
-              </a:ext>
-            </a:extLst>
-          </p:cNvPr>
+          <p:cNvPr id="3" name="竖排文字占位符 2"/>
           <p:cNvSpPr>
             <a:spLocks noGrp="1"/>
           </p:cNvSpPr>
@@ -404,6 +356,7 @@
               <a:rPr lang="zh-CN" altLang="en-US"/>
               <a:t>单击此处编辑母版文本样式</a:t>
             </a:r>
+            <a:endParaRPr lang="zh-CN" altLang="en-US"/>
           </a:p>
           <a:p>
             <a:pPr lvl="1"/>
@@ -411,6 +364,7 @@
               <a:rPr lang="zh-CN" altLang="en-US"/>
               <a:t>二级</a:t>
             </a:r>
+            <a:endParaRPr lang="zh-CN" altLang="en-US"/>
           </a:p>
           <a:p>
             <a:pPr lvl="2"/>
@@ -418,6 +372,7 @@
               <a:rPr lang="zh-CN" altLang="en-US"/>
               <a:t>三级</a:t>
             </a:r>
+            <a:endParaRPr lang="zh-CN" altLang="en-US"/>
           </a:p>
           <a:p>
             <a:pPr lvl="3"/>
@@ -425,6 +380,7 @@
               <a:rPr lang="zh-CN" altLang="en-US"/>
               <a:t>四级</a:t>
             </a:r>
+            <a:endParaRPr lang="zh-CN" altLang="en-US"/>
           </a:p>
           <a:p>
             <a:pPr lvl="4"/>
@@ -432,18 +388,13 @@
               <a:rPr lang="zh-CN" altLang="en-US"/>
               <a:t>五级</a:t>
             </a:r>
+            <a:endParaRPr lang="zh-CN" altLang="en-US"/>
           </a:p>
         </p:txBody>
       </p:sp>
       <p:sp>
         <p:nvSpPr>
-          <p:cNvPr id="4" name="日期占位符 3">
-            <a:extLst>
-              <a:ext uri="{FF2B5EF4-FFF2-40B4-BE49-F238E27FC236}">
-                <a16:creationId xmlns:a16="http://schemas.microsoft.com/office/drawing/2014/main" id="{6082CA8E-87A3-4941-9442-74148483857A}"/>
-              </a:ext>
-            </a:extLst>
-          </p:cNvPr>
+          <p:cNvPr id="4" name="日期占位符 3"/>
           <p:cNvSpPr>
             <a:spLocks noGrp="1"/>
           </p:cNvSpPr>
@@ -458,7 +409,6 @@
           <a:p>
             <a:fld id="{0A2A24A1-F9D5-47DE-BEF7-BF7C028037DC}" type="datetimeFigureOut">
               <a:rPr lang="zh-CN" altLang="en-US" smtClean="0"/>
-              <a:t>2022/1/13</a:t>
             </a:fld>
             <a:endParaRPr lang="zh-CN" altLang="en-US"/>
           </a:p>
@@ -466,13 +416,7 @@
       </p:sp>
       <p:sp>
         <p:nvSpPr>
-          <p:cNvPr id="5" name="页脚占位符 4">
-            <a:extLst>
-              <a:ext uri="{FF2B5EF4-FFF2-40B4-BE49-F238E27FC236}">
-                <a16:creationId xmlns:a16="http://schemas.microsoft.com/office/drawing/2014/main" id="{349D6233-EA10-4897-AA13-394E5BD4D567}"/>
-              </a:ext>
-            </a:extLst>
-          </p:cNvPr>
+          <p:cNvPr id="5" name="页脚占位符 4"/>
           <p:cNvSpPr>
             <a:spLocks noGrp="1"/>
           </p:cNvSpPr>
@@ -491,13 +435,7 @@
       </p:sp>
       <p:sp>
         <p:nvSpPr>
-          <p:cNvPr id="6" name="灯片编号占位符 5">
-            <a:extLst>
-              <a:ext uri="{FF2B5EF4-FFF2-40B4-BE49-F238E27FC236}">
-                <a16:creationId xmlns:a16="http://schemas.microsoft.com/office/drawing/2014/main" id="{0F26E9A0-631F-4646-9877-039A9A62DF34}"/>
-              </a:ext>
-            </a:extLst>
-          </p:cNvPr>
+          <p:cNvPr id="6" name="灯片编号占位符 5"/>
           <p:cNvSpPr>
             <a:spLocks noGrp="1"/>
           </p:cNvSpPr>
@@ -512,18 +450,12 @@
           <a:p>
             <a:fld id="{516DC589-589F-4765-8D9F-7EE345FE25A5}" type="slidenum">
               <a:rPr lang="zh-CN" altLang="en-US" smtClean="0"/>
-              <a:t>‹#›</a:t>
             </a:fld>
             <a:endParaRPr lang="zh-CN" altLang="en-US"/>
           </a:p>
         </p:txBody>
       </p:sp>
     </p:spTree>
-    <p:extLst>
-      <p:ext uri="{BB962C8B-B14F-4D97-AF65-F5344CB8AC3E}">
-        <p14:creationId xmlns:p14="http://schemas.microsoft.com/office/powerpoint/2010/main" val="1481640229"/>
-      </p:ext>
-    </p:extLst>
   </p:cSld>
   <p:clrMapOvr>
     <a:masterClrMapping/>
@@ -550,13 +482,7 @@
       </p:grpSpPr>
       <p:sp>
         <p:nvSpPr>
-          <p:cNvPr id="2" name="竖排标题 1">
-            <a:extLst>
-              <a:ext uri="{FF2B5EF4-FFF2-40B4-BE49-F238E27FC236}">
-                <a16:creationId xmlns:a16="http://schemas.microsoft.com/office/drawing/2014/main" id="{EFC88259-ED0E-4D86-A0EB-94078E2F1586}"/>
-              </a:ext>
-            </a:extLst>
-          </p:cNvPr>
+          <p:cNvPr id="2" name="竖排标题 1"/>
           <p:cNvSpPr>
             <a:spLocks noGrp="1"/>
           </p:cNvSpPr>
@@ -578,18 +504,13 @@
               <a:rPr lang="zh-CN" altLang="en-US"/>
               <a:t>单击此处编辑母版标题样式</a:t>
             </a:r>
+            <a:endParaRPr lang="zh-CN" altLang="en-US"/>
           </a:p>
         </p:txBody>
       </p:sp>
       <p:sp>
         <p:nvSpPr>
-          <p:cNvPr id="3" name="竖排文字占位符 2">
-            <a:extLst>
-              <a:ext uri="{FF2B5EF4-FFF2-40B4-BE49-F238E27FC236}">
-                <a16:creationId xmlns:a16="http://schemas.microsoft.com/office/drawing/2014/main" id="{6130FD78-40DA-482E-8810-9BF8EDCE8D34}"/>
-              </a:ext>
-            </a:extLst>
-          </p:cNvPr>
+          <p:cNvPr id="3" name="竖排文字占位符 2"/>
           <p:cNvSpPr>
             <a:spLocks noGrp="1"/>
           </p:cNvSpPr>
@@ -612,6 +533,7 @@
               <a:rPr lang="zh-CN" altLang="en-US"/>
               <a:t>单击此处编辑母版文本样式</a:t>
             </a:r>
+            <a:endParaRPr lang="zh-CN" altLang="en-US"/>
           </a:p>
           <a:p>
             <a:pPr lvl="1"/>
@@ -619,6 +541,7 @@
               <a:rPr lang="zh-CN" altLang="en-US"/>
               <a:t>二级</a:t>
             </a:r>
+            <a:endParaRPr lang="zh-CN" altLang="en-US"/>
           </a:p>
           <a:p>
             <a:pPr lvl="2"/>
@@ -626,6 +549,7 @@
               <a:rPr lang="zh-CN" altLang="en-US"/>
               <a:t>三级</a:t>
             </a:r>
+            <a:endParaRPr lang="zh-CN" altLang="en-US"/>
           </a:p>
           <a:p>
             <a:pPr lvl="3"/>
@@ -633,6 +557,7 @@
               <a:rPr lang="zh-CN" altLang="en-US"/>
               <a:t>四级</a:t>
             </a:r>
+            <a:endParaRPr lang="zh-CN" altLang="en-US"/>
           </a:p>
           <a:p>
             <a:pPr lvl="4"/>
@@ -640,18 +565,13 @@
               <a:rPr lang="zh-CN" altLang="en-US"/>
               <a:t>五级</a:t>
             </a:r>
+            <a:endParaRPr lang="zh-CN" altLang="en-US"/>
           </a:p>
         </p:txBody>
       </p:sp>
       <p:sp>
         <p:nvSpPr>
-          <p:cNvPr id="4" name="日期占位符 3">
-            <a:extLst>
-              <a:ext uri="{FF2B5EF4-FFF2-40B4-BE49-F238E27FC236}">
-                <a16:creationId xmlns:a16="http://schemas.microsoft.com/office/drawing/2014/main" id="{061077F8-44F7-4794-BD6E-9B72BD99A3AA}"/>
-              </a:ext>
-            </a:extLst>
-          </p:cNvPr>
+          <p:cNvPr id="4" name="日期占位符 3"/>
           <p:cNvSpPr>
             <a:spLocks noGrp="1"/>
           </p:cNvSpPr>
@@ -666,7 +586,6 @@
           <a:p>
             <a:fld id="{0A2A24A1-F9D5-47DE-BEF7-BF7C028037DC}" type="datetimeFigureOut">
               <a:rPr lang="zh-CN" altLang="en-US" smtClean="0"/>
-              <a:t>2022/1/13</a:t>
             </a:fld>
             <a:endParaRPr lang="zh-CN" altLang="en-US"/>
           </a:p>
@@ -674,13 +593,7 @@
       </p:sp>
       <p:sp>
         <p:nvSpPr>
-          <p:cNvPr id="5" name="页脚占位符 4">
-            <a:extLst>
-              <a:ext uri="{FF2B5EF4-FFF2-40B4-BE49-F238E27FC236}">
-                <a16:creationId xmlns:a16="http://schemas.microsoft.com/office/drawing/2014/main" id="{94389D3C-C43D-4811-BA46-431D48AA3429}"/>
-              </a:ext>
-            </a:extLst>
-          </p:cNvPr>
+          <p:cNvPr id="5" name="页脚占位符 4"/>
           <p:cNvSpPr>
             <a:spLocks noGrp="1"/>
           </p:cNvSpPr>
@@ -699,13 +612,7 @@
       </p:sp>
       <p:sp>
         <p:nvSpPr>
-          <p:cNvPr id="6" name="灯片编号占位符 5">
-            <a:extLst>
-              <a:ext uri="{FF2B5EF4-FFF2-40B4-BE49-F238E27FC236}">
-                <a16:creationId xmlns:a16="http://schemas.microsoft.com/office/drawing/2014/main" id="{8F7AD513-1365-4DC9-9C22-9084EE668941}"/>
-              </a:ext>
-            </a:extLst>
-          </p:cNvPr>
+          <p:cNvPr id="6" name="灯片编号占位符 5"/>
           <p:cNvSpPr>
             <a:spLocks noGrp="1"/>
           </p:cNvSpPr>
@@ -720,18 +627,12 @@
           <a:p>
             <a:fld id="{516DC589-589F-4765-8D9F-7EE345FE25A5}" type="slidenum">
               <a:rPr lang="zh-CN" altLang="en-US" smtClean="0"/>
-              <a:t>‹#›</a:t>
             </a:fld>
             <a:endParaRPr lang="zh-CN" altLang="en-US"/>
           </a:p>
         </p:txBody>
       </p:sp>
     </p:spTree>
-    <p:extLst>
-      <p:ext uri="{BB962C8B-B14F-4D97-AF65-F5344CB8AC3E}">
-        <p14:creationId xmlns:p14="http://schemas.microsoft.com/office/powerpoint/2010/main" val="1667280247"/>
-      </p:ext>
-    </p:extLst>
   </p:cSld>
   <p:clrMapOvr>
     <a:masterClrMapping/>
@@ -758,13 +659,7 @@
       </p:grpSpPr>
       <p:sp>
         <p:nvSpPr>
-          <p:cNvPr id="2" name="标题 1">
-            <a:extLst>
-              <a:ext uri="{FF2B5EF4-FFF2-40B4-BE49-F238E27FC236}">
-                <a16:creationId xmlns:a16="http://schemas.microsoft.com/office/drawing/2014/main" id="{74E891D7-90F7-4E01-93CC-7BFF4E8258A5}"/>
-              </a:ext>
-            </a:extLst>
-          </p:cNvPr>
+          <p:cNvPr id="2" name="标题 1"/>
           <p:cNvSpPr>
             <a:spLocks noGrp="1"/>
           </p:cNvSpPr>
@@ -781,18 +676,13 @@
               <a:rPr lang="zh-CN" altLang="en-US"/>
               <a:t>单击此处编辑母版标题样式</a:t>
             </a:r>
+            <a:endParaRPr lang="zh-CN" altLang="en-US"/>
           </a:p>
         </p:txBody>
       </p:sp>
       <p:sp>
         <p:nvSpPr>
-          <p:cNvPr id="3" name="内容占位符 2">
-            <a:extLst>
-              <a:ext uri="{FF2B5EF4-FFF2-40B4-BE49-F238E27FC236}">
-                <a16:creationId xmlns:a16="http://schemas.microsoft.com/office/drawing/2014/main" id="{755D7FDE-2B00-4B54-BE13-176103B04A8F}"/>
-              </a:ext>
-            </a:extLst>
-          </p:cNvPr>
+          <p:cNvPr id="3" name="内容占位符 2"/>
           <p:cNvSpPr>
             <a:spLocks noGrp="1"/>
           </p:cNvSpPr>
@@ -810,6 +700,7 @@
               <a:rPr lang="zh-CN" altLang="en-US"/>
               <a:t>单击此处编辑母版文本样式</a:t>
             </a:r>
+            <a:endParaRPr lang="zh-CN" altLang="en-US"/>
           </a:p>
           <a:p>
             <a:pPr lvl="1"/>
@@ -817,6 +708,7 @@
               <a:rPr lang="zh-CN" altLang="en-US"/>
               <a:t>二级</a:t>
             </a:r>
+            <a:endParaRPr lang="zh-CN" altLang="en-US"/>
           </a:p>
           <a:p>
             <a:pPr lvl="2"/>
@@ -824,6 +716,7 @@
               <a:rPr lang="zh-CN" altLang="en-US"/>
               <a:t>三级</a:t>
             </a:r>
+            <a:endParaRPr lang="zh-CN" altLang="en-US"/>
           </a:p>
           <a:p>
             <a:pPr lvl="3"/>
@@ -831,6 +724,7 @@
               <a:rPr lang="zh-CN" altLang="en-US"/>
               <a:t>四级</a:t>
             </a:r>
+            <a:endParaRPr lang="zh-CN" altLang="en-US"/>
           </a:p>
           <a:p>
             <a:pPr lvl="4"/>
@@ -838,18 +732,13 @@
               <a:rPr lang="zh-CN" altLang="en-US"/>
               <a:t>五级</a:t>
             </a:r>
+            <a:endParaRPr lang="zh-CN" altLang="en-US"/>
           </a:p>
         </p:txBody>
       </p:sp>
       <p:sp>
         <p:nvSpPr>
-          <p:cNvPr id="4" name="日期占位符 3">
-            <a:extLst>
-              <a:ext uri="{FF2B5EF4-FFF2-40B4-BE49-F238E27FC236}">
-                <a16:creationId xmlns:a16="http://schemas.microsoft.com/office/drawing/2014/main" id="{430EA525-EF4E-4D26-A5B1-F62811789347}"/>
-              </a:ext>
-            </a:extLst>
-          </p:cNvPr>
+          <p:cNvPr id="4" name="日期占位符 3"/>
           <p:cNvSpPr>
             <a:spLocks noGrp="1"/>
           </p:cNvSpPr>
@@ -864,7 +753,6 @@
           <a:p>
             <a:fld id="{0A2A24A1-F9D5-47DE-BEF7-BF7C028037DC}" type="datetimeFigureOut">
               <a:rPr lang="zh-CN" altLang="en-US" smtClean="0"/>
-              <a:t>2022/1/13</a:t>
             </a:fld>
             <a:endParaRPr lang="zh-CN" altLang="en-US"/>
           </a:p>
@@ -872,13 +760,7 @@
       </p:sp>
       <p:sp>
         <p:nvSpPr>
-          <p:cNvPr id="5" name="页脚占位符 4">
-            <a:extLst>
-              <a:ext uri="{FF2B5EF4-FFF2-40B4-BE49-F238E27FC236}">
-                <a16:creationId xmlns:a16="http://schemas.microsoft.com/office/drawing/2014/main" id="{9671C8BF-F0A9-4F4D-8417-2083593D61CB}"/>
-              </a:ext>
-            </a:extLst>
-          </p:cNvPr>
+          <p:cNvPr id="5" name="页脚占位符 4"/>
           <p:cNvSpPr>
             <a:spLocks noGrp="1"/>
           </p:cNvSpPr>
@@ -897,13 +779,7 @@
       </p:sp>
       <p:sp>
         <p:nvSpPr>
-          <p:cNvPr id="6" name="灯片编号占位符 5">
-            <a:extLst>
-              <a:ext uri="{FF2B5EF4-FFF2-40B4-BE49-F238E27FC236}">
-                <a16:creationId xmlns:a16="http://schemas.microsoft.com/office/drawing/2014/main" id="{F5B65314-9BAD-4E7A-BB3E-CEF8838DA4C8}"/>
-              </a:ext>
-            </a:extLst>
-          </p:cNvPr>
+          <p:cNvPr id="6" name="灯片编号占位符 5"/>
           <p:cNvSpPr>
             <a:spLocks noGrp="1"/>
           </p:cNvSpPr>
@@ -918,18 +794,12 @@
           <a:p>
             <a:fld id="{516DC589-589F-4765-8D9F-7EE345FE25A5}" type="slidenum">
               <a:rPr lang="zh-CN" altLang="en-US" smtClean="0"/>
-              <a:t>‹#›</a:t>
             </a:fld>
             <a:endParaRPr lang="zh-CN" altLang="en-US"/>
           </a:p>
         </p:txBody>
       </p:sp>
     </p:spTree>
-    <p:extLst>
-      <p:ext uri="{BB962C8B-B14F-4D97-AF65-F5344CB8AC3E}">
-        <p14:creationId xmlns:p14="http://schemas.microsoft.com/office/powerpoint/2010/main" val="1424459127"/>
-      </p:ext>
-    </p:extLst>
   </p:cSld>
   <p:clrMapOvr>
     <a:masterClrMapping/>
@@ -956,13 +826,7 @@
       </p:grpSpPr>
       <p:sp>
         <p:nvSpPr>
-          <p:cNvPr id="2" name="标题 1">
-            <a:extLst>
-              <a:ext uri="{FF2B5EF4-FFF2-40B4-BE49-F238E27FC236}">
-                <a16:creationId xmlns:a16="http://schemas.microsoft.com/office/drawing/2014/main" id="{EB317AC6-3C67-4E4C-8528-EA9103C6A22B}"/>
-              </a:ext>
-            </a:extLst>
-          </p:cNvPr>
+          <p:cNvPr id="2" name="标题 1"/>
           <p:cNvSpPr>
             <a:spLocks noGrp="1"/>
           </p:cNvSpPr>
@@ -988,18 +852,13 @@
               <a:rPr lang="zh-CN" altLang="en-US"/>
               <a:t>单击此处编辑母版标题样式</a:t>
             </a:r>
+            <a:endParaRPr lang="zh-CN" altLang="en-US"/>
           </a:p>
         </p:txBody>
       </p:sp>
       <p:sp>
         <p:nvSpPr>
-          <p:cNvPr id="3" name="文本占位符 2">
-            <a:extLst>
-              <a:ext uri="{FF2B5EF4-FFF2-40B4-BE49-F238E27FC236}">
-                <a16:creationId xmlns:a16="http://schemas.microsoft.com/office/drawing/2014/main" id="{F04EC126-1DFC-4340-B34E-DDBE83593A8F}"/>
-              </a:ext>
-            </a:extLst>
-          </p:cNvPr>
+          <p:cNvPr id="3" name="文本占位符 2"/>
           <p:cNvSpPr>
             <a:spLocks noGrp="1"/>
           </p:cNvSpPr>
@@ -1113,18 +972,13 @@
               <a:rPr lang="zh-CN" altLang="en-US"/>
               <a:t>单击此处编辑母版文本样式</a:t>
             </a:r>
+            <a:endParaRPr lang="zh-CN" altLang="en-US"/>
           </a:p>
         </p:txBody>
       </p:sp>
       <p:sp>
         <p:nvSpPr>
-          <p:cNvPr id="4" name="日期占位符 3">
-            <a:extLst>
-              <a:ext uri="{FF2B5EF4-FFF2-40B4-BE49-F238E27FC236}">
-                <a16:creationId xmlns:a16="http://schemas.microsoft.com/office/drawing/2014/main" id="{C3338686-FA2C-4593-8BB0-DEB0F63E3CCB}"/>
-              </a:ext>
-            </a:extLst>
-          </p:cNvPr>
+          <p:cNvPr id="4" name="日期占位符 3"/>
           <p:cNvSpPr>
             <a:spLocks noGrp="1"/>
           </p:cNvSpPr>
@@ -1139,7 +993,6 @@
           <a:p>
             <a:fld id="{0A2A24A1-F9D5-47DE-BEF7-BF7C028037DC}" type="datetimeFigureOut">
               <a:rPr lang="zh-CN" altLang="en-US" smtClean="0"/>
-              <a:t>2022/1/13</a:t>
             </a:fld>
             <a:endParaRPr lang="zh-CN" altLang="en-US"/>
           </a:p>
@@ -1147,13 +1000,7 @@
       </p:sp>
       <p:sp>
         <p:nvSpPr>
-          <p:cNvPr id="5" name="页脚占位符 4">
-            <a:extLst>
-              <a:ext uri="{FF2B5EF4-FFF2-40B4-BE49-F238E27FC236}">
-                <a16:creationId xmlns:a16="http://schemas.microsoft.com/office/drawing/2014/main" id="{23433730-3063-436D-95B5-B6B8DF899F27}"/>
-              </a:ext>
-            </a:extLst>
-          </p:cNvPr>
+          <p:cNvPr id="5" name="页脚占位符 4"/>
           <p:cNvSpPr>
             <a:spLocks noGrp="1"/>
           </p:cNvSpPr>
@@ -1172,13 +1019,7 @@
       </p:sp>
       <p:sp>
         <p:nvSpPr>
-          <p:cNvPr id="6" name="灯片编号占位符 5">
-            <a:extLst>
-              <a:ext uri="{FF2B5EF4-FFF2-40B4-BE49-F238E27FC236}">
-                <a16:creationId xmlns:a16="http://schemas.microsoft.com/office/drawing/2014/main" id="{619D4036-CA00-41A3-8961-093A7B628C6B}"/>
-              </a:ext>
-            </a:extLst>
-          </p:cNvPr>
+          <p:cNvPr id="6" name="灯片编号占位符 5"/>
           <p:cNvSpPr>
             <a:spLocks noGrp="1"/>
           </p:cNvSpPr>
@@ -1193,18 +1034,12 @@
           <a:p>
             <a:fld id="{516DC589-589F-4765-8D9F-7EE345FE25A5}" type="slidenum">
               <a:rPr lang="zh-CN" altLang="en-US" smtClean="0"/>
-              <a:t>‹#›</a:t>
             </a:fld>
             <a:endParaRPr lang="zh-CN" altLang="en-US"/>
           </a:p>
         </p:txBody>
       </p:sp>
     </p:spTree>
-    <p:extLst>
-      <p:ext uri="{BB962C8B-B14F-4D97-AF65-F5344CB8AC3E}">
-        <p14:creationId xmlns:p14="http://schemas.microsoft.com/office/powerpoint/2010/main" val="1821555427"/>
-      </p:ext>
-    </p:extLst>
   </p:cSld>
   <p:clrMapOvr>
     <a:masterClrMapping/>
@@ -1231,13 +1066,7 @@
       </p:grpSpPr>
       <p:sp>
         <p:nvSpPr>
-          <p:cNvPr id="2" name="标题 1">
-            <a:extLst>
-              <a:ext uri="{FF2B5EF4-FFF2-40B4-BE49-F238E27FC236}">
-                <a16:creationId xmlns:a16="http://schemas.microsoft.com/office/drawing/2014/main" id="{701DC2AF-F82D-433D-A0C4-D812AA45550F}"/>
-              </a:ext>
-            </a:extLst>
-          </p:cNvPr>
+          <p:cNvPr id="2" name="标题 1"/>
           <p:cNvSpPr>
             <a:spLocks noGrp="1"/>
           </p:cNvSpPr>
@@ -1254,18 +1083,13 @@
               <a:rPr lang="zh-CN" altLang="en-US"/>
               <a:t>单击此处编辑母版标题样式</a:t>
             </a:r>
+            <a:endParaRPr lang="zh-CN" altLang="en-US"/>
           </a:p>
         </p:txBody>
       </p:sp>
       <p:sp>
         <p:nvSpPr>
-          <p:cNvPr id="3" name="内容占位符 2">
-            <a:extLst>
-              <a:ext uri="{FF2B5EF4-FFF2-40B4-BE49-F238E27FC236}">
-                <a16:creationId xmlns:a16="http://schemas.microsoft.com/office/drawing/2014/main" id="{2EF78300-EB66-4E25-971D-766534AD7F57}"/>
-              </a:ext>
-            </a:extLst>
-          </p:cNvPr>
+          <p:cNvPr id="3" name="内容占位符 2"/>
           <p:cNvSpPr>
             <a:spLocks noGrp="1"/>
           </p:cNvSpPr>
@@ -1288,6 +1112,7 @@
               <a:rPr lang="zh-CN" altLang="en-US"/>
               <a:t>单击此处编辑母版文本样式</a:t>
             </a:r>
+            <a:endParaRPr lang="zh-CN" altLang="en-US"/>
           </a:p>
           <a:p>
             <a:pPr lvl="1"/>
@@ -1295,6 +1120,7 @@
               <a:rPr lang="zh-CN" altLang="en-US"/>
               <a:t>二级</a:t>
             </a:r>
+            <a:endParaRPr lang="zh-CN" altLang="en-US"/>
           </a:p>
           <a:p>
             <a:pPr lvl="2"/>
@@ -1302,6 +1128,7 @@
               <a:rPr lang="zh-CN" altLang="en-US"/>
               <a:t>三级</a:t>
             </a:r>
+            <a:endParaRPr lang="zh-CN" altLang="en-US"/>
           </a:p>
           <a:p>
             <a:pPr lvl="3"/>
@@ -1309,6 +1136,7 @@
               <a:rPr lang="zh-CN" altLang="en-US"/>
               <a:t>四级</a:t>
             </a:r>
+            <a:endParaRPr lang="zh-CN" altLang="en-US"/>
           </a:p>
           <a:p>
             <a:pPr lvl="4"/>
@@ -1316,18 +1144,13 @@
               <a:rPr lang="zh-CN" altLang="en-US"/>
               <a:t>五级</a:t>
             </a:r>
+            <a:endParaRPr lang="zh-CN" altLang="en-US"/>
           </a:p>
         </p:txBody>
       </p:sp>
       <p:sp>
         <p:nvSpPr>
-          <p:cNvPr id="4" name="内容占位符 3">
-            <a:extLst>
-              <a:ext uri="{FF2B5EF4-FFF2-40B4-BE49-F238E27FC236}">
-                <a16:creationId xmlns:a16="http://schemas.microsoft.com/office/drawing/2014/main" id="{02249891-9139-4FAB-A86F-9E44BC637AF0}"/>
-              </a:ext>
-            </a:extLst>
-          </p:cNvPr>
+          <p:cNvPr id="4" name="内容占位符 3"/>
           <p:cNvSpPr>
             <a:spLocks noGrp="1"/>
           </p:cNvSpPr>
@@ -1350,6 +1173,7 @@
               <a:rPr lang="zh-CN" altLang="en-US"/>
               <a:t>单击此处编辑母版文本样式</a:t>
             </a:r>
+            <a:endParaRPr lang="zh-CN" altLang="en-US"/>
           </a:p>
           <a:p>
             <a:pPr lvl="1"/>
@@ -1357,6 +1181,7 @@
               <a:rPr lang="zh-CN" altLang="en-US"/>
               <a:t>二级</a:t>
             </a:r>
+            <a:endParaRPr lang="zh-CN" altLang="en-US"/>
           </a:p>
           <a:p>
             <a:pPr lvl="2"/>
@@ -1364,6 +1189,7 @@
               <a:rPr lang="zh-CN" altLang="en-US"/>
               <a:t>三级</a:t>
             </a:r>
+            <a:endParaRPr lang="zh-CN" altLang="en-US"/>
           </a:p>
           <a:p>
             <a:pPr lvl="3"/>
@@ -1371,6 +1197,7 @@
               <a:rPr lang="zh-CN" altLang="en-US"/>
               <a:t>四级</a:t>
             </a:r>
+            <a:endParaRPr lang="zh-CN" altLang="en-US"/>
           </a:p>
           <a:p>
             <a:pPr lvl="4"/>
@@ -1378,18 +1205,13 @@
               <a:rPr lang="zh-CN" altLang="en-US"/>
               <a:t>五级</a:t>
             </a:r>
+            <a:endParaRPr lang="zh-CN" altLang="en-US"/>
           </a:p>
         </p:txBody>
       </p:sp>
       <p:sp>
         <p:nvSpPr>
-          <p:cNvPr id="5" name="日期占位符 4">
-            <a:extLst>
-              <a:ext uri="{FF2B5EF4-FFF2-40B4-BE49-F238E27FC236}">
-                <a16:creationId xmlns:a16="http://schemas.microsoft.com/office/drawing/2014/main" id="{6F7533D8-65B7-45E2-A15B-FEEA4021CE71}"/>
-              </a:ext>
-            </a:extLst>
-          </p:cNvPr>
+          <p:cNvPr id="5" name="日期占位符 4"/>
           <p:cNvSpPr>
             <a:spLocks noGrp="1"/>
           </p:cNvSpPr>
@@ -1404,7 +1226,6 @@
           <a:p>
             <a:fld id="{0A2A24A1-F9D5-47DE-BEF7-BF7C028037DC}" type="datetimeFigureOut">
               <a:rPr lang="zh-CN" altLang="en-US" smtClean="0"/>
-              <a:t>2022/1/13</a:t>
             </a:fld>
             <a:endParaRPr lang="zh-CN" altLang="en-US"/>
           </a:p>
@@ -1412,13 +1233,7 @@
       </p:sp>
       <p:sp>
         <p:nvSpPr>
-          <p:cNvPr id="6" name="页脚占位符 5">
-            <a:extLst>
-              <a:ext uri="{FF2B5EF4-FFF2-40B4-BE49-F238E27FC236}">
-                <a16:creationId xmlns:a16="http://schemas.microsoft.com/office/drawing/2014/main" id="{3DE84EF4-7324-47F6-927B-874D84A0B658}"/>
-              </a:ext>
-            </a:extLst>
-          </p:cNvPr>
+          <p:cNvPr id="6" name="页脚占位符 5"/>
           <p:cNvSpPr>
             <a:spLocks noGrp="1"/>
           </p:cNvSpPr>
@@ -1437,13 +1252,7 @@
       </p:sp>
       <p:sp>
         <p:nvSpPr>
-          <p:cNvPr id="7" name="灯片编号占位符 6">
-            <a:extLst>
-              <a:ext uri="{FF2B5EF4-FFF2-40B4-BE49-F238E27FC236}">
-                <a16:creationId xmlns:a16="http://schemas.microsoft.com/office/drawing/2014/main" id="{FAFEAB80-B841-46AD-8A08-E293C8C45C80}"/>
-              </a:ext>
-            </a:extLst>
-          </p:cNvPr>
+          <p:cNvPr id="7" name="灯片编号占位符 6"/>
           <p:cNvSpPr>
             <a:spLocks noGrp="1"/>
           </p:cNvSpPr>
@@ -1458,18 +1267,12 @@
           <a:p>
             <a:fld id="{516DC589-589F-4765-8D9F-7EE345FE25A5}" type="slidenum">
               <a:rPr lang="zh-CN" altLang="en-US" smtClean="0"/>
-              <a:t>‹#›</a:t>
             </a:fld>
             <a:endParaRPr lang="zh-CN" altLang="en-US"/>
           </a:p>
         </p:txBody>
       </p:sp>
     </p:spTree>
-    <p:extLst>
-      <p:ext uri="{BB962C8B-B14F-4D97-AF65-F5344CB8AC3E}">
-        <p14:creationId xmlns:p14="http://schemas.microsoft.com/office/powerpoint/2010/main" val="4080595081"/>
-      </p:ext>
-    </p:extLst>
   </p:cSld>
   <p:clrMapOvr>
     <a:masterClrMapping/>
@@ -1496,13 +1299,7 @@
       </p:grpSpPr>
       <p:sp>
         <p:nvSpPr>
-          <p:cNvPr id="2" name="标题 1">
-            <a:extLst>
-              <a:ext uri="{FF2B5EF4-FFF2-40B4-BE49-F238E27FC236}">
-                <a16:creationId xmlns:a16="http://schemas.microsoft.com/office/drawing/2014/main" id="{ADE9D228-E21B-428F-8A50-9C0D9DF4AD81}"/>
-              </a:ext>
-            </a:extLst>
-          </p:cNvPr>
+          <p:cNvPr id="2" name="标题 1"/>
           <p:cNvSpPr>
             <a:spLocks noGrp="1"/>
           </p:cNvSpPr>
@@ -1524,18 +1321,13 @@
               <a:rPr lang="zh-CN" altLang="en-US"/>
               <a:t>单击此处编辑母版标题样式</a:t>
             </a:r>
+            <a:endParaRPr lang="zh-CN" altLang="en-US"/>
           </a:p>
         </p:txBody>
       </p:sp>
       <p:sp>
         <p:nvSpPr>
-          <p:cNvPr id="3" name="文本占位符 2">
-            <a:extLst>
-              <a:ext uri="{FF2B5EF4-FFF2-40B4-BE49-F238E27FC236}">
-                <a16:creationId xmlns:a16="http://schemas.microsoft.com/office/drawing/2014/main" id="{70D3E180-4CB6-49A7-A15C-D65C933FA169}"/>
-              </a:ext>
-            </a:extLst>
-          </p:cNvPr>
+          <p:cNvPr id="3" name="文本占位符 2"/>
           <p:cNvSpPr>
             <a:spLocks noGrp="1"/>
           </p:cNvSpPr>
@@ -1595,18 +1387,13 @@
               <a:rPr lang="zh-CN" altLang="en-US"/>
               <a:t>单击此处编辑母版文本样式</a:t>
             </a:r>
+            <a:endParaRPr lang="zh-CN" altLang="en-US"/>
           </a:p>
         </p:txBody>
       </p:sp>
       <p:sp>
         <p:nvSpPr>
-          <p:cNvPr id="4" name="内容占位符 3">
-            <a:extLst>
-              <a:ext uri="{FF2B5EF4-FFF2-40B4-BE49-F238E27FC236}">
-                <a16:creationId xmlns:a16="http://schemas.microsoft.com/office/drawing/2014/main" id="{43F6BA05-75BB-460A-9DA7-B3EB1D70FD50}"/>
-              </a:ext>
-            </a:extLst>
-          </p:cNvPr>
+          <p:cNvPr id="4" name="内容占位符 3"/>
           <p:cNvSpPr>
             <a:spLocks noGrp="1"/>
           </p:cNvSpPr>
@@ -1629,6 +1416,7 @@
               <a:rPr lang="zh-CN" altLang="en-US"/>
               <a:t>单击此处编辑母版文本样式</a:t>
             </a:r>
+            <a:endParaRPr lang="zh-CN" altLang="en-US"/>
           </a:p>
           <a:p>
             <a:pPr lvl="1"/>
@@ -1636,6 +1424,7 @@
               <a:rPr lang="zh-CN" altLang="en-US"/>
               <a:t>二级</a:t>
             </a:r>
+            <a:endParaRPr lang="zh-CN" altLang="en-US"/>
           </a:p>
           <a:p>
             <a:pPr lvl="2"/>
@@ -1643,6 +1432,7 @@
               <a:rPr lang="zh-CN" altLang="en-US"/>
               <a:t>三级</a:t>
             </a:r>
+            <a:endParaRPr lang="zh-CN" altLang="en-US"/>
           </a:p>
           <a:p>
             <a:pPr lvl="3"/>
@@ -1650,6 +1440,7 @@
               <a:rPr lang="zh-CN" altLang="en-US"/>
               <a:t>四级</a:t>
             </a:r>
+            <a:endParaRPr lang="zh-CN" altLang="en-US"/>
           </a:p>
           <a:p>
             <a:pPr lvl="4"/>
@@ -1657,18 +1448,13 @@
               <a:rPr lang="zh-CN" altLang="en-US"/>
               <a:t>五级</a:t>
             </a:r>
+            <a:endParaRPr lang="zh-CN" altLang="en-US"/>
           </a:p>
         </p:txBody>
       </p:sp>
       <p:sp>
         <p:nvSpPr>
-          <p:cNvPr id="5" name="文本占位符 4">
-            <a:extLst>
-              <a:ext uri="{FF2B5EF4-FFF2-40B4-BE49-F238E27FC236}">
-                <a16:creationId xmlns:a16="http://schemas.microsoft.com/office/drawing/2014/main" id="{086F6583-41E9-4B8F-984B-7F435B1264F9}"/>
-              </a:ext>
-            </a:extLst>
-          </p:cNvPr>
+          <p:cNvPr id="5" name="文本占位符 4"/>
           <p:cNvSpPr>
             <a:spLocks noGrp="1"/>
           </p:cNvSpPr>
@@ -1728,18 +1514,13 @@
               <a:rPr lang="zh-CN" altLang="en-US"/>
               <a:t>单击此处编辑母版文本样式</a:t>
             </a:r>
+            <a:endParaRPr lang="zh-CN" altLang="en-US"/>
           </a:p>
         </p:txBody>
       </p:sp>
       <p:sp>
         <p:nvSpPr>
-          <p:cNvPr id="6" name="内容占位符 5">
-            <a:extLst>
-              <a:ext uri="{FF2B5EF4-FFF2-40B4-BE49-F238E27FC236}">
-                <a16:creationId xmlns:a16="http://schemas.microsoft.com/office/drawing/2014/main" id="{6230120A-B1E9-447E-BA57-8D1B000011C9}"/>
-              </a:ext>
-            </a:extLst>
-          </p:cNvPr>
+          <p:cNvPr id="6" name="内容占位符 5"/>
           <p:cNvSpPr>
             <a:spLocks noGrp="1"/>
           </p:cNvSpPr>
@@ -1762,6 +1543,7 @@
               <a:rPr lang="zh-CN" altLang="en-US"/>
               <a:t>单击此处编辑母版文本样式</a:t>
             </a:r>
+            <a:endParaRPr lang="zh-CN" altLang="en-US"/>
           </a:p>
           <a:p>
             <a:pPr lvl="1"/>
@@ -1769,6 +1551,7 @@
               <a:rPr lang="zh-CN" altLang="en-US"/>
               <a:t>二级</a:t>
             </a:r>
+            <a:endParaRPr lang="zh-CN" altLang="en-US"/>
           </a:p>
           <a:p>
             <a:pPr lvl="2"/>
@@ -1776,6 +1559,7 @@
               <a:rPr lang="zh-CN" altLang="en-US"/>
               <a:t>三级</a:t>
             </a:r>
+            <a:endParaRPr lang="zh-CN" altLang="en-US"/>
           </a:p>
           <a:p>
             <a:pPr lvl="3"/>
@@ -1783,6 +1567,7 @@
               <a:rPr lang="zh-CN" altLang="en-US"/>
               <a:t>四级</a:t>
             </a:r>
+            <a:endParaRPr lang="zh-CN" altLang="en-US"/>
           </a:p>
           <a:p>
             <a:pPr lvl="4"/>
@@ -1790,18 +1575,13 @@
               <a:rPr lang="zh-CN" altLang="en-US"/>
               <a:t>五级</a:t>
             </a:r>
+            <a:endParaRPr lang="zh-CN" altLang="en-US"/>
           </a:p>
         </p:txBody>
       </p:sp>
       <p:sp>
         <p:nvSpPr>
-          <p:cNvPr id="7" name="日期占位符 6">
-            <a:extLst>
-              <a:ext uri="{FF2B5EF4-FFF2-40B4-BE49-F238E27FC236}">
-                <a16:creationId xmlns:a16="http://schemas.microsoft.com/office/drawing/2014/main" id="{877BE004-9B8E-4658-AA86-992557578770}"/>
-              </a:ext>
-            </a:extLst>
-          </p:cNvPr>
+          <p:cNvPr id="7" name="日期占位符 6"/>
           <p:cNvSpPr>
             <a:spLocks noGrp="1"/>
           </p:cNvSpPr>
@@ -1816,7 +1596,6 @@
           <a:p>
             <a:fld id="{0A2A24A1-F9D5-47DE-BEF7-BF7C028037DC}" type="datetimeFigureOut">
               <a:rPr lang="zh-CN" altLang="en-US" smtClean="0"/>
-              <a:t>2022/1/13</a:t>
             </a:fld>
             <a:endParaRPr lang="zh-CN" altLang="en-US"/>
           </a:p>
@@ -1824,13 +1603,7 @@
       </p:sp>
       <p:sp>
         <p:nvSpPr>
-          <p:cNvPr id="8" name="页脚占位符 7">
-            <a:extLst>
-              <a:ext uri="{FF2B5EF4-FFF2-40B4-BE49-F238E27FC236}">
-                <a16:creationId xmlns:a16="http://schemas.microsoft.com/office/drawing/2014/main" id="{5CB6E1D7-B08C-4120-A476-9233CC97F719}"/>
-              </a:ext>
-            </a:extLst>
-          </p:cNvPr>
+          <p:cNvPr id="8" name="页脚占位符 7"/>
           <p:cNvSpPr>
             <a:spLocks noGrp="1"/>
           </p:cNvSpPr>
@@ -1849,13 +1622,7 @@
       </p:sp>
       <p:sp>
         <p:nvSpPr>
-          <p:cNvPr id="9" name="灯片编号占位符 8">
-            <a:extLst>
-              <a:ext uri="{FF2B5EF4-FFF2-40B4-BE49-F238E27FC236}">
-                <a16:creationId xmlns:a16="http://schemas.microsoft.com/office/drawing/2014/main" id="{89A0D416-A118-4A36-98BE-DFB8AFD50E08}"/>
-              </a:ext>
-            </a:extLst>
-          </p:cNvPr>
+          <p:cNvPr id="9" name="灯片编号占位符 8"/>
           <p:cNvSpPr>
             <a:spLocks noGrp="1"/>
           </p:cNvSpPr>
@@ -1870,18 +1637,12 @@
           <a:p>
             <a:fld id="{516DC589-589F-4765-8D9F-7EE345FE25A5}" type="slidenum">
               <a:rPr lang="zh-CN" altLang="en-US" smtClean="0"/>
-              <a:t>‹#›</a:t>
             </a:fld>
             <a:endParaRPr lang="zh-CN" altLang="en-US"/>
           </a:p>
         </p:txBody>
       </p:sp>
     </p:spTree>
-    <p:extLst>
-      <p:ext uri="{BB962C8B-B14F-4D97-AF65-F5344CB8AC3E}">
-        <p14:creationId xmlns:p14="http://schemas.microsoft.com/office/powerpoint/2010/main" val="3192336285"/>
-      </p:ext>
-    </p:extLst>
   </p:cSld>
   <p:clrMapOvr>
     <a:masterClrMapping/>
@@ -1908,13 +1669,7 @@
       </p:grpSpPr>
       <p:sp>
         <p:nvSpPr>
-          <p:cNvPr id="2" name="标题 1">
-            <a:extLst>
-              <a:ext uri="{FF2B5EF4-FFF2-40B4-BE49-F238E27FC236}">
-                <a16:creationId xmlns:a16="http://schemas.microsoft.com/office/drawing/2014/main" id="{4CDD4CCF-45B8-4F1E-8988-39705E039B3C}"/>
-              </a:ext>
-            </a:extLst>
-          </p:cNvPr>
+          <p:cNvPr id="2" name="标题 1"/>
           <p:cNvSpPr>
             <a:spLocks noGrp="1"/>
           </p:cNvSpPr>
@@ -1931,18 +1686,13 @@
               <a:rPr lang="zh-CN" altLang="en-US"/>
               <a:t>单击此处编辑母版标题样式</a:t>
             </a:r>
+            <a:endParaRPr lang="zh-CN" altLang="en-US"/>
           </a:p>
         </p:txBody>
       </p:sp>
       <p:sp>
         <p:nvSpPr>
-          <p:cNvPr id="3" name="日期占位符 2">
-            <a:extLst>
-              <a:ext uri="{FF2B5EF4-FFF2-40B4-BE49-F238E27FC236}">
-                <a16:creationId xmlns:a16="http://schemas.microsoft.com/office/drawing/2014/main" id="{7775DC6A-8D73-4C56-9151-84087D742EA7}"/>
-              </a:ext>
-            </a:extLst>
-          </p:cNvPr>
+          <p:cNvPr id="3" name="日期占位符 2"/>
           <p:cNvSpPr>
             <a:spLocks noGrp="1"/>
           </p:cNvSpPr>
@@ -1957,7 +1707,6 @@
           <a:p>
             <a:fld id="{0A2A24A1-F9D5-47DE-BEF7-BF7C028037DC}" type="datetimeFigureOut">
               <a:rPr lang="zh-CN" altLang="en-US" smtClean="0"/>
-              <a:t>2022/1/13</a:t>
             </a:fld>
             <a:endParaRPr lang="zh-CN" altLang="en-US"/>
           </a:p>
@@ -1965,13 +1714,7 @@
       </p:sp>
       <p:sp>
         <p:nvSpPr>
-          <p:cNvPr id="4" name="页脚占位符 3">
-            <a:extLst>
-              <a:ext uri="{FF2B5EF4-FFF2-40B4-BE49-F238E27FC236}">
-                <a16:creationId xmlns:a16="http://schemas.microsoft.com/office/drawing/2014/main" id="{DECFB43D-C6B8-4966-ABD5-5FE1AB73FA00}"/>
-              </a:ext>
-            </a:extLst>
-          </p:cNvPr>
+          <p:cNvPr id="4" name="页脚占位符 3"/>
           <p:cNvSpPr>
             <a:spLocks noGrp="1"/>
           </p:cNvSpPr>
@@ -1990,13 +1733,7 @@
       </p:sp>
       <p:sp>
         <p:nvSpPr>
-          <p:cNvPr id="5" name="灯片编号占位符 4">
-            <a:extLst>
-              <a:ext uri="{FF2B5EF4-FFF2-40B4-BE49-F238E27FC236}">
-                <a16:creationId xmlns:a16="http://schemas.microsoft.com/office/drawing/2014/main" id="{EA5669BA-616B-46C0-8A4E-5085066395B6}"/>
-              </a:ext>
-            </a:extLst>
-          </p:cNvPr>
+          <p:cNvPr id="5" name="灯片编号占位符 4"/>
           <p:cNvSpPr>
             <a:spLocks noGrp="1"/>
           </p:cNvSpPr>
@@ -2011,18 +1748,12 @@
           <a:p>
             <a:fld id="{516DC589-589F-4765-8D9F-7EE345FE25A5}" type="slidenum">
               <a:rPr lang="zh-CN" altLang="en-US" smtClean="0"/>
-              <a:t>‹#›</a:t>
             </a:fld>
             <a:endParaRPr lang="zh-CN" altLang="en-US"/>
           </a:p>
         </p:txBody>
       </p:sp>
     </p:spTree>
-    <p:extLst>
-      <p:ext uri="{BB962C8B-B14F-4D97-AF65-F5344CB8AC3E}">
-        <p14:creationId xmlns:p14="http://schemas.microsoft.com/office/powerpoint/2010/main" val="3359947423"/>
-      </p:ext>
-    </p:extLst>
   </p:cSld>
   <p:clrMapOvr>
     <a:masterClrMapping/>
@@ -2049,13 +1780,7 @@
       </p:grpSpPr>
       <p:sp>
         <p:nvSpPr>
-          <p:cNvPr id="2" name="日期占位符 1">
-            <a:extLst>
-              <a:ext uri="{FF2B5EF4-FFF2-40B4-BE49-F238E27FC236}">
-                <a16:creationId xmlns:a16="http://schemas.microsoft.com/office/drawing/2014/main" id="{B9FECA81-64A9-4A2B-B225-D92DB0DB7DD9}"/>
-              </a:ext>
-            </a:extLst>
-          </p:cNvPr>
+          <p:cNvPr id="2" name="日期占位符 1"/>
           <p:cNvSpPr>
             <a:spLocks noGrp="1"/>
           </p:cNvSpPr>
@@ -2070,7 +1795,6 @@
           <a:p>
             <a:fld id="{0A2A24A1-F9D5-47DE-BEF7-BF7C028037DC}" type="datetimeFigureOut">
               <a:rPr lang="zh-CN" altLang="en-US" smtClean="0"/>
-              <a:t>2022/1/13</a:t>
             </a:fld>
             <a:endParaRPr lang="zh-CN" altLang="en-US"/>
           </a:p>
@@ -2078,13 +1802,7 @@
       </p:sp>
       <p:sp>
         <p:nvSpPr>
-          <p:cNvPr id="3" name="页脚占位符 2">
-            <a:extLst>
-              <a:ext uri="{FF2B5EF4-FFF2-40B4-BE49-F238E27FC236}">
-                <a16:creationId xmlns:a16="http://schemas.microsoft.com/office/drawing/2014/main" id="{6E5890FE-30A3-47C8-83B1-F5CF53A15C33}"/>
-              </a:ext>
-            </a:extLst>
-          </p:cNvPr>
+          <p:cNvPr id="3" name="页脚占位符 2"/>
           <p:cNvSpPr>
             <a:spLocks noGrp="1"/>
           </p:cNvSpPr>
@@ -2103,13 +1821,7 @@
       </p:sp>
       <p:sp>
         <p:nvSpPr>
-          <p:cNvPr id="4" name="灯片编号占位符 3">
-            <a:extLst>
-              <a:ext uri="{FF2B5EF4-FFF2-40B4-BE49-F238E27FC236}">
-                <a16:creationId xmlns:a16="http://schemas.microsoft.com/office/drawing/2014/main" id="{DFA641EA-8767-4064-BDFB-93A1BF85C63F}"/>
-              </a:ext>
-            </a:extLst>
-          </p:cNvPr>
+          <p:cNvPr id="4" name="灯片编号占位符 3"/>
           <p:cNvSpPr>
             <a:spLocks noGrp="1"/>
           </p:cNvSpPr>
@@ -2124,18 +1836,12 @@
           <a:p>
             <a:fld id="{516DC589-589F-4765-8D9F-7EE345FE25A5}" type="slidenum">
               <a:rPr lang="zh-CN" altLang="en-US" smtClean="0"/>
-              <a:t>‹#›</a:t>
             </a:fld>
             <a:endParaRPr lang="zh-CN" altLang="en-US"/>
           </a:p>
         </p:txBody>
       </p:sp>
     </p:spTree>
-    <p:extLst>
-      <p:ext uri="{BB962C8B-B14F-4D97-AF65-F5344CB8AC3E}">
-        <p14:creationId xmlns:p14="http://schemas.microsoft.com/office/powerpoint/2010/main" val="4070159756"/>
-      </p:ext>
-    </p:extLst>
   </p:cSld>
   <p:clrMapOvr>
     <a:masterClrMapping/>
@@ -2162,13 +1868,7 @@
       </p:grpSpPr>
       <p:sp>
         <p:nvSpPr>
-          <p:cNvPr id="2" name="标题 1">
-            <a:extLst>
-              <a:ext uri="{FF2B5EF4-FFF2-40B4-BE49-F238E27FC236}">
-                <a16:creationId xmlns:a16="http://schemas.microsoft.com/office/drawing/2014/main" id="{BB964330-E399-43C8-9496-FD9BC19E6F9D}"/>
-              </a:ext>
-            </a:extLst>
-          </p:cNvPr>
+          <p:cNvPr id="2" name="标题 1"/>
           <p:cNvSpPr>
             <a:spLocks noGrp="1"/>
           </p:cNvSpPr>
@@ -2194,18 +1894,13 @@
               <a:rPr lang="zh-CN" altLang="en-US"/>
               <a:t>单击此处编辑母版标题样式</a:t>
             </a:r>
+            <a:endParaRPr lang="zh-CN" altLang="en-US"/>
           </a:p>
         </p:txBody>
       </p:sp>
       <p:sp>
         <p:nvSpPr>
-          <p:cNvPr id="3" name="内容占位符 2">
-            <a:extLst>
-              <a:ext uri="{FF2B5EF4-FFF2-40B4-BE49-F238E27FC236}">
-                <a16:creationId xmlns:a16="http://schemas.microsoft.com/office/drawing/2014/main" id="{8C8DC6B3-5475-4984-A728-7462595E1D70}"/>
-              </a:ext>
-            </a:extLst>
-          </p:cNvPr>
+          <p:cNvPr id="3" name="内容占位符 2"/>
           <p:cNvSpPr>
             <a:spLocks noGrp="1"/>
           </p:cNvSpPr>
@@ -2256,6 +1951,7 @@
               <a:rPr lang="zh-CN" altLang="en-US"/>
               <a:t>单击此处编辑母版文本样式</a:t>
             </a:r>
+            <a:endParaRPr lang="zh-CN" altLang="en-US"/>
           </a:p>
           <a:p>
             <a:pPr lvl="1"/>
@@ -2263,6 +1959,7 @@
               <a:rPr lang="zh-CN" altLang="en-US"/>
               <a:t>二级</a:t>
             </a:r>
+            <a:endParaRPr lang="zh-CN" altLang="en-US"/>
           </a:p>
           <a:p>
             <a:pPr lvl="2"/>
@@ -2270,6 +1967,7 @@
               <a:rPr lang="zh-CN" altLang="en-US"/>
               <a:t>三级</a:t>
             </a:r>
+            <a:endParaRPr lang="zh-CN" altLang="en-US"/>
           </a:p>
           <a:p>
             <a:pPr lvl="3"/>
@@ -2277,6 +1975,7 @@
               <a:rPr lang="zh-CN" altLang="en-US"/>
               <a:t>四级</a:t>
             </a:r>
+            <a:endParaRPr lang="zh-CN" altLang="en-US"/>
           </a:p>
           <a:p>
             <a:pPr lvl="4"/>
@@ -2284,18 +1983,13 @@
               <a:rPr lang="zh-CN" altLang="en-US"/>
               <a:t>五级</a:t>
             </a:r>
+            <a:endParaRPr lang="zh-CN" altLang="en-US"/>
           </a:p>
         </p:txBody>
       </p:sp>
       <p:sp>
         <p:nvSpPr>
-          <p:cNvPr id="4" name="文本占位符 3">
-            <a:extLst>
-              <a:ext uri="{FF2B5EF4-FFF2-40B4-BE49-F238E27FC236}">
-                <a16:creationId xmlns:a16="http://schemas.microsoft.com/office/drawing/2014/main" id="{3DF9C11F-A739-4FCA-8529-B4574808B310}"/>
-              </a:ext>
-            </a:extLst>
-          </p:cNvPr>
+          <p:cNvPr id="4" name="文本占位符 3"/>
           <p:cNvSpPr>
             <a:spLocks noGrp="1"/>
           </p:cNvSpPr>
@@ -2355,18 +2049,13 @@
               <a:rPr lang="zh-CN" altLang="en-US"/>
               <a:t>单击此处编辑母版文本样式</a:t>
             </a:r>
+            <a:endParaRPr lang="zh-CN" altLang="en-US"/>
           </a:p>
         </p:txBody>
       </p:sp>
       <p:sp>
         <p:nvSpPr>
-          <p:cNvPr id="5" name="日期占位符 4">
-            <a:extLst>
-              <a:ext uri="{FF2B5EF4-FFF2-40B4-BE49-F238E27FC236}">
-                <a16:creationId xmlns:a16="http://schemas.microsoft.com/office/drawing/2014/main" id="{62359048-D159-4A3D-9485-2FA12C6E1324}"/>
-              </a:ext>
-            </a:extLst>
-          </p:cNvPr>
+          <p:cNvPr id="5" name="日期占位符 4"/>
           <p:cNvSpPr>
             <a:spLocks noGrp="1"/>
           </p:cNvSpPr>
@@ -2381,7 +2070,6 @@
           <a:p>
             <a:fld id="{0A2A24A1-F9D5-47DE-BEF7-BF7C028037DC}" type="datetimeFigureOut">
               <a:rPr lang="zh-CN" altLang="en-US" smtClean="0"/>
-              <a:t>2022/1/13</a:t>
             </a:fld>
             <a:endParaRPr lang="zh-CN" altLang="en-US"/>
           </a:p>
@@ -2389,13 +2077,7 @@
       </p:sp>
       <p:sp>
         <p:nvSpPr>
-          <p:cNvPr id="6" name="页脚占位符 5">
-            <a:extLst>
-              <a:ext uri="{FF2B5EF4-FFF2-40B4-BE49-F238E27FC236}">
-                <a16:creationId xmlns:a16="http://schemas.microsoft.com/office/drawing/2014/main" id="{2046828E-D32C-4871-845C-4FB3779B923B}"/>
-              </a:ext>
-            </a:extLst>
-          </p:cNvPr>
+          <p:cNvPr id="6" name="页脚占位符 5"/>
           <p:cNvSpPr>
             <a:spLocks noGrp="1"/>
           </p:cNvSpPr>
@@ -2414,13 +2096,7 @@
       </p:sp>
       <p:sp>
         <p:nvSpPr>
-          <p:cNvPr id="7" name="灯片编号占位符 6">
-            <a:extLst>
-              <a:ext uri="{FF2B5EF4-FFF2-40B4-BE49-F238E27FC236}">
-                <a16:creationId xmlns:a16="http://schemas.microsoft.com/office/drawing/2014/main" id="{5E727EF7-14B6-4B7A-AD5F-33EEBF6CEE6F}"/>
-              </a:ext>
-            </a:extLst>
-          </p:cNvPr>
+          <p:cNvPr id="7" name="灯片编号占位符 6"/>
           <p:cNvSpPr>
             <a:spLocks noGrp="1"/>
           </p:cNvSpPr>
@@ -2435,18 +2111,12 @@
           <a:p>
             <a:fld id="{516DC589-589F-4765-8D9F-7EE345FE25A5}" type="slidenum">
               <a:rPr lang="zh-CN" altLang="en-US" smtClean="0"/>
-              <a:t>‹#›</a:t>
             </a:fld>
             <a:endParaRPr lang="zh-CN" altLang="en-US"/>
           </a:p>
         </p:txBody>
       </p:sp>
     </p:spTree>
-    <p:extLst>
-      <p:ext uri="{BB962C8B-B14F-4D97-AF65-F5344CB8AC3E}">
-        <p14:creationId xmlns:p14="http://schemas.microsoft.com/office/powerpoint/2010/main" val="16767394"/>
-      </p:ext>
-    </p:extLst>
   </p:cSld>
   <p:clrMapOvr>
     <a:masterClrMapping/>
@@ -2473,13 +2143,7 @@
       </p:grpSpPr>
       <p:sp>
         <p:nvSpPr>
-          <p:cNvPr id="2" name="标题 1">
-            <a:extLst>
-              <a:ext uri="{FF2B5EF4-FFF2-40B4-BE49-F238E27FC236}">
-                <a16:creationId xmlns:a16="http://schemas.microsoft.com/office/drawing/2014/main" id="{07103F9A-948F-4D1E-AF92-6AE7FB3D231A}"/>
-              </a:ext>
-            </a:extLst>
-          </p:cNvPr>
+          <p:cNvPr id="2" name="标题 1"/>
           <p:cNvSpPr>
             <a:spLocks noGrp="1"/>
           </p:cNvSpPr>
@@ -2505,18 +2169,13 @@
               <a:rPr lang="zh-CN" altLang="en-US"/>
               <a:t>单击此处编辑母版标题样式</a:t>
             </a:r>
+            <a:endParaRPr lang="zh-CN" altLang="en-US"/>
           </a:p>
         </p:txBody>
       </p:sp>
       <p:sp>
         <p:nvSpPr>
-          <p:cNvPr id="3" name="图片占位符 2">
-            <a:extLst>
-              <a:ext uri="{FF2B5EF4-FFF2-40B4-BE49-F238E27FC236}">
-                <a16:creationId xmlns:a16="http://schemas.microsoft.com/office/drawing/2014/main" id="{310576B2-743E-4890-870A-E7C6A57F1FDB}"/>
-              </a:ext>
-            </a:extLst>
-          </p:cNvPr>
+          <p:cNvPr id="3" name="图片占位符 2"/>
           <p:cNvSpPr>
             <a:spLocks noGrp="1"/>
           </p:cNvSpPr>
@@ -2577,13 +2236,7 @@
       </p:sp>
       <p:sp>
         <p:nvSpPr>
-          <p:cNvPr id="4" name="文本占位符 3">
-            <a:extLst>
-              <a:ext uri="{FF2B5EF4-FFF2-40B4-BE49-F238E27FC236}">
-                <a16:creationId xmlns:a16="http://schemas.microsoft.com/office/drawing/2014/main" id="{5939A761-96B4-453F-90D4-454D8EB9D899}"/>
-              </a:ext>
-            </a:extLst>
-          </p:cNvPr>
+          <p:cNvPr id="4" name="文本占位符 3"/>
           <p:cNvSpPr>
             <a:spLocks noGrp="1"/>
           </p:cNvSpPr>
@@ -2643,18 +2296,13 @@
               <a:rPr lang="zh-CN" altLang="en-US"/>
               <a:t>单击此处编辑母版文本样式</a:t>
             </a:r>
+            <a:endParaRPr lang="zh-CN" altLang="en-US"/>
           </a:p>
         </p:txBody>
       </p:sp>
       <p:sp>
         <p:nvSpPr>
-          <p:cNvPr id="5" name="日期占位符 4">
-            <a:extLst>
-              <a:ext uri="{FF2B5EF4-FFF2-40B4-BE49-F238E27FC236}">
-                <a16:creationId xmlns:a16="http://schemas.microsoft.com/office/drawing/2014/main" id="{3DC732B5-9ED6-47F0-BA37-326B973DBDA3}"/>
-              </a:ext>
-            </a:extLst>
-          </p:cNvPr>
+          <p:cNvPr id="5" name="日期占位符 4"/>
           <p:cNvSpPr>
             <a:spLocks noGrp="1"/>
           </p:cNvSpPr>
@@ -2669,7 +2317,6 @@
           <a:p>
             <a:fld id="{0A2A24A1-F9D5-47DE-BEF7-BF7C028037DC}" type="datetimeFigureOut">
               <a:rPr lang="zh-CN" altLang="en-US" smtClean="0"/>
-              <a:t>2022/1/13</a:t>
             </a:fld>
             <a:endParaRPr lang="zh-CN" altLang="en-US"/>
           </a:p>
@@ -2677,13 +2324,7 @@
       </p:sp>
       <p:sp>
         <p:nvSpPr>
-          <p:cNvPr id="6" name="页脚占位符 5">
-            <a:extLst>
-              <a:ext uri="{FF2B5EF4-FFF2-40B4-BE49-F238E27FC236}">
-                <a16:creationId xmlns:a16="http://schemas.microsoft.com/office/drawing/2014/main" id="{51C3A910-A707-4BE1-8412-80D713AB54B2}"/>
-              </a:ext>
-            </a:extLst>
-          </p:cNvPr>
+          <p:cNvPr id="6" name="页脚占位符 5"/>
           <p:cNvSpPr>
             <a:spLocks noGrp="1"/>
           </p:cNvSpPr>
@@ -2702,13 +2343,7 @@
       </p:sp>
       <p:sp>
         <p:nvSpPr>
-          <p:cNvPr id="7" name="灯片编号占位符 6">
-            <a:extLst>
-              <a:ext uri="{FF2B5EF4-FFF2-40B4-BE49-F238E27FC236}">
-                <a16:creationId xmlns:a16="http://schemas.microsoft.com/office/drawing/2014/main" id="{750B7FC1-4D82-422E-A724-7EC8A3630AA7}"/>
-              </a:ext>
-            </a:extLst>
-          </p:cNvPr>
+          <p:cNvPr id="7" name="灯片编号占位符 6"/>
           <p:cNvSpPr>
             <a:spLocks noGrp="1"/>
           </p:cNvSpPr>
@@ -2723,18 +2358,12 @@
           <a:p>
             <a:fld id="{516DC589-589F-4765-8D9F-7EE345FE25A5}" type="slidenum">
               <a:rPr lang="zh-CN" altLang="en-US" smtClean="0"/>
-              <a:t>‹#›</a:t>
             </a:fld>
             <a:endParaRPr lang="zh-CN" altLang="en-US"/>
           </a:p>
         </p:txBody>
       </p:sp>
     </p:spTree>
-    <p:extLst>
-      <p:ext uri="{BB962C8B-B14F-4D97-AF65-F5344CB8AC3E}">
-        <p14:creationId xmlns:p14="http://schemas.microsoft.com/office/powerpoint/2010/main" val="1908383837"/>
-      </p:ext>
-    </p:extLst>
   </p:cSld>
   <p:clrMapOvr>
     <a:masterClrMapping/>
@@ -2766,13 +2395,7 @@
       </p:grpSpPr>
       <p:sp>
         <p:nvSpPr>
-          <p:cNvPr id="2" name="标题占位符 1">
-            <a:extLst>
-              <a:ext uri="{FF2B5EF4-FFF2-40B4-BE49-F238E27FC236}">
-                <a16:creationId xmlns:a16="http://schemas.microsoft.com/office/drawing/2014/main" id="{5707AF12-ED71-48E2-A10A-335E945E148E}"/>
-              </a:ext>
-            </a:extLst>
-          </p:cNvPr>
+          <p:cNvPr id="2" name="标题占位符 1"/>
           <p:cNvSpPr>
             <a:spLocks noGrp="1"/>
           </p:cNvSpPr>
@@ -2799,18 +2422,13 @@
               <a:rPr lang="zh-CN" altLang="en-US"/>
               <a:t>单击此处编辑母版标题样式</a:t>
             </a:r>
+            <a:endParaRPr lang="zh-CN" altLang="en-US"/>
           </a:p>
         </p:txBody>
       </p:sp>
       <p:sp>
         <p:nvSpPr>
-          <p:cNvPr id="3" name="文本占位符 2">
-            <a:extLst>
-              <a:ext uri="{FF2B5EF4-FFF2-40B4-BE49-F238E27FC236}">
-                <a16:creationId xmlns:a16="http://schemas.microsoft.com/office/drawing/2014/main" id="{EB907B23-DA09-471D-ABF0-6DF340724382}"/>
-              </a:ext>
-            </a:extLst>
-          </p:cNvPr>
+          <p:cNvPr id="3" name="文本占位符 2"/>
           <p:cNvSpPr>
             <a:spLocks noGrp="1"/>
           </p:cNvSpPr>
@@ -2838,6 +2456,7 @@
               <a:rPr lang="zh-CN" altLang="en-US"/>
               <a:t>单击此处编辑母版文本样式</a:t>
             </a:r>
+            <a:endParaRPr lang="zh-CN" altLang="en-US"/>
           </a:p>
           <a:p>
             <a:pPr lvl="1"/>
@@ -2845,6 +2464,7 @@
               <a:rPr lang="zh-CN" altLang="en-US"/>
               <a:t>二级</a:t>
             </a:r>
+            <a:endParaRPr lang="zh-CN" altLang="en-US"/>
           </a:p>
           <a:p>
             <a:pPr lvl="2"/>
@@ -2852,6 +2472,7 @@
               <a:rPr lang="zh-CN" altLang="en-US"/>
               <a:t>三级</a:t>
             </a:r>
+            <a:endParaRPr lang="zh-CN" altLang="en-US"/>
           </a:p>
           <a:p>
             <a:pPr lvl="3"/>
@@ -2859,6 +2480,7 @@
               <a:rPr lang="zh-CN" altLang="en-US"/>
               <a:t>四级</a:t>
             </a:r>
+            <a:endParaRPr lang="zh-CN" altLang="en-US"/>
           </a:p>
           <a:p>
             <a:pPr lvl="4"/>
@@ -2866,18 +2488,13 @@
               <a:rPr lang="zh-CN" altLang="en-US"/>
               <a:t>五级</a:t>
             </a:r>
+            <a:endParaRPr lang="zh-CN" altLang="en-US"/>
           </a:p>
         </p:txBody>
       </p:sp>
       <p:sp>
         <p:nvSpPr>
-          <p:cNvPr id="4" name="日期占位符 3">
-            <a:extLst>
-              <a:ext uri="{FF2B5EF4-FFF2-40B4-BE49-F238E27FC236}">
-                <a16:creationId xmlns:a16="http://schemas.microsoft.com/office/drawing/2014/main" id="{B3B90E80-DA74-49A5-9585-AC2D56C7F7D6}"/>
-              </a:ext>
-            </a:extLst>
-          </p:cNvPr>
+          <p:cNvPr id="4" name="日期占位符 3"/>
           <p:cNvSpPr>
             <a:spLocks noGrp="1"/>
           </p:cNvSpPr>
@@ -2910,7 +2527,6 @@
           <a:p>
             <a:fld id="{0A2A24A1-F9D5-47DE-BEF7-BF7C028037DC}" type="datetimeFigureOut">
               <a:rPr lang="zh-CN" altLang="en-US" smtClean="0"/>
-              <a:t>2022/1/13</a:t>
             </a:fld>
             <a:endParaRPr lang="zh-CN" altLang="en-US"/>
           </a:p>
@@ -2918,13 +2534,7 @@
       </p:sp>
       <p:sp>
         <p:nvSpPr>
-          <p:cNvPr id="5" name="页脚占位符 4">
-            <a:extLst>
-              <a:ext uri="{FF2B5EF4-FFF2-40B4-BE49-F238E27FC236}">
-                <a16:creationId xmlns:a16="http://schemas.microsoft.com/office/drawing/2014/main" id="{784F460F-185E-4577-8723-6CEB6C6B00A6}"/>
-              </a:ext>
-            </a:extLst>
-          </p:cNvPr>
+          <p:cNvPr id="5" name="页脚占位符 4"/>
           <p:cNvSpPr>
             <a:spLocks noGrp="1"/>
           </p:cNvSpPr>
@@ -2961,13 +2571,7 @@
       </p:sp>
       <p:sp>
         <p:nvSpPr>
-          <p:cNvPr id="6" name="灯片编号占位符 5">
-            <a:extLst>
-              <a:ext uri="{FF2B5EF4-FFF2-40B4-BE49-F238E27FC236}">
-                <a16:creationId xmlns:a16="http://schemas.microsoft.com/office/drawing/2014/main" id="{5F6C7988-D455-4A31-A3A9-B3980BA67740}"/>
-              </a:ext>
-            </a:extLst>
-          </p:cNvPr>
+          <p:cNvPr id="6" name="灯片编号占位符 5"/>
           <p:cNvSpPr>
             <a:spLocks noGrp="1"/>
           </p:cNvSpPr>
@@ -3000,18 +2604,12 @@
           <a:p>
             <a:fld id="{516DC589-589F-4765-8D9F-7EE345FE25A5}" type="slidenum">
               <a:rPr lang="zh-CN" altLang="en-US" smtClean="0"/>
-              <a:t>‹#›</a:t>
             </a:fld>
             <a:endParaRPr lang="zh-CN" altLang="en-US"/>
           </a:p>
         </p:txBody>
       </p:sp>
     </p:spTree>
-    <p:extLst>
-      <p:ext uri="{BB962C8B-B14F-4D97-AF65-F5344CB8AC3E}">
-        <p14:creationId xmlns:p14="http://schemas.microsoft.com/office/powerpoint/2010/main" val="2616363737"/>
-      </p:ext>
-    </p:extLst>
   </p:cSld>
   <p:clrMap bg1="lt1" tx1="dk1" bg2="lt2" tx2="dk2" accent1="accent1" accent2="accent2" accent3="accent3" accent4="accent4" accent5="accent5" accent6="accent6" hlink="hlink" folHlink="folHlink"/>
   <p:sldLayoutIdLst>
@@ -3329,13 +2927,7 @@
       </p:grpSpPr>
       <p:sp>
         <p:nvSpPr>
-          <p:cNvPr id="2" name="矩形 1">
-            <a:extLst>
-              <a:ext uri="{FF2B5EF4-FFF2-40B4-BE49-F238E27FC236}">
-                <a16:creationId xmlns:a16="http://schemas.microsoft.com/office/drawing/2014/main" id="{4F195E86-3774-48FE-9BC8-674A5954E664}"/>
-              </a:ext>
-            </a:extLst>
-          </p:cNvPr>
+          <p:cNvPr id="2" name="矩形 1"/>
           <p:cNvSpPr/>
           <p:nvPr/>
         </p:nvSpPr>
@@ -3385,13 +2977,7 @@
       </p:sp>
       <p:sp>
         <p:nvSpPr>
-          <p:cNvPr id="20" name="矩形 19">
-            <a:extLst>
-              <a:ext uri="{FF2B5EF4-FFF2-40B4-BE49-F238E27FC236}">
-                <a16:creationId xmlns:a16="http://schemas.microsoft.com/office/drawing/2014/main" id="{0FF1E2ED-808B-40D1-8CFD-16ABFB22F5F9}"/>
-              </a:ext>
-            </a:extLst>
-          </p:cNvPr>
+          <p:cNvPr id="20" name="矩形 19"/>
           <p:cNvSpPr/>
           <p:nvPr/>
         </p:nvSpPr>
@@ -3441,13 +3027,7 @@
       </p:sp>
       <p:cxnSp>
         <p:nvCxnSpPr>
-          <p:cNvPr id="5" name="直接箭头连接符 4">
-            <a:extLst>
-              <a:ext uri="{FF2B5EF4-FFF2-40B4-BE49-F238E27FC236}">
-                <a16:creationId xmlns:a16="http://schemas.microsoft.com/office/drawing/2014/main" id="{2B4F049A-87E4-472F-900E-855F7D12927D}"/>
-              </a:ext>
-            </a:extLst>
-          </p:cNvPr>
+          <p:cNvPr id="5" name="直接箭头连接符 4"/>
           <p:cNvCxnSpPr>
             <a:stCxn id="20" idx="1"/>
             <a:endCxn id="2" idx="3"/>
@@ -3483,13 +3063,7 @@
       </p:cxnSp>
       <p:sp>
         <p:nvSpPr>
-          <p:cNvPr id="21" name="矩形 20">
-            <a:extLst>
-              <a:ext uri="{FF2B5EF4-FFF2-40B4-BE49-F238E27FC236}">
-                <a16:creationId xmlns:a16="http://schemas.microsoft.com/office/drawing/2014/main" id="{53BEA093-9B2C-4BFE-AF70-6B2D054BF8FA}"/>
-              </a:ext>
-            </a:extLst>
-          </p:cNvPr>
+          <p:cNvPr id="21" name="矩形 20"/>
           <p:cNvSpPr/>
           <p:nvPr/>
         </p:nvSpPr>
@@ -3539,13 +3113,7 @@
       </p:sp>
       <p:cxnSp>
         <p:nvCxnSpPr>
-          <p:cNvPr id="22" name="直接箭头连接符 21">
-            <a:extLst>
-              <a:ext uri="{FF2B5EF4-FFF2-40B4-BE49-F238E27FC236}">
-                <a16:creationId xmlns:a16="http://schemas.microsoft.com/office/drawing/2014/main" id="{13302D79-7FB5-4919-9BC0-49FB2E9A0DDC}"/>
-              </a:ext>
-            </a:extLst>
-          </p:cNvPr>
+          <p:cNvPr id="22" name="直接箭头连接符 21"/>
           <p:cNvCxnSpPr/>
           <p:nvPr/>
         </p:nvCxnSpPr>
@@ -3578,13 +3146,7 @@
       </p:cxnSp>
       <p:sp>
         <p:nvSpPr>
-          <p:cNvPr id="23" name="矩形 22">
-            <a:extLst>
-              <a:ext uri="{FF2B5EF4-FFF2-40B4-BE49-F238E27FC236}">
-                <a16:creationId xmlns:a16="http://schemas.microsoft.com/office/drawing/2014/main" id="{EB1487C6-94DA-4E0B-BF71-879E08D16E68}"/>
-              </a:ext>
-            </a:extLst>
-          </p:cNvPr>
+          <p:cNvPr id="23" name="矩形 22"/>
           <p:cNvSpPr/>
           <p:nvPr/>
         </p:nvSpPr>
@@ -3634,13 +3196,7 @@
       </p:sp>
       <p:cxnSp>
         <p:nvCxnSpPr>
-          <p:cNvPr id="24" name="直接箭头连接符 23">
-            <a:extLst>
-              <a:ext uri="{FF2B5EF4-FFF2-40B4-BE49-F238E27FC236}">
-                <a16:creationId xmlns:a16="http://schemas.microsoft.com/office/drawing/2014/main" id="{48B87352-3315-465A-A458-9ED4966AD769}"/>
-              </a:ext>
-            </a:extLst>
-          </p:cNvPr>
+          <p:cNvPr id="24" name="直接箭头连接符 23"/>
           <p:cNvCxnSpPr/>
           <p:nvPr/>
         </p:nvCxnSpPr>
@@ -3673,13 +3229,7 @@
       </p:cxnSp>
       <p:sp>
         <p:nvSpPr>
-          <p:cNvPr id="26" name="矩形 25">
-            <a:extLst>
-              <a:ext uri="{FF2B5EF4-FFF2-40B4-BE49-F238E27FC236}">
-                <a16:creationId xmlns:a16="http://schemas.microsoft.com/office/drawing/2014/main" id="{38FDA746-A962-453F-8262-3912A9EBD404}"/>
-              </a:ext>
-            </a:extLst>
-          </p:cNvPr>
+          <p:cNvPr id="26" name="矩形 25"/>
           <p:cNvSpPr/>
           <p:nvPr/>
         </p:nvSpPr>
@@ -3729,13 +3279,7 @@
       </p:sp>
       <p:cxnSp>
         <p:nvCxnSpPr>
-          <p:cNvPr id="27" name="直接箭头连接符 26">
-            <a:extLst>
-              <a:ext uri="{FF2B5EF4-FFF2-40B4-BE49-F238E27FC236}">
-                <a16:creationId xmlns:a16="http://schemas.microsoft.com/office/drawing/2014/main" id="{90473A40-39B6-464C-8913-4EB8545938DC}"/>
-              </a:ext>
-            </a:extLst>
-          </p:cNvPr>
+          <p:cNvPr id="27" name="直接箭头连接符 26"/>
           <p:cNvCxnSpPr/>
           <p:nvPr/>
         </p:nvCxnSpPr>
@@ -3768,13 +3312,7 @@
       </p:cxnSp>
       <p:sp>
         <p:nvSpPr>
-          <p:cNvPr id="28" name="矩形 27">
-            <a:extLst>
-              <a:ext uri="{FF2B5EF4-FFF2-40B4-BE49-F238E27FC236}">
-                <a16:creationId xmlns:a16="http://schemas.microsoft.com/office/drawing/2014/main" id="{AC34C254-EFC1-49F1-8827-90C322385973}"/>
-              </a:ext>
-            </a:extLst>
-          </p:cNvPr>
+          <p:cNvPr id="28" name="矩形 27"/>
           <p:cNvSpPr/>
           <p:nvPr/>
         </p:nvSpPr>
@@ -3824,13 +3362,7 @@
       </p:sp>
       <p:cxnSp>
         <p:nvCxnSpPr>
-          <p:cNvPr id="29" name="直接箭头连接符 28">
-            <a:extLst>
-              <a:ext uri="{FF2B5EF4-FFF2-40B4-BE49-F238E27FC236}">
-                <a16:creationId xmlns:a16="http://schemas.microsoft.com/office/drawing/2014/main" id="{639DFC87-63B8-402E-9669-FD8E781400CF}"/>
-              </a:ext>
-            </a:extLst>
-          </p:cNvPr>
+          <p:cNvPr id="29" name="直接箭头连接符 28"/>
           <p:cNvCxnSpPr/>
           <p:nvPr/>
         </p:nvCxnSpPr>
@@ -3863,13 +3395,7 @@
       </p:cxnSp>
       <p:sp>
         <p:nvSpPr>
-          <p:cNvPr id="8" name="弧形 7">
-            <a:extLst>
-              <a:ext uri="{FF2B5EF4-FFF2-40B4-BE49-F238E27FC236}">
-                <a16:creationId xmlns:a16="http://schemas.microsoft.com/office/drawing/2014/main" id="{0560F176-3C3B-4D5E-82FD-A2F3C4FFA03A}"/>
-              </a:ext>
-            </a:extLst>
-          </p:cNvPr>
+          <p:cNvPr id="8" name="弧形 7"/>
           <p:cNvSpPr/>
           <p:nvPr/>
         </p:nvSpPr>
@@ -3910,13 +3436,7 @@
       </p:sp>
       <p:sp>
         <p:nvSpPr>
-          <p:cNvPr id="15" name="文本框 14">
-            <a:extLst>
-              <a:ext uri="{FF2B5EF4-FFF2-40B4-BE49-F238E27FC236}">
-                <a16:creationId xmlns:a16="http://schemas.microsoft.com/office/drawing/2014/main" id="{AB31B7B9-10C5-4DB1-B0D2-B694981FFAD1}"/>
-              </a:ext>
-            </a:extLst>
-          </p:cNvPr>
+          <p:cNvPr id="15" name="文本框 14"/>
           <p:cNvSpPr txBox="1"/>
           <p:nvPr/>
         </p:nvSpPr>
@@ -3952,13 +3472,7 @@
       </p:sp>
       <p:sp>
         <p:nvSpPr>
-          <p:cNvPr id="31" name="任意多边形: 形状 30">
-            <a:extLst>
-              <a:ext uri="{FF2B5EF4-FFF2-40B4-BE49-F238E27FC236}">
-                <a16:creationId xmlns:a16="http://schemas.microsoft.com/office/drawing/2014/main" id="{C6DC45E6-9EE2-4905-A309-4AFF5AC020A4}"/>
-              </a:ext>
-            </a:extLst>
-          </p:cNvPr>
+          <p:cNvPr id="31" name="任意多边形: 形状 30"/>
           <p:cNvSpPr/>
           <p:nvPr/>
         </p:nvSpPr>
@@ -4157,13 +3671,7 @@
       </p:sp>
       <p:cxnSp>
         <p:nvCxnSpPr>
-          <p:cNvPr id="33" name="直接箭头连接符 32">
-            <a:extLst>
-              <a:ext uri="{FF2B5EF4-FFF2-40B4-BE49-F238E27FC236}">
-                <a16:creationId xmlns:a16="http://schemas.microsoft.com/office/drawing/2014/main" id="{3308EEA4-371E-4C5E-B292-D9AC8F7B1551}"/>
-              </a:ext>
-            </a:extLst>
-          </p:cNvPr>
+          <p:cNvPr id="33" name="直接箭头连接符 32"/>
           <p:cNvCxnSpPr/>
           <p:nvPr/>
         </p:nvCxnSpPr>
@@ -4196,13 +3704,7 @@
       </p:cxnSp>
       <p:sp>
         <p:nvSpPr>
-          <p:cNvPr id="34" name="文本框 33">
-            <a:extLst>
-              <a:ext uri="{FF2B5EF4-FFF2-40B4-BE49-F238E27FC236}">
-                <a16:creationId xmlns:a16="http://schemas.microsoft.com/office/drawing/2014/main" id="{EC286E8F-8ECA-40B2-B423-0C51248AB609}"/>
-              </a:ext>
-            </a:extLst>
-          </p:cNvPr>
+          <p:cNvPr id="34" name="文本框 33"/>
           <p:cNvSpPr txBox="1"/>
           <p:nvPr/>
         </p:nvSpPr>
@@ -4229,18 +3731,16 @@
               </a:rPr>
               <a:t>系统存储部分</a:t>
             </a:r>
+            <a:endParaRPr lang="zh-CN" altLang="en-US" sz="1400" dirty="0">
+              <a:latin typeface="Times New Roman" panose="02020603050405020304" pitchFamily="18" charset="0"/>
+              <a:cs typeface="Times New Roman" panose="02020603050405020304" pitchFamily="18" charset="0"/>
+            </a:endParaRPr>
           </a:p>
         </p:txBody>
       </p:sp>
       <p:cxnSp>
         <p:nvCxnSpPr>
-          <p:cNvPr id="36" name="直接箭头连接符 35">
-            <a:extLst>
-              <a:ext uri="{FF2B5EF4-FFF2-40B4-BE49-F238E27FC236}">
-                <a16:creationId xmlns:a16="http://schemas.microsoft.com/office/drawing/2014/main" id="{3486E384-4C8E-406B-A7E8-6FECDE7A71EC}"/>
-              </a:ext>
-            </a:extLst>
-          </p:cNvPr>
+          <p:cNvPr id="36" name="直接箭头连接符 35"/>
           <p:cNvCxnSpPr>
             <a:endCxn id="28" idx="0"/>
           </p:cNvCxnSpPr>
@@ -4275,13 +3775,7 @@
       </p:cxnSp>
       <p:sp>
         <p:nvSpPr>
-          <p:cNvPr id="37" name="文本框 36">
-            <a:extLst>
-              <a:ext uri="{FF2B5EF4-FFF2-40B4-BE49-F238E27FC236}">
-                <a16:creationId xmlns:a16="http://schemas.microsoft.com/office/drawing/2014/main" id="{2B3B802C-6634-4D2E-80D9-849BF13FFC54}"/>
-              </a:ext>
-            </a:extLst>
-          </p:cNvPr>
+          <p:cNvPr id="37" name="文本框 36"/>
           <p:cNvSpPr txBox="1"/>
           <p:nvPr/>
         </p:nvSpPr>
@@ -4316,11 +3810,6 @@
         </p:txBody>
       </p:sp>
     </p:spTree>
-    <p:extLst>
-      <p:ext uri="{BB962C8B-B14F-4D97-AF65-F5344CB8AC3E}">
-        <p14:creationId xmlns:p14="http://schemas.microsoft.com/office/powerpoint/2010/main" val="3334948936"/>
-      </p:ext>
-    </p:extLst>
   </p:cSld>
   <p:clrMapOvr>
     <a:masterClrMapping/>
@@ -4345,62 +3834,3795 @@
           <a:chExt cx="0" cy="0"/>
         </a:xfrm>
       </p:grpSpPr>
+      <p:grpSp>
+        <p:nvGrpSpPr>
+          <p:cNvPr id="6" name="组合 5"/>
+          <p:cNvGrpSpPr/>
+          <p:nvPr/>
+        </p:nvGrpSpPr>
+        <p:grpSpPr>
+          <a:xfrm>
+            <a:off x="2813685" y="613410"/>
+            <a:ext cx="4558030" cy="675640"/>
+            <a:chOff x="3293" y="2448"/>
+            <a:chExt cx="7178" cy="1064"/>
+          </a:xfrm>
+        </p:grpSpPr>
+        <p:sp>
+          <p:nvSpPr>
+            <p:cNvPr id="4" name="矩形 3"/>
+            <p:cNvSpPr/>
+            <p:nvPr/>
+          </p:nvSpPr>
+          <p:spPr>
+            <a:xfrm>
+              <a:off x="3293" y="2448"/>
+              <a:ext cx="3085" cy="1064"/>
+            </a:xfrm>
+            <a:prstGeom prst="rect">
+              <a:avLst/>
+            </a:prstGeom>
+          </p:spPr>
+          <p:style>
+            <a:lnRef idx="2">
+              <a:schemeClr val="accent1">
+                <a:shade val="50000"/>
+              </a:schemeClr>
+            </a:lnRef>
+            <a:fillRef idx="1">
+              <a:schemeClr val="accent1"/>
+            </a:fillRef>
+            <a:effectRef idx="0">
+              <a:schemeClr val="accent1"/>
+            </a:effectRef>
+            <a:fontRef idx="minor">
+              <a:schemeClr val="lt1"/>
+            </a:fontRef>
+          </p:style>
+          <p:txBody>
+            <a:bodyPr rtlCol="0" anchor="ctr"/>
+            <a:p>
+              <a:pPr algn="ctr"/>
+              <a:r>
+                <a:rPr lang="en-US" altLang="zh-CN"/>
+                <a:t>100</a:t>
+              </a:r>
+              <a:endParaRPr lang="en-US" altLang="zh-CN"/>
+            </a:p>
+            <a:p>
+              <a:pPr algn="ctr"/>
+              <a:r>
+                <a:rPr lang="en-US" altLang="zh-CN"/>
+                <a:t>signed by CB</a:t>
+              </a:r>
+              <a:endParaRPr lang="en-US" altLang="zh-CN"/>
+            </a:p>
+          </p:txBody>
+        </p:sp>
+        <p:sp>
+          <p:nvSpPr>
+            <p:cNvPr id="5" name="矩形 4"/>
+            <p:cNvSpPr/>
+            <p:nvPr/>
+          </p:nvSpPr>
+          <p:spPr>
+            <a:xfrm>
+              <a:off x="7387" y="2448"/>
+              <a:ext cx="3085" cy="1064"/>
+            </a:xfrm>
+            <a:prstGeom prst="rect">
+              <a:avLst/>
+            </a:prstGeom>
+          </p:spPr>
+          <p:style>
+            <a:lnRef idx="2">
+              <a:schemeClr val="accent1">
+                <a:shade val="50000"/>
+              </a:schemeClr>
+            </a:lnRef>
+            <a:fillRef idx="1">
+              <a:schemeClr val="accent1"/>
+            </a:fillRef>
+            <a:effectRef idx="0">
+              <a:schemeClr val="accent1"/>
+            </a:effectRef>
+            <a:fontRef idx="minor">
+              <a:schemeClr val="lt1"/>
+            </a:fontRef>
+          </p:style>
+          <p:txBody>
+            <a:bodyPr rtlCol="0" anchor="ctr"/>
+            <a:p>
+              <a:pPr algn="ctr"/>
+              <a:r>
+                <a:rPr lang="en-US" altLang="zh-CN"/>
+                <a:t>50</a:t>
+              </a:r>
+              <a:endParaRPr lang="en-US" altLang="zh-CN"/>
+            </a:p>
+            <a:p>
+              <a:pPr algn="ctr"/>
+              <a:r>
+                <a:rPr lang="en-US" altLang="zh-CN"/>
+                <a:t>signed by CB</a:t>
+              </a:r>
+              <a:endParaRPr lang="en-US" altLang="zh-CN"/>
+            </a:p>
+          </p:txBody>
+        </p:sp>
+      </p:grpSp>
+      <p:grpSp>
+        <p:nvGrpSpPr>
+          <p:cNvPr id="9" name="组合 8"/>
+          <p:cNvGrpSpPr/>
+          <p:nvPr/>
+        </p:nvGrpSpPr>
+        <p:grpSpPr>
+          <a:xfrm>
+            <a:off x="2693035" y="3001010"/>
+            <a:ext cx="4365625" cy="855980"/>
+            <a:chOff x="4241" y="4726"/>
+            <a:chExt cx="6875" cy="1348"/>
+          </a:xfrm>
+        </p:grpSpPr>
+        <p:sp>
+          <p:nvSpPr>
+            <p:cNvPr id="7" name="矩形 6"/>
+            <p:cNvSpPr/>
+            <p:nvPr/>
+          </p:nvSpPr>
+          <p:spPr>
+            <a:xfrm>
+              <a:off x="4241" y="4868"/>
+              <a:ext cx="3085" cy="1064"/>
+            </a:xfrm>
+            <a:prstGeom prst="rect">
+              <a:avLst/>
+            </a:prstGeom>
+          </p:spPr>
+          <p:style>
+            <a:lnRef idx="2">
+              <a:schemeClr val="accent1">
+                <a:shade val="50000"/>
+              </a:schemeClr>
+            </a:lnRef>
+            <a:fillRef idx="1">
+              <a:schemeClr val="accent1"/>
+            </a:fillRef>
+            <a:effectRef idx="0">
+              <a:schemeClr val="accent1"/>
+            </a:effectRef>
+            <a:fontRef idx="minor">
+              <a:schemeClr val="lt1"/>
+            </a:fontRef>
+          </p:style>
+          <p:txBody>
+            <a:bodyPr rtlCol="0" anchor="ctr"/>
+            <a:p>
+              <a:pPr algn="ctr"/>
+              <a:r>
+                <a:rPr lang="en-US" altLang="zh-CN"/>
+                <a:t>100   ID: 017</a:t>
+              </a:r>
+              <a:endParaRPr lang="en-US" altLang="zh-CN"/>
+            </a:p>
+            <a:p>
+              <a:pPr algn="ctr"/>
+              <a:r>
+                <a:rPr lang="en-US" altLang="zh-CN"/>
+                <a:t>signed by CB</a:t>
+              </a:r>
+              <a:endParaRPr lang="en-US" altLang="zh-CN"/>
+            </a:p>
+          </p:txBody>
+        </p:sp>
+        <p:sp>
+          <p:nvSpPr>
+            <p:cNvPr id="8" name="流程图: 磁盘 7"/>
+            <p:cNvSpPr/>
+            <p:nvPr/>
+          </p:nvSpPr>
+          <p:spPr>
+            <a:xfrm>
+              <a:off x="9020" y="4726"/>
+              <a:ext cx="2096" cy="1348"/>
+            </a:xfrm>
+            <a:prstGeom prst="flowChartMagneticDisk">
+              <a:avLst/>
+            </a:prstGeom>
+          </p:spPr>
+          <p:style>
+            <a:lnRef idx="2">
+              <a:schemeClr val="accent1">
+                <a:shade val="50000"/>
+              </a:schemeClr>
+            </a:lnRef>
+            <a:fillRef idx="1">
+              <a:schemeClr val="accent1"/>
+            </a:fillRef>
+            <a:effectRef idx="0">
+              <a:schemeClr val="accent1"/>
+            </a:effectRef>
+            <a:fontRef idx="minor">
+              <a:schemeClr val="lt1"/>
+            </a:fontRef>
+          </p:style>
+          <p:txBody>
+            <a:bodyPr rtlCol="0" anchor="ctr"/>
+            <a:p>
+              <a:pPr algn="ctr"/>
+              <a:r>
+                <a:rPr lang="en-US" altLang="zh-CN"/>
+                <a:t>017  user_A</a:t>
+              </a:r>
+              <a:endParaRPr lang="en-US" altLang="zh-CN"/>
+            </a:p>
+          </p:txBody>
+        </p:sp>
+      </p:grpSp>
+    </p:spTree>
+  </p:cSld>
+  <p:clrMapOvr>
+    <a:masterClrMapping/>
+  </p:clrMapOvr>
+</p:sld>
+</file>
+
+<file path=ppt/slides/slide3.xml><?xml version="1.0" encoding="utf-8"?>
+<p:sld xmlns:a="http://schemas.openxmlformats.org/drawingml/2006/main" xmlns:r="http://schemas.openxmlformats.org/officeDocument/2006/relationships" xmlns:p="http://schemas.openxmlformats.org/presentationml/2006/main">
+  <p:cSld>
+    <p:spTree>
+      <p:nvGrpSpPr>
+        <p:cNvPr id="1" name=""/>
+        <p:cNvGrpSpPr/>
+        <p:nvPr/>
+      </p:nvGrpSpPr>
+      <p:grpSpPr/>
+      <p:grpSp>
+        <p:nvGrpSpPr>
+          <p:cNvPr id="47" name="组合 46"/>
+          <p:cNvGrpSpPr/>
+          <p:nvPr/>
+        </p:nvGrpSpPr>
+        <p:grpSpPr>
+          <a:xfrm>
+            <a:off x="1492250" y="1868170"/>
+            <a:ext cx="8075930" cy="2286000"/>
+            <a:chOff x="2425" y="2942"/>
+            <a:chExt cx="12718" cy="3600"/>
+          </a:xfrm>
+        </p:grpSpPr>
+        <p:sp>
+          <p:nvSpPr>
+            <p:cNvPr id="4" name="矩形 3"/>
+            <p:cNvSpPr/>
+            <p:nvPr/>
+          </p:nvSpPr>
+          <p:spPr>
+            <a:xfrm>
+              <a:off x="2425" y="4140"/>
+              <a:ext cx="2037" cy="1527"/>
+            </a:xfrm>
+            <a:prstGeom prst="rect">
+              <a:avLst/>
+            </a:prstGeom>
+          </p:spPr>
+          <p:style>
+            <a:lnRef idx="2">
+              <a:schemeClr val="accent1">
+                <a:shade val="50000"/>
+              </a:schemeClr>
+            </a:lnRef>
+            <a:fillRef idx="1">
+              <a:schemeClr val="accent1"/>
+            </a:fillRef>
+            <a:effectRef idx="0">
+              <a:schemeClr val="accent1"/>
+            </a:effectRef>
+            <a:fontRef idx="minor">
+              <a:schemeClr val="lt1"/>
+            </a:fontRef>
+          </p:style>
+          <p:txBody>
+            <a:bodyPr rtlCol="0" anchor="ctr"/>
+            <a:p>
+              <a:pPr algn="ctr"/>
+              <a:r>
+                <a:rPr lang="en-US" altLang="zh-CN" sz="1600">
+                  <a:latin typeface="Times New Roman" panose="02020603050405020304" pitchFamily="18" charset="0"/>
+                  <a:cs typeface="Times New Roman" panose="02020603050405020304" pitchFamily="18" charset="0"/>
+                </a:rPr>
+                <a:t>create coin</a:t>
+              </a:r>
+              <a:endParaRPr lang="en-US" altLang="zh-CN" sz="1600">
+                <a:latin typeface="Times New Roman" panose="02020603050405020304" pitchFamily="18" charset="0"/>
+                <a:cs typeface="Times New Roman" panose="02020603050405020304" pitchFamily="18" charset="0"/>
+              </a:endParaRPr>
+            </a:p>
+            <a:p>
+              <a:pPr algn="ctr"/>
+              <a:endParaRPr lang="en-US" altLang="zh-CN" sz="1600">
+                <a:latin typeface="Times New Roman" panose="02020603050405020304" pitchFamily="18" charset="0"/>
+                <a:cs typeface="Times New Roman" panose="02020603050405020304" pitchFamily="18" charset="0"/>
+              </a:endParaRPr>
+            </a:p>
+            <a:p>
+              <a:pPr algn="ctr"/>
+              <a:endParaRPr lang="en-US" altLang="zh-CN" sz="1600">
+                <a:latin typeface="Times New Roman" panose="02020603050405020304" pitchFamily="18" charset="0"/>
+                <a:cs typeface="Times New Roman" panose="02020603050405020304" pitchFamily="18" charset="0"/>
+              </a:endParaRPr>
+            </a:p>
+          </p:txBody>
+        </p:sp>
+        <p:sp>
+          <p:nvSpPr>
+            <p:cNvPr id="5" name="矩形 4"/>
+            <p:cNvSpPr/>
+            <p:nvPr/>
+          </p:nvSpPr>
+          <p:spPr>
+            <a:xfrm>
+              <a:off x="2710" y="4754"/>
+              <a:ext cx="1467" cy="344"/>
+            </a:xfrm>
+            <a:prstGeom prst="rect">
+              <a:avLst/>
+            </a:prstGeom>
+            <a:ln w="28575" cmpd="sng">
+              <a:solidFill>
+                <a:schemeClr val="tx1"/>
+              </a:solidFill>
+              <a:prstDash val="solid"/>
+            </a:ln>
+          </p:spPr>
+          <p:style>
+            <a:lnRef idx="2">
+              <a:schemeClr val="accent1">
+                <a:shade val="50000"/>
+              </a:schemeClr>
+            </a:lnRef>
+            <a:fillRef idx="1">
+              <a:schemeClr val="accent1"/>
+            </a:fillRef>
+            <a:effectRef idx="0">
+              <a:schemeClr val="accent1"/>
+            </a:effectRef>
+            <a:fontRef idx="minor">
+              <a:schemeClr val="lt1"/>
+            </a:fontRef>
+          </p:style>
+          <p:txBody>
+            <a:bodyPr rtlCol="0" anchor="ctr"/>
+            <a:p>
+              <a:pPr algn="ctr"/>
+              <a:r>
+                <a:rPr lang="en-US" altLang="zh-CN" sz="1400">
+                  <a:latin typeface="Times New Roman" panose="02020603050405020304" pitchFamily="18" charset="0"/>
+                  <a:cs typeface="Times New Roman" panose="02020603050405020304" pitchFamily="18" charset="0"/>
+                </a:rPr>
+                <a:t>A(10)</a:t>
+              </a:r>
+              <a:endParaRPr lang="en-US" altLang="zh-CN" sz="1400">
+                <a:latin typeface="Times New Roman" panose="02020603050405020304" pitchFamily="18" charset="0"/>
+                <a:cs typeface="Times New Roman" panose="02020603050405020304" pitchFamily="18" charset="0"/>
+              </a:endParaRPr>
+            </a:p>
+          </p:txBody>
+        </p:sp>
+        <p:grpSp>
+          <p:nvGrpSpPr>
+            <p:cNvPr id="12" name="组合 11"/>
+            <p:cNvGrpSpPr/>
+            <p:nvPr/>
+          </p:nvGrpSpPr>
+          <p:grpSpPr>
+            <a:xfrm>
+              <a:off x="5088" y="4138"/>
+              <a:ext cx="2036" cy="1526"/>
+              <a:chOff x="5088" y="4138"/>
+              <a:chExt cx="2036" cy="1526"/>
+            </a:xfrm>
+          </p:grpSpPr>
+          <p:sp>
+            <p:nvSpPr>
+              <p:cNvPr id="13" name="矩形 12"/>
+              <p:cNvSpPr/>
+              <p:nvPr/>
+            </p:nvSpPr>
+            <p:spPr>
+              <a:xfrm>
+                <a:off x="5088" y="4138"/>
+                <a:ext cx="2037" cy="1527"/>
+              </a:xfrm>
+              <a:prstGeom prst="rect">
+                <a:avLst/>
+              </a:prstGeom>
+            </p:spPr>
+            <p:style>
+              <a:lnRef idx="2">
+                <a:schemeClr val="accent1">
+                  <a:shade val="50000"/>
+                </a:schemeClr>
+              </a:lnRef>
+              <a:fillRef idx="1">
+                <a:schemeClr val="accent1"/>
+              </a:fillRef>
+              <a:effectRef idx="0">
+                <a:schemeClr val="accent1"/>
+              </a:effectRef>
+              <a:fontRef idx="minor">
+                <a:schemeClr val="lt1"/>
+              </a:fontRef>
+            </p:style>
+            <p:txBody>
+              <a:bodyPr rtlCol="0" anchor="ctr"/>
+              <a:p>
+                <a:pPr algn="ctr"/>
+                <a:endParaRPr lang="en-US" altLang="zh-CN" sz="1600">
+                  <a:latin typeface="Times New Roman" panose="02020603050405020304" pitchFamily="18" charset="0"/>
+                  <a:cs typeface="Times New Roman" panose="02020603050405020304" pitchFamily="18" charset="0"/>
+                </a:endParaRPr>
+              </a:p>
+              <a:p>
+                <a:pPr algn="ctr"/>
+                <a:endParaRPr lang="en-US" altLang="zh-CN" sz="1600">
+                  <a:latin typeface="Times New Roman" panose="02020603050405020304" pitchFamily="18" charset="0"/>
+                  <a:cs typeface="Times New Roman" panose="02020603050405020304" pitchFamily="18" charset="0"/>
+                </a:endParaRPr>
+              </a:p>
+              <a:p>
+                <a:pPr algn="ctr"/>
+                <a:endParaRPr lang="en-US" altLang="zh-CN" sz="1600">
+                  <a:latin typeface="Times New Roman" panose="02020603050405020304" pitchFamily="18" charset="0"/>
+                  <a:cs typeface="Times New Roman" panose="02020603050405020304" pitchFamily="18" charset="0"/>
+                </a:endParaRPr>
+              </a:p>
+              <a:p>
+                <a:pPr algn="ctr"/>
+                <a:r>
+                  <a:rPr lang="en-US" altLang="zh-CN" sz="1600">
+                    <a:latin typeface="Times New Roman" panose="02020603050405020304" pitchFamily="18" charset="0"/>
+                    <a:cs typeface="Times New Roman" panose="02020603050405020304" pitchFamily="18" charset="0"/>
+                  </a:rPr>
+                  <a:t>signed by A</a:t>
+                </a:r>
+                <a:endParaRPr lang="en-US" altLang="zh-CN" sz="1600">
+                  <a:latin typeface="Times New Roman" panose="02020603050405020304" pitchFamily="18" charset="0"/>
+                  <a:cs typeface="Times New Roman" panose="02020603050405020304" pitchFamily="18" charset="0"/>
+                </a:endParaRPr>
+              </a:p>
+            </p:txBody>
+          </p:sp>
+          <p:sp>
+            <p:nvSpPr>
+              <p:cNvPr id="14" name="矩形 13"/>
+              <p:cNvSpPr/>
+              <p:nvPr/>
+            </p:nvSpPr>
+            <p:spPr>
+              <a:xfrm>
+                <a:off x="5248" y="4339"/>
+                <a:ext cx="1751" cy="344"/>
+              </a:xfrm>
+              <a:prstGeom prst="rect">
+                <a:avLst/>
+              </a:prstGeom>
+              <a:ln w="28575" cmpd="sng">
+                <a:solidFill>
+                  <a:schemeClr val="tx1"/>
+                </a:solidFill>
+                <a:prstDash val="solid"/>
+              </a:ln>
+            </p:spPr>
+            <p:style>
+              <a:lnRef idx="2">
+                <a:schemeClr val="accent1">
+                  <a:shade val="50000"/>
+                </a:schemeClr>
+              </a:lnRef>
+              <a:fillRef idx="1">
+                <a:schemeClr val="accent1"/>
+              </a:fillRef>
+              <a:effectRef idx="0">
+                <a:schemeClr val="accent1"/>
+              </a:effectRef>
+              <a:fontRef idx="minor">
+                <a:schemeClr val="lt1"/>
+              </a:fontRef>
+            </p:style>
+            <p:txBody>
+              <a:bodyPr rtlCol="0" anchor="ctr"/>
+              <a:p>
+                <a:pPr algn="ctr"/>
+                <a:r>
+                  <a:rPr lang="en-US" altLang="zh-CN" sz="1400">
+                    <a:latin typeface="Times New Roman" panose="02020603050405020304" pitchFamily="18" charset="0"/>
+                    <a:cs typeface="Times New Roman" panose="02020603050405020304" pitchFamily="18" charset="0"/>
+                  </a:rPr>
+                  <a:t>A-&gt;B(5)</a:t>
+                </a:r>
+                <a:endParaRPr lang="zh-CN" altLang="en-US" sz="1400">
+                  <a:latin typeface="Times New Roman" panose="02020603050405020304" pitchFamily="18" charset="0"/>
+                  <a:cs typeface="Times New Roman" panose="02020603050405020304" pitchFamily="18" charset="0"/>
+                </a:endParaRPr>
+              </a:p>
+            </p:txBody>
+          </p:sp>
+          <p:sp>
+            <p:nvSpPr>
+              <p:cNvPr id="15" name="矩形 14"/>
+              <p:cNvSpPr/>
+              <p:nvPr/>
+            </p:nvSpPr>
+            <p:spPr>
+              <a:xfrm>
+                <a:off x="5248" y="4843"/>
+                <a:ext cx="1751" cy="344"/>
+              </a:xfrm>
+              <a:prstGeom prst="rect">
+                <a:avLst/>
+              </a:prstGeom>
+              <a:ln w="28575" cmpd="sng">
+                <a:solidFill>
+                  <a:schemeClr val="tx1"/>
+                </a:solidFill>
+                <a:prstDash val="solid"/>
+              </a:ln>
+            </p:spPr>
+            <p:style>
+              <a:lnRef idx="2">
+                <a:schemeClr val="accent1">
+                  <a:shade val="50000"/>
+                </a:schemeClr>
+              </a:lnRef>
+              <a:fillRef idx="1">
+                <a:schemeClr val="accent1"/>
+              </a:fillRef>
+              <a:effectRef idx="0">
+                <a:schemeClr val="accent1"/>
+              </a:effectRef>
+              <a:fontRef idx="minor">
+                <a:schemeClr val="lt1"/>
+              </a:fontRef>
+            </p:style>
+            <p:txBody>
+              <a:bodyPr rtlCol="0" anchor="ctr"/>
+              <a:p>
+                <a:pPr algn="ctr"/>
+                <a:r>
+                  <a:rPr lang="en-US" altLang="zh-CN" sz="1400">
+                    <a:latin typeface="Times New Roman" panose="02020603050405020304" pitchFamily="18" charset="0"/>
+                    <a:cs typeface="Times New Roman" panose="02020603050405020304" pitchFamily="18" charset="0"/>
+                  </a:rPr>
+                  <a:t>A-&gt;C(5)</a:t>
+                </a:r>
+                <a:endParaRPr lang="zh-CN" altLang="en-US" sz="1400">
+                  <a:latin typeface="Times New Roman" panose="02020603050405020304" pitchFamily="18" charset="0"/>
+                  <a:cs typeface="Times New Roman" panose="02020603050405020304" pitchFamily="18" charset="0"/>
+                </a:endParaRPr>
+              </a:p>
+            </p:txBody>
+          </p:sp>
+        </p:grpSp>
+        <p:cxnSp>
+          <p:nvCxnSpPr>
+            <p:cNvPr id="16" name="直接箭头连接符 15"/>
+            <p:cNvCxnSpPr>
+              <a:stCxn id="13" idx="1"/>
+            </p:cNvCxnSpPr>
+            <p:nvPr/>
+          </p:nvCxnSpPr>
+          <p:spPr>
+            <a:xfrm flipH="1">
+              <a:off x="4462" y="4902"/>
+              <a:ext cx="626" cy="2"/>
+            </a:xfrm>
+            <a:prstGeom prst="straightConnector1">
+              <a:avLst/>
+            </a:prstGeom>
+            <a:ln w="38100">
+              <a:tailEnd type="arrow"/>
+            </a:ln>
+          </p:spPr>
+          <p:style>
+            <a:lnRef idx="1">
+              <a:schemeClr val="accent1"/>
+            </a:lnRef>
+            <a:fillRef idx="0">
+              <a:schemeClr val="accent1"/>
+            </a:fillRef>
+            <a:effectRef idx="0">
+              <a:schemeClr val="accent1"/>
+            </a:effectRef>
+            <a:fontRef idx="minor">
+              <a:schemeClr val="tx1"/>
+            </a:fontRef>
+          </p:style>
+        </p:cxnSp>
+        <p:grpSp>
+          <p:nvGrpSpPr>
+            <p:cNvPr id="17" name="组合 16"/>
+            <p:cNvGrpSpPr/>
+            <p:nvPr/>
+          </p:nvGrpSpPr>
+          <p:grpSpPr>
+            <a:xfrm>
+              <a:off x="7757" y="4135"/>
+              <a:ext cx="2036" cy="1526"/>
+              <a:chOff x="5088" y="4138"/>
+              <a:chExt cx="2036" cy="1526"/>
+            </a:xfrm>
+          </p:grpSpPr>
+          <p:sp>
+            <p:nvSpPr>
+              <p:cNvPr id="18" name="矩形 17"/>
+              <p:cNvSpPr/>
+              <p:nvPr/>
+            </p:nvSpPr>
+            <p:spPr>
+              <a:xfrm>
+                <a:off x="5088" y="4138"/>
+                <a:ext cx="2037" cy="1527"/>
+              </a:xfrm>
+              <a:prstGeom prst="rect">
+                <a:avLst/>
+              </a:prstGeom>
+            </p:spPr>
+            <p:style>
+              <a:lnRef idx="2">
+                <a:schemeClr val="accent1">
+                  <a:shade val="50000"/>
+                </a:schemeClr>
+              </a:lnRef>
+              <a:fillRef idx="1">
+                <a:schemeClr val="accent1"/>
+              </a:fillRef>
+              <a:effectRef idx="0">
+                <a:schemeClr val="accent1"/>
+              </a:effectRef>
+              <a:fontRef idx="minor">
+                <a:schemeClr val="lt1"/>
+              </a:fontRef>
+            </p:style>
+            <p:txBody>
+              <a:bodyPr rtlCol="0" anchor="ctr"/>
+              <a:p>
+                <a:pPr algn="ctr"/>
+                <a:endParaRPr lang="en-US" altLang="zh-CN" sz="1600">
+                  <a:latin typeface="Times New Roman" panose="02020603050405020304" pitchFamily="18" charset="0"/>
+                  <a:cs typeface="Times New Roman" panose="02020603050405020304" pitchFamily="18" charset="0"/>
+                </a:endParaRPr>
+              </a:p>
+              <a:p>
+                <a:pPr algn="ctr"/>
+                <a:endParaRPr lang="en-US" altLang="zh-CN" sz="1600">
+                  <a:latin typeface="Times New Roman" panose="02020603050405020304" pitchFamily="18" charset="0"/>
+                  <a:cs typeface="Times New Roman" panose="02020603050405020304" pitchFamily="18" charset="0"/>
+                </a:endParaRPr>
+              </a:p>
+              <a:p>
+                <a:pPr algn="ctr"/>
+                <a:endParaRPr lang="en-US" altLang="zh-CN" sz="1600">
+                  <a:latin typeface="Times New Roman" panose="02020603050405020304" pitchFamily="18" charset="0"/>
+                  <a:cs typeface="Times New Roman" panose="02020603050405020304" pitchFamily="18" charset="0"/>
+                </a:endParaRPr>
+              </a:p>
+              <a:p>
+                <a:pPr algn="ctr"/>
+                <a:r>
+                  <a:rPr lang="en-US" altLang="zh-CN" sz="1600">
+                    <a:latin typeface="Times New Roman" panose="02020603050405020304" pitchFamily="18" charset="0"/>
+                    <a:cs typeface="Times New Roman" panose="02020603050405020304" pitchFamily="18" charset="0"/>
+                  </a:rPr>
+                  <a:t>signed by B</a:t>
+                </a:r>
+                <a:endParaRPr lang="en-US" altLang="zh-CN" sz="1600">
+                  <a:latin typeface="Times New Roman" panose="02020603050405020304" pitchFamily="18" charset="0"/>
+                  <a:cs typeface="Times New Roman" panose="02020603050405020304" pitchFamily="18" charset="0"/>
+                </a:endParaRPr>
+              </a:p>
+            </p:txBody>
+          </p:sp>
+          <p:sp>
+            <p:nvSpPr>
+              <p:cNvPr id="19" name="矩形 18"/>
+              <p:cNvSpPr/>
+              <p:nvPr/>
+            </p:nvSpPr>
+            <p:spPr>
+              <a:xfrm>
+                <a:off x="5248" y="4339"/>
+                <a:ext cx="1751" cy="344"/>
+              </a:xfrm>
+              <a:prstGeom prst="rect">
+                <a:avLst/>
+              </a:prstGeom>
+              <a:ln w="28575" cmpd="sng">
+                <a:solidFill>
+                  <a:schemeClr val="tx1"/>
+                </a:solidFill>
+                <a:prstDash val="solid"/>
+              </a:ln>
+            </p:spPr>
+            <p:style>
+              <a:lnRef idx="2">
+                <a:schemeClr val="accent1">
+                  <a:shade val="50000"/>
+                </a:schemeClr>
+              </a:lnRef>
+              <a:fillRef idx="1">
+                <a:schemeClr val="accent1"/>
+              </a:fillRef>
+              <a:effectRef idx="0">
+                <a:schemeClr val="accent1"/>
+              </a:effectRef>
+              <a:fontRef idx="minor">
+                <a:schemeClr val="lt1"/>
+              </a:fontRef>
+            </p:style>
+            <p:txBody>
+              <a:bodyPr rtlCol="0" anchor="ctr"/>
+              <a:p>
+                <a:pPr algn="ctr"/>
+                <a:r>
+                  <a:rPr lang="en-US" altLang="zh-CN" sz="1400">
+                    <a:latin typeface="Times New Roman" panose="02020603050405020304" pitchFamily="18" charset="0"/>
+                    <a:cs typeface="Times New Roman" panose="02020603050405020304" pitchFamily="18" charset="0"/>
+                  </a:rPr>
+                  <a:t>B-&gt;C(2)</a:t>
+                </a:r>
+                <a:endParaRPr lang="zh-CN" altLang="en-US" sz="1400">
+                  <a:latin typeface="Times New Roman" panose="02020603050405020304" pitchFamily="18" charset="0"/>
+                  <a:cs typeface="Times New Roman" panose="02020603050405020304" pitchFamily="18" charset="0"/>
+                </a:endParaRPr>
+              </a:p>
+            </p:txBody>
+          </p:sp>
+          <p:sp>
+            <p:nvSpPr>
+              <p:cNvPr id="20" name="矩形 19"/>
+              <p:cNvSpPr/>
+              <p:nvPr/>
+            </p:nvSpPr>
+            <p:spPr>
+              <a:xfrm>
+                <a:off x="5248" y="4843"/>
+                <a:ext cx="1751" cy="344"/>
+              </a:xfrm>
+              <a:prstGeom prst="rect">
+                <a:avLst/>
+              </a:prstGeom>
+              <a:ln w="28575" cmpd="sng">
+                <a:solidFill>
+                  <a:schemeClr val="tx1"/>
+                </a:solidFill>
+                <a:prstDash val="solid"/>
+              </a:ln>
+            </p:spPr>
+            <p:style>
+              <a:lnRef idx="2">
+                <a:schemeClr val="accent1">
+                  <a:shade val="50000"/>
+                </a:schemeClr>
+              </a:lnRef>
+              <a:fillRef idx="1">
+                <a:schemeClr val="accent1"/>
+              </a:fillRef>
+              <a:effectRef idx="0">
+                <a:schemeClr val="accent1"/>
+              </a:effectRef>
+              <a:fontRef idx="minor">
+                <a:schemeClr val="lt1"/>
+              </a:fontRef>
+            </p:style>
+            <p:txBody>
+              <a:bodyPr rtlCol="0" anchor="ctr"/>
+              <a:p>
+                <a:pPr algn="ctr"/>
+                <a:r>
+                  <a:rPr lang="en-US" altLang="zh-CN" sz="1400">
+                    <a:latin typeface="Times New Roman" panose="02020603050405020304" pitchFamily="18" charset="0"/>
+                    <a:cs typeface="Times New Roman" panose="02020603050405020304" pitchFamily="18" charset="0"/>
+                  </a:rPr>
+                  <a:t>B-&gt;D(3)</a:t>
+                </a:r>
+                <a:endParaRPr lang="zh-CN" altLang="en-US" sz="1400">
+                  <a:latin typeface="Times New Roman" panose="02020603050405020304" pitchFamily="18" charset="0"/>
+                  <a:cs typeface="Times New Roman" panose="02020603050405020304" pitchFamily="18" charset="0"/>
+                </a:endParaRPr>
+              </a:p>
+            </p:txBody>
+          </p:sp>
+        </p:grpSp>
+        <p:cxnSp>
+          <p:nvCxnSpPr>
+            <p:cNvPr id="21" name="直接箭头连接符 20"/>
+            <p:cNvCxnSpPr/>
+            <p:nvPr/>
+          </p:nvCxnSpPr>
+          <p:spPr>
+            <a:xfrm flipH="1">
+              <a:off x="7125" y="4897"/>
+              <a:ext cx="626" cy="2"/>
+            </a:xfrm>
+            <a:prstGeom prst="straightConnector1">
+              <a:avLst/>
+            </a:prstGeom>
+            <a:ln w="38100">
+              <a:tailEnd type="arrow"/>
+            </a:ln>
+          </p:spPr>
+          <p:style>
+            <a:lnRef idx="1">
+              <a:schemeClr val="accent1"/>
+            </a:lnRef>
+            <a:fillRef idx="0">
+              <a:schemeClr val="accent1"/>
+            </a:fillRef>
+            <a:effectRef idx="0">
+              <a:schemeClr val="accent1"/>
+            </a:effectRef>
+            <a:fontRef idx="minor">
+              <a:schemeClr val="tx1"/>
+            </a:fontRef>
+          </p:style>
+        </p:cxnSp>
+        <p:sp>
+          <p:nvSpPr>
+            <p:cNvPr id="26" name="任意多边形 25"/>
+            <p:cNvSpPr/>
+            <p:nvPr/>
+          </p:nvSpPr>
+          <p:spPr>
+            <a:xfrm>
+              <a:off x="4103" y="3580"/>
+              <a:ext cx="1497" cy="1145"/>
+            </a:xfrm>
+            <a:custGeom>
+              <a:avLst/>
+              <a:gdLst>
+                <a:gd name="connisteX0" fmla="*/ 950595 w 950595"/>
+                <a:gd name="connsiteY0" fmla="*/ 488879 h 727004"/>
+                <a:gd name="connisteX1" fmla="*/ 408940 w 950595"/>
+                <a:gd name="connsiteY1" fmla="*/ 3739 h 727004"/>
+                <a:gd name="connisteX2" fmla="*/ 0 w 950595"/>
+                <a:gd name="connsiteY2" fmla="*/ 727004 h 727004"/>
+                <a:gd name="connisteX3" fmla="*/ 46990 w 950595"/>
+                <a:gd name="connsiteY3" fmla="*/ 736529 h 727004"/>
+              </a:gdLst>
+              <a:ahLst/>
+              <a:cxnLst>
+                <a:cxn ang="0">
+                  <a:pos x="connisteX0" y="connsiteY0"/>
+                </a:cxn>
+                <a:cxn ang="0">
+                  <a:pos x="connisteX1" y="connsiteY1"/>
+                </a:cxn>
+                <a:cxn ang="0">
+                  <a:pos x="connisteX2" y="connsiteY2"/>
+                </a:cxn>
+                <a:cxn ang="0">
+                  <a:pos x="connisteX3" y="connsiteY3"/>
+                </a:cxn>
+              </a:cxnLst>
+              <a:rect l="l" t="t" r="r" b="b"/>
+              <a:pathLst>
+                <a:path w="950595" h="727004">
+                  <a:moveTo>
+                    <a:pt x="950595" y="488879"/>
+                  </a:moveTo>
+                  <a:cubicBezTo>
+                    <a:pt x="850265" y="377119"/>
+                    <a:pt x="598805" y="-43886"/>
+                    <a:pt x="408940" y="3739"/>
+                  </a:cubicBezTo>
+                  <a:cubicBezTo>
+                    <a:pt x="219075" y="51364"/>
+                    <a:pt x="72390" y="580319"/>
+                    <a:pt x="0" y="727004"/>
+                  </a:cubicBezTo>
+                </a:path>
+              </a:pathLst>
+            </a:custGeom>
+            <a:noFill/>
+            <a:ln>
+              <a:solidFill>
+                <a:srgbClr val="FF0000"/>
+              </a:solidFill>
+              <a:tailEnd type="triangle"/>
+            </a:ln>
+          </p:spPr>
+          <p:style>
+            <a:lnRef idx="2">
+              <a:schemeClr val="accent1">
+                <a:shade val="50000"/>
+              </a:schemeClr>
+            </a:lnRef>
+            <a:fillRef idx="1">
+              <a:schemeClr val="accent1"/>
+            </a:fillRef>
+            <a:effectRef idx="0">
+              <a:schemeClr val="accent1"/>
+            </a:effectRef>
+            <a:fontRef idx="minor">
+              <a:schemeClr val="lt1"/>
+            </a:fontRef>
+          </p:style>
+          <p:txBody>
+            <a:bodyPr rtlCol="0" anchor="ctr"/>
+            <a:p>
+              <a:pPr algn="ctr"/>
+              <a:endParaRPr lang="zh-CN" altLang="en-US"/>
+            </a:p>
+          </p:txBody>
+        </p:sp>
+        <p:grpSp>
+          <p:nvGrpSpPr>
+            <p:cNvPr id="27" name="组合 26"/>
+            <p:cNvGrpSpPr/>
+            <p:nvPr/>
+          </p:nvGrpSpPr>
+          <p:grpSpPr>
+            <a:xfrm>
+              <a:off x="10432" y="4140"/>
+              <a:ext cx="2037" cy="1527"/>
+              <a:chOff x="5088" y="4138"/>
+              <a:chExt cx="2037" cy="1527"/>
+            </a:xfrm>
+          </p:grpSpPr>
+          <p:sp>
+            <p:nvSpPr>
+              <p:cNvPr id="28" name="矩形 27"/>
+              <p:cNvSpPr/>
+              <p:nvPr/>
+            </p:nvSpPr>
+            <p:spPr>
+              <a:xfrm>
+                <a:off x="5088" y="4138"/>
+                <a:ext cx="2037" cy="1527"/>
+              </a:xfrm>
+              <a:prstGeom prst="rect">
+                <a:avLst/>
+              </a:prstGeom>
+            </p:spPr>
+            <p:style>
+              <a:lnRef idx="2">
+                <a:schemeClr val="accent1">
+                  <a:shade val="50000"/>
+                </a:schemeClr>
+              </a:lnRef>
+              <a:fillRef idx="1">
+                <a:schemeClr val="accent1"/>
+              </a:fillRef>
+              <a:effectRef idx="0">
+                <a:schemeClr val="accent1"/>
+              </a:effectRef>
+              <a:fontRef idx="minor">
+                <a:schemeClr val="lt1"/>
+              </a:fontRef>
+            </p:style>
+            <p:txBody>
+              <a:bodyPr rtlCol="0" anchor="ctr"/>
+              <a:p>
+                <a:pPr algn="ctr"/>
+                <a:endParaRPr lang="en-US" altLang="zh-CN" sz="1600">
+                  <a:latin typeface="Times New Roman" panose="02020603050405020304" pitchFamily="18" charset="0"/>
+                  <a:cs typeface="Times New Roman" panose="02020603050405020304" pitchFamily="18" charset="0"/>
+                </a:endParaRPr>
+              </a:p>
+              <a:p>
+                <a:pPr algn="ctr"/>
+                <a:endParaRPr lang="en-US" altLang="zh-CN" sz="1600">
+                  <a:latin typeface="Times New Roman" panose="02020603050405020304" pitchFamily="18" charset="0"/>
+                  <a:cs typeface="Times New Roman" panose="02020603050405020304" pitchFamily="18" charset="0"/>
+                </a:endParaRPr>
+              </a:p>
+              <a:p>
+                <a:pPr algn="ctr"/>
+                <a:endParaRPr lang="en-US" altLang="zh-CN" sz="1600">
+                  <a:latin typeface="Times New Roman" panose="02020603050405020304" pitchFamily="18" charset="0"/>
+                  <a:cs typeface="Times New Roman" panose="02020603050405020304" pitchFamily="18" charset="0"/>
+                </a:endParaRPr>
+              </a:p>
+              <a:p>
+                <a:pPr algn="ctr"/>
+                <a:r>
+                  <a:rPr lang="en-US" altLang="zh-CN" sz="1600">
+                    <a:latin typeface="Times New Roman" panose="02020603050405020304" pitchFamily="18" charset="0"/>
+                    <a:cs typeface="Times New Roman" panose="02020603050405020304" pitchFamily="18" charset="0"/>
+                  </a:rPr>
+                  <a:t>signed by C</a:t>
+                </a:r>
+                <a:endParaRPr lang="en-US" altLang="zh-CN" sz="1600">
+                  <a:latin typeface="Times New Roman" panose="02020603050405020304" pitchFamily="18" charset="0"/>
+                  <a:cs typeface="Times New Roman" panose="02020603050405020304" pitchFamily="18" charset="0"/>
+                </a:endParaRPr>
+              </a:p>
+            </p:txBody>
+          </p:sp>
+          <p:sp>
+            <p:nvSpPr>
+              <p:cNvPr id="29" name="矩形 28"/>
+              <p:cNvSpPr/>
+              <p:nvPr/>
+            </p:nvSpPr>
+            <p:spPr>
+              <a:xfrm>
+                <a:off x="5248" y="4339"/>
+                <a:ext cx="1751" cy="344"/>
+              </a:xfrm>
+              <a:prstGeom prst="rect">
+                <a:avLst/>
+              </a:prstGeom>
+              <a:ln w="28575" cmpd="sng">
+                <a:solidFill>
+                  <a:schemeClr val="tx1"/>
+                </a:solidFill>
+                <a:prstDash val="solid"/>
+              </a:ln>
+            </p:spPr>
+            <p:style>
+              <a:lnRef idx="2">
+                <a:schemeClr val="accent1">
+                  <a:shade val="50000"/>
+                </a:schemeClr>
+              </a:lnRef>
+              <a:fillRef idx="1">
+                <a:schemeClr val="accent1"/>
+              </a:fillRef>
+              <a:effectRef idx="0">
+                <a:schemeClr val="accent1"/>
+              </a:effectRef>
+              <a:fontRef idx="minor">
+                <a:schemeClr val="lt1"/>
+              </a:fontRef>
+            </p:style>
+            <p:txBody>
+              <a:bodyPr rtlCol="0" anchor="ctr"/>
+              <a:p>
+                <a:pPr algn="ctr"/>
+                <a:r>
+                  <a:rPr lang="en-US" altLang="zh-CN" sz="1400">
+                    <a:latin typeface="Times New Roman" panose="02020603050405020304" pitchFamily="18" charset="0"/>
+                    <a:cs typeface="Times New Roman" panose="02020603050405020304" pitchFamily="18" charset="0"/>
+                  </a:rPr>
+                  <a:t>C-&gt;E(7)</a:t>
+                </a:r>
+                <a:endParaRPr lang="zh-CN" altLang="en-US" sz="1400">
+                  <a:latin typeface="Times New Roman" panose="02020603050405020304" pitchFamily="18" charset="0"/>
+                  <a:cs typeface="Times New Roman" panose="02020603050405020304" pitchFamily="18" charset="0"/>
+                </a:endParaRPr>
+              </a:p>
+            </p:txBody>
+          </p:sp>
+        </p:grpSp>
+        <p:cxnSp>
+          <p:nvCxnSpPr>
+            <p:cNvPr id="31" name="直接箭头连接符 30"/>
+            <p:cNvCxnSpPr/>
+            <p:nvPr/>
+          </p:nvCxnSpPr>
+          <p:spPr>
+            <a:xfrm flipH="1">
+              <a:off x="9792" y="4925"/>
+              <a:ext cx="626" cy="2"/>
+            </a:xfrm>
+            <a:prstGeom prst="straightConnector1">
+              <a:avLst/>
+            </a:prstGeom>
+            <a:ln w="38100">
+              <a:tailEnd type="arrow"/>
+            </a:ln>
+          </p:spPr>
+          <p:style>
+            <a:lnRef idx="1">
+              <a:schemeClr val="accent1"/>
+            </a:lnRef>
+            <a:fillRef idx="0">
+              <a:schemeClr val="accent1"/>
+            </a:fillRef>
+            <a:effectRef idx="0">
+              <a:schemeClr val="accent1"/>
+            </a:effectRef>
+            <a:fontRef idx="minor">
+              <a:schemeClr val="tx1"/>
+            </a:fontRef>
+          </p:style>
+        </p:cxnSp>
+        <p:sp>
+          <p:nvSpPr>
+            <p:cNvPr id="33" name="任意多边形 32"/>
+            <p:cNvSpPr/>
+            <p:nvPr/>
+          </p:nvSpPr>
+          <p:spPr>
+            <a:xfrm>
+              <a:off x="6484" y="3467"/>
+              <a:ext cx="1887" cy="853"/>
+            </a:xfrm>
+            <a:custGeom>
+              <a:avLst/>
+              <a:gdLst>
+                <a:gd name="connisteX0" fmla="*/ 1198245 w 1198245"/>
+                <a:gd name="connsiteY0" fmla="*/ 532136 h 541661"/>
+                <a:gd name="connisteX1" fmla="*/ 608330 w 1198245"/>
+                <a:gd name="connsiteY1" fmla="*/ 6 h 541661"/>
+                <a:gd name="connisteX2" fmla="*/ 0 w 1198245"/>
+                <a:gd name="connsiteY2" fmla="*/ 541661 h 541661"/>
+              </a:gdLst>
+              <a:ahLst/>
+              <a:cxnLst>
+                <a:cxn ang="0">
+                  <a:pos x="connisteX0" y="connsiteY0"/>
+                </a:cxn>
+                <a:cxn ang="0">
+                  <a:pos x="connisteX1" y="connsiteY1"/>
+                </a:cxn>
+                <a:cxn ang="0">
+                  <a:pos x="connisteX2" y="connsiteY2"/>
+                </a:cxn>
+              </a:cxnLst>
+              <a:rect l="l" t="t" r="r" b="b"/>
+              <a:pathLst>
+                <a:path w="1198245" h="541662">
+                  <a:moveTo>
+                    <a:pt x="1198245" y="532137"/>
+                  </a:moveTo>
+                  <a:cubicBezTo>
+                    <a:pt x="1092200" y="414662"/>
+                    <a:pt x="847725" y="-1898"/>
+                    <a:pt x="608330" y="7"/>
+                  </a:cubicBezTo>
+                  <a:cubicBezTo>
+                    <a:pt x="368935" y="1912"/>
+                    <a:pt x="109855" y="422917"/>
+                    <a:pt x="0" y="541662"/>
+                  </a:cubicBezTo>
+                </a:path>
+              </a:pathLst>
+            </a:custGeom>
+            <a:noFill/>
+            <a:ln>
+              <a:solidFill>
+                <a:srgbClr val="FF0000"/>
+              </a:solidFill>
+              <a:tailEnd type="triangle"/>
+            </a:ln>
+          </p:spPr>
+          <p:style>
+            <a:lnRef idx="2">
+              <a:schemeClr val="accent1">
+                <a:shade val="50000"/>
+              </a:schemeClr>
+            </a:lnRef>
+            <a:fillRef idx="1">
+              <a:schemeClr val="accent1"/>
+            </a:fillRef>
+            <a:effectRef idx="0">
+              <a:schemeClr val="accent1"/>
+            </a:effectRef>
+            <a:fontRef idx="minor">
+              <a:schemeClr val="lt1"/>
+            </a:fontRef>
+          </p:style>
+          <p:txBody>
+            <a:bodyPr rtlCol="0" anchor="ctr"/>
+            <a:p>
+              <a:pPr algn="ctr"/>
+              <a:endParaRPr lang="zh-CN" altLang="en-US"/>
+            </a:p>
+          </p:txBody>
+        </p:sp>
+        <p:sp>
+          <p:nvSpPr>
+            <p:cNvPr id="34" name="任意多边形 33"/>
+            <p:cNvSpPr/>
+            <p:nvPr/>
+          </p:nvSpPr>
+          <p:spPr>
+            <a:xfrm>
+              <a:off x="4058" y="5114"/>
+              <a:ext cx="1707" cy="1048"/>
+            </a:xfrm>
+            <a:custGeom>
+              <a:avLst/>
+              <a:gdLst>
+                <a:gd name="connisteX0" fmla="*/ 1083945 w 1083945"/>
+                <a:gd name="connsiteY0" fmla="*/ 47625 h 665616"/>
+                <a:gd name="connisteX1" fmla="*/ 437515 w 1083945"/>
+                <a:gd name="connsiteY1" fmla="*/ 665480 h 665616"/>
+                <a:gd name="connisteX2" fmla="*/ 0 w 1083945"/>
+                <a:gd name="connsiteY2" fmla="*/ 0 h 665616"/>
+                <a:gd name="connisteX3" fmla="*/ -19050 w 1083945"/>
+                <a:gd name="connsiteY3" fmla="*/ 38100 h 665616"/>
+              </a:gdLst>
+              <a:ahLst/>
+              <a:cxnLst>
+                <a:cxn ang="0">
+                  <a:pos x="connisteX0" y="connsiteY0"/>
+                </a:cxn>
+                <a:cxn ang="0">
+                  <a:pos x="connisteX1" y="connsiteY1"/>
+                </a:cxn>
+                <a:cxn ang="0">
+                  <a:pos x="connisteX2" y="connsiteY2"/>
+                </a:cxn>
+                <a:cxn ang="0">
+                  <a:pos x="connisteX3" y="connsiteY3"/>
+                </a:cxn>
+              </a:cxnLst>
+              <a:rect l="l" t="t" r="r" b="b"/>
+              <a:pathLst>
+                <a:path w="1083945" h="665617">
+                  <a:moveTo>
+                    <a:pt x="1083945" y="47625"/>
+                  </a:moveTo>
+                  <a:cubicBezTo>
+                    <a:pt x="963295" y="184785"/>
+                    <a:pt x="654050" y="675005"/>
+                    <a:pt x="437515" y="665480"/>
+                  </a:cubicBezTo>
+                  <a:cubicBezTo>
+                    <a:pt x="220980" y="655955"/>
+                    <a:pt x="91440" y="125730"/>
+                    <a:pt x="0" y="0"/>
+                  </a:cubicBezTo>
+                </a:path>
+              </a:pathLst>
+            </a:custGeom>
+            <a:noFill/>
+            <a:ln>
+              <a:solidFill>
+                <a:srgbClr val="FF0000"/>
+              </a:solidFill>
+              <a:tailEnd type="triangle"/>
+            </a:ln>
+          </p:spPr>
+          <p:style>
+            <a:lnRef idx="2">
+              <a:schemeClr val="accent1">
+                <a:shade val="50000"/>
+              </a:schemeClr>
+            </a:lnRef>
+            <a:fillRef idx="1">
+              <a:schemeClr val="accent1"/>
+            </a:fillRef>
+            <a:effectRef idx="0">
+              <a:schemeClr val="accent1"/>
+            </a:effectRef>
+            <a:fontRef idx="minor">
+              <a:schemeClr val="lt1"/>
+            </a:fontRef>
+          </p:style>
+          <p:txBody>
+            <a:bodyPr rtlCol="0" anchor="ctr"/>
+            <a:p>
+              <a:pPr algn="ctr"/>
+              <a:endParaRPr lang="zh-CN" altLang="en-US"/>
+            </a:p>
+          </p:txBody>
+        </p:sp>
+        <p:sp>
+          <p:nvSpPr>
+            <p:cNvPr id="38" name="任意多边形 37"/>
+            <p:cNvSpPr/>
+            <p:nvPr/>
+          </p:nvSpPr>
+          <p:spPr>
+            <a:xfrm>
+              <a:off x="6574" y="4665"/>
+              <a:ext cx="1857" cy="1284"/>
+            </a:xfrm>
+            <a:custGeom>
+              <a:avLst/>
+              <a:gdLst>
+                <a:gd name="connisteX0" fmla="*/ 1179195 w 1179195"/>
+                <a:gd name="connsiteY0" fmla="*/ 332740 h 815320"/>
+                <a:gd name="connisteX1" fmla="*/ 598805 w 1179195"/>
+                <a:gd name="connsiteY1" fmla="*/ 808355 h 815320"/>
+                <a:gd name="connisteX2" fmla="*/ 0 w 1179195"/>
+                <a:gd name="connsiteY2" fmla="*/ 0 h 815320"/>
+                <a:gd name="connisteX3" fmla="*/ 9525 w 1179195"/>
+                <a:gd name="connsiteY3" fmla="*/ 0 h 815320"/>
+              </a:gdLst>
+              <a:ahLst/>
+              <a:cxnLst>
+                <a:cxn ang="0">
+                  <a:pos x="connisteX0" y="connsiteY0"/>
+                </a:cxn>
+                <a:cxn ang="0">
+                  <a:pos x="connisteX1" y="connsiteY1"/>
+                </a:cxn>
+                <a:cxn ang="0">
+                  <a:pos x="connisteX2" y="connsiteY2"/>
+                </a:cxn>
+                <a:cxn ang="0">
+                  <a:pos x="connisteX3" y="connsiteY3"/>
+                </a:cxn>
+              </a:cxnLst>
+              <a:rect l="l" t="t" r="r" b="b"/>
+              <a:pathLst>
+                <a:path w="1179195" h="815321">
+                  <a:moveTo>
+                    <a:pt x="1179195" y="332740"/>
+                  </a:moveTo>
+                  <a:cubicBezTo>
+                    <a:pt x="1075055" y="443865"/>
+                    <a:pt x="834390" y="875030"/>
+                    <a:pt x="598805" y="808355"/>
+                  </a:cubicBezTo>
+                  <a:cubicBezTo>
+                    <a:pt x="363220" y="741680"/>
+                    <a:pt x="118110" y="161925"/>
+                    <a:pt x="0" y="0"/>
+                  </a:cubicBezTo>
+                </a:path>
+              </a:pathLst>
+            </a:custGeom>
+            <a:noFill/>
+            <a:ln>
+              <a:solidFill>
+                <a:srgbClr val="FF0000"/>
+              </a:solidFill>
+              <a:tailEnd type="triangle"/>
+            </a:ln>
+          </p:spPr>
+          <p:style>
+            <a:lnRef idx="2">
+              <a:schemeClr val="accent1">
+                <a:shade val="50000"/>
+              </a:schemeClr>
+            </a:lnRef>
+            <a:fillRef idx="1">
+              <a:schemeClr val="accent1"/>
+            </a:fillRef>
+            <a:effectRef idx="0">
+              <a:schemeClr val="accent1"/>
+            </a:effectRef>
+            <a:fontRef idx="minor">
+              <a:schemeClr val="lt1"/>
+            </a:fontRef>
+          </p:style>
+          <p:txBody>
+            <a:bodyPr rtlCol="0" anchor="ctr"/>
+            <a:p>
+              <a:pPr algn="ctr"/>
+              <a:endParaRPr lang="zh-CN" altLang="en-US"/>
+            </a:p>
+          </p:txBody>
+        </p:sp>
+        <p:sp>
+          <p:nvSpPr>
+            <p:cNvPr id="39" name="任意多边形 38"/>
+            <p:cNvSpPr/>
+            <p:nvPr/>
+          </p:nvSpPr>
+          <p:spPr>
+            <a:xfrm>
+              <a:off x="9120" y="3557"/>
+              <a:ext cx="2067" cy="793"/>
+            </a:xfrm>
+            <a:custGeom>
+              <a:avLst/>
+              <a:gdLst>
+                <a:gd name="connisteX0" fmla="*/ 1312545 w 1312545"/>
+                <a:gd name="connsiteY0" fmla="*/ 503670 h 503670"/>
+                <a:gd name="connisteX1" fmla="*/ 636905 w 1312545"/>
+                <a:gd name="connsiteY1" fmla="*/ 115 h 503670"/>
+                <a:gd name="connisteX2" fmla="*/ 0 w 1312545"/>
+                <a:gd name="connsiteY2" fmla="*/ 465570 h 503670"/>
+                <a:gd name="connisteX3" fmla="*/ -57150 w 1312545"/>
+                <a:gd name="connsiteY3" fmla="*/ 513195 h 503670"/>
+              </a:gdLst>
+              <a:ahLst/>
+              <a:cxnLst>
+                <a:cxn ang="0">
+                  <a:pos x="connisteX0" y="connsiteY0"/>
+                </a:cxn>
+                <a:cxn ang="0">
+                  <a:pos x="connisteX1" y="connsiteY1"/>
+                </a:cxn>
+                <a:cxn ang="0">
+                  <a:pos x="connisteX2" y="connsiteY2"/>
+                </a:cxn>
+                <a:cxn ang="0">
+                  <a:pos x="connisteX3" y="connsiteY3"/>
+                </a:cxn>
+              </a:cxnLst>
+              <a:rect l="l" t="t" r="r" b="b"/>
+              <a:pathLst>
+                <a:path w="1312545" h="503671">
+                  <a:moveTo>
+                    <a:pt x="1312545" y="503671"/>
+                  </a:moveTo>
+                  <a:cubicBezTo>
+                    <a:pt x="1189990" y="393816"/>
+                    <a:pt x="899160" y="7736"/>
+                    <a:pt x="636905" y="116"/>
+                  </a:cubicBezTo>
+                  <a:cubicBezTo>
+                    <a:pt x="374650" y="-7504"/>
+                    <a:pt x="139065" y="362701"/>
+                    <a:pt x="0" y="465571"/>
+                  </a:cubicBezTo>
+                </a:path>
+              </a:pathLst>
+            </a:custGeom>
+            <a:noFill/>
+            <a:ln>
+              <a:solidFill>
+                <a:srgbClr val="FF0000"/>
+              </a:solidFill>
+              <a:tailEnd type="triangle"/>
+            </a:ln>
+          </p:spPr>
+          <p:style>
+            <a:lnRef idx="2">
+              <a:schemeClr val="accent1">
+                <a:shade val="50000"/>
+              </a:schemeClr>
+            </a:lnRef>
+            <a:fillRef idx="1">
+              <a:schemeClr val="accent1"/>
+            </a:fillRef>
+            <a:effectRef idx="0">
+              <a:schemeClr val="accent1"/>
+            </a:effectRef>
+            <a:fontRef idx="minor">
+              <a:schemeClr val="lt1"/>
+            </a:fontRef>
+          </p:style>
+          <p:txBody>
+            <a:bodyPr rtlCol="0" anchor="ctr"/>
+            <a:p>
+              <a:pPr algn="ctr"/>
+              <a:endParaRPr lang="zh-CN" altLang="en-US"/>
+            </a:p>
+          </p:txBody>
+        </p:sp>
+        <p:sp>
+          <p:nvSpPr>
+            <p:cNvPr id="40" name="任意多边形 39"/>
+            <p:cNvSpPr/>
+            <p:nvPr/>
+          </p:nvSpPr>
+          <p:spPr>
+            <a:xfrm>
+              <a:off x="6394" y="4695"/>
+              <a:ext cx="4718" cy="1847"/>
+            </a:xfrm>
+            <a:custGeom>
+              <a:avLst/>
+              <a:gdLst>
+                <a:gd name="connisteX0" fmla="*/ 2995930 w 2995930"/>
+                <a:gd name="connsiteY0" fmla="*/ 0 h 1172692"/>
+                <a:gd name="connisteX1" fmla="*/ 655955 w 2995930"/>
+                <a:gd name="connsiteY1" fmla="*/ 1169670 h 1172692"/>
+                <a:gd name="connisteX2" fmla="*/ 0 w 2995930"/>
+                <a:gd name="connsiteY2" fmla="*/ 285115 h 1172692"/>
+                <a:gd name="connisteX3" fmla="*/ 38100 w 2995930"/>
+                <a:gd name="connsiteY3" fmla="*/ 313690 h 1172692"/>
+              </a:gdLst>
+              <a:ahLst/>
+              <a:cxnLst>
+                <a:cxn ang="0">
+                  <a:pos x="connisteX0" y="connsiteY0"/>
+                </a:cxn>
+                <a:cxn ang="0">
+                  <a:pos x="connisteX1" y="connsiteY1"/>
+                </a:cxn>
+                <a:cxn ang="0">
+                  <a:pos x="connisteX2" y="connsiteY2"/>
+                </a:cxn>
+                <a:cxn ang="0">
+                  <a:pos x="connisteX3" y="connsiteY3"/>
+                </a:cxn>
+              </a:cxnLst>
+              <a:rect l="l" t="t" r="r" b="b"/>
+              <a:pathLst>
+                <a:path w="2995930" h="1172692">
+                  <a:moveTo>
+                    <a:pt x="2995930" y="0"/>
+                  </a:moveTo>
+                  <a:cubicBezTo>
+                    <a:pt x="2541270" y="251460"/>
+                    <a:pt x="1255395" y="1112520"/>
+                    <a:pt x="655955" y="1169670"/>
+                  </a:cubicBezTo>
+                  <a:cubicBezTo>
+                    <a:pt x="56515" y="1226820"/>
+                    <a:pt x="123825" y="456565"/>
+                    <a:pt x="0" y="285115"/>
+                  </a:cubicBezTo>
+                </a:path>
+              </a:pathLst>
+            </a:custGeom>
+            <a:noFill/>
+            <a:ln>
+              <a:solidFill>
+                <a:srgbClr val="FF0000"/>
+              </a:solidFill>
+              <a:tailEnd type="triangle"/>
+            </a:ln>
+          </p:spPr>
+          <p:style>
+            <a:lnRef idx="2">
+              <a:schemeClr val="accent1">
+                <a:shade val="50000"/>
+              </a:schemeClr>
+            </a:lnRef>
+            <a:fillRef idx="1">
+              <a:schemeClr val="accent1"/>
+            </a:fillRef>
+            <a:effectRef idx="0">
+              <a:schemeClr val="accent1"/>
+            </a:effectRef>
+            <a:fontRef idx="minor">
+              <a:schemeClr val="lt1"/>
+            </a:fontRef>
+          </p:style>
+          <p:txBody>
+            <a:bodyPr rtlCol="0" anchor="ctr"/>
+            <a:p>
+              <a:pPr algn="ctr"/>
+              <a:endParaRPr lang="zh-CN" altLang="en-US"/>
+            </a:p>
+          </p:txBody>
+        </p:sp>
+        <p:grpSp>
+          <p:nvGrpSpPr>
+            <p:cNvPr id="41" name="组合 40"/>
+            <p:cNvGrpSpPr/>
+            <p:nvPr/>
+          </p:nvGrpSpPr>
+          <p:grpSpPr>
+            <a:xfrm>
+              <a:off x="13107" y="4134"/>
+              <a:ext cx="2037" cy="1527"/>
+              <a:chOff x="5088" y="4138"/>
+              <a:chExt cx="2037" cy="1527"/>
+            </a:xfrm>
+          </p:grpSpPr>
+          <p:sp>
+            <p:nvSpPr>
+              <p:cNvPr id="42" name="矩形 41"/>
+              <p:cNvSpPr/>
+              <p:nvPr/>
+            </p:nvSpPr>
+            <p:spPr>
+              <a:xfrm>
+                <a:off x="5088" y="4138"/>
+                <a:ext cx="2037" cy="1527"/>
+              </a:xfrm>
+              <a:prstGeom prst="rect">
+                <a:avLst/>
+              </a:prstGeom>
+              <a:solidFill>
+                <a:schemeClr val="tx2">
+                  <a:lumMod val="40000"/>
+                  <a:lumOff val="60000"/>
+                </a:schemeClr>
+              </a:solidFill>
+              <a:ln>
+                <a:prstDash val="dash"/>
+              </a:ln>
+            </p:spPr>
+            <p:style>
+              <a:lnRef idx="2">
+                <a:schemeClr val="accent1">
+                  <a:shade val="50000"/>
+                </a:schemeClr>
+              </a:lnRef>
+              <a:fillRef idx="1">
+                <a:schemeClr val="accent1"/>
+              </a:fillRef>
+              <a:effectRef idx="0">
+                <a:schemeClr val="accent1"/>
+              </a:effectRef>
+              <a:fontRef idx="minor">
+                <a:schemeClr val="lt1"/>
+              </a:fontRef>
+            </p:style>
+            <p:txBody>
+              <a:bodyPr rtlCol="0" anchor="ctr"/>
+              <a:p>
+                <a:pPr algn="ctr"/>
+                <a:endParaRPr lang="en-US" altLang="zh-CN" sz="1600">
+                  <a:latin typeface="Times New Roman" panose="02020603050405020304" pitchFamily="18" charset="0"/>
+                  <a:cs typeface="Times New Roman" panose="02020603050405020304" pitchFamily="18" charset="0"/>
+                </a:endParaRPr>
+              </a:p>
+              <a:p>
+                <a:pPr algn="ctr"/>
+                <a:endParaRPr lang="en-US" altLang="zh-CN" sz="1600">
+                  <a:latin typeface="Times New Roman" panose="02020603050405020304" pitchFamily="18" charset="0"/>
+                  <a:cs typeface="Times New Roman" panose="02020603050405020304" pitchFamily="18" charset="0"/>
+                </a:endParaRPr>
+              </a:p>
+              <a:p>
+                <a:pPr algn="ctr"/>
+                <a:endParaRPr lang="en-US" altLang="zh-CN" sz="1600">
+                  <a:latin typeface="Times New Roman" panose="02020603050405020304" pitchFamily="18" charset="0"/>
+                  <a:cs typeface="Times New Roman" panose="02020603050405020304" pitchFamily="18" charset="0"/>
+                </a:endParaRPr>
+              </a:p>
+              <a:p>
+                <a:pPr algn="ctr"/>
+                <a:r>
+                  <a:rPr lang="en-US" altLang="zh-CN" sz="1600">
+                    <a:latin typeface="Times New Roman" panose="02020603050405020304" pitchFamily="18" charset="0"/>
+                    <a:cs typeface="Times New Roman" panose="02020603050405020304" pitchFamily="18" charset="0"/>
+                  </a:rPr>
+                  <a:t>signed by B</a:t>
+                </a:r>
+                <a:endParaRPr lang="en-US" altLang="zh-CN" sz="1600">
+                  <a:latin typeface="Times New Roman" panose="02020603050405020304" pitchFamily="18" charset="0"/>
+                  <a:cs typeface="Times New Roman" panose="02020603050405020304" pitchFamily="18" charset="0"/>
+                </a:endParaRPr>
+              </a:p>
+            </p:txBody>
+          </p:sp>
+          <p:sp>
+            <p:nvSpPr>
+              <p:cNvPr id="43" name="矩形 42"/>
+              <p:cNvSpPr/>
+              <p:nvPr/>
+            </p:nvSpPr>
+            <p:spPr>
+              <a:xfrm>
+                <a:off x="5248" y="4339"/>
+                <a:ext cx="1751" cy="344"/>
+              </a:xfrm>
+              <a:prstGeom prst="rect">
+                <a:avLst/>
+              </a:prstGeom>
+              <a:ln w="28575" cmpd="sng">
+                <a:solidFill>
+                  <a:schemeClr val="tx1"/>
+                </a:solidFill>
+                <a:prstDash val="dash"/>
+              </a:ln>
+            </p:spPr>
+            <p:style>
+              <a:lnRef idx="2">
+                <a:schemeClr val="accent1">
+                  <a:shade val="50000"/>
+                </a:schemeClr>
+              </a:lnRef>
+              <a:fillRef idx="1">
+                <a:schemeClr val="accent1"/>
+              </a:fillRef>
+              <a:effectRef idx="0">
+                <a:schemeClr val="accent1"/>
+              </a:effectRef>
+              <a:fontRef idx="minor">
+                <a:schemeClr val="lt1"/>
+              </a:fontRef>
+            </p:style>
+            <p:txBody>
+              <a:bodyPr rtlCol="0" anchor="ctr"/>
+              <a:p>
+                <a:pPr algn="ctr"/>
+                <a:r>
+                  <a:rPr lang="en-US" altLang="zh-CN" sz="1400">
+                    <a:latin typeface="Times New Roman" panose="02020603050405020304" pitchFamily="18" charset="0"/>
+                    <a:cs typeface="Times New Roman" panose="02020603050405020304" pitchFamily="18" charset="0"/>
+                  </a:rPr>
+                  <a:t>B-&gt;F(5)</a:t>
+                </a:r>
+                <a:endParaRPr lang="zh-CN" altLang="en-US" sz="1400">
+                  <a:latin typeface="Times New Roman" panose="02020603050405020304" pitchFamily="18" charset="0"/>
+                  <a:cs typeface="Times New Roman" panose="02020603050405020304" pitchFamily="18" charset="0"/>
+                </a:endParaRPr>
+              </a:p>
+            </p:txBody>
+          </p:sp>
+        </p:grpSp>
+        <p:cxnSp>
+          <p:nvCxnSpPr>
+            <p:cNvPr id="44" name="直接箭头连接符 43"/>
+            <p:cNvCxnSpPr/>
+            <p:nvPr/>
+          </p:nvCxnSpPr>
+          <p:spPr>
+            <a:xfrm flipH="1">
+              <a:off x="12475" y="4895"/>
+              <a:ext cx="626" cy="2"/>
+            </a:xfrm>
+            <a:prstGeom prst="straightConnector1">
+              <a:avLst/>
+            </a:prstGeom>
+            <a:ln w="38100">
+              <a:tailEnd type="arrow"/>
+            </a:ln>
+          </p:spPr>
+          <p:style>
+            <a:lnRef idx="1">
+              <a:schemeClr val="accent1"/>
+            </a:lnRef>
+            <a:fillRef idx="0">
+              <a:schemeClr val="accent1"/>
+            </a:fillRef>
+            <a:effectRef idx="0">
+              <a:schemeClr val="accent1"/>
+            </a:effectRef>
+            <a:fontRef idx="minor">
+              <a:schemeClr val="tx1"/>
+            </a:fontRef>
+          </p:style>
+        </p:cxnSp>
+        <p:sp>
+          <p:nvSpPr>
+            <p:cNvPr id="45" name="任意多边形 44"/>
+            <p:cNvSpPr/>
+            <p:nvPr/>
+          </p:nvSpPr>
+          <p:spPr>
+            <a:xfrm>
+              <a:off x="6319" y="2942"/>
+              <a:ext cx="7458" cy="1348"/>
+            </a:xfrm>
+            <a:custGeom>
+              <a:avLst/>
+              <a:gdLst>
+                <a:gd name="connisteX0" fmla="*/ 4735830 w 4735830"/>
+                <a:gd name="connsiteY0" fmla="*/ 846459 h 855984"/>
+                <a:gd name="connisteX1" fmla="*/ 1331595 w 4735830"/>
+                <a:gd name="connsiteY1" fmla="*/ 4 h 855984"/>
+                <a:gd name="connisteX2" fmla="*/ 0 w 4735830"/>
+                <a:gd name="connsiteY2" fmla="*/ 855984 h 855984"/>
+              </a:gdLst>
+              <a:ahLst/>
+              <a:cxnLst>
+                <a:cxn ang="0">
+                  <a:pos x="connisteX0" y="connsiteY0"/>
+                </a:cxn>
+                <a:cxn ang="0">
+                  <a:pos x="connisteX1" y="connsiteY1"/>
+                </a:cxn>
+                <a:cxn ang="0">
+                  <a:pos x="connisteX2" y="connsiteY2"/>
+                </a:cxn>
+              </a:cxnLst>
+              <a:rect l="l" t="t" r="r" b="b"/>
+              <a:pathLst>
+                <a:path w="4735830" h="855984">
+                  <a:moveTo>
+                    <a:pt x="4735830" y="846459"/>
+                  </a:moveTo>
+                  <a:cubicBezTo>
+                    <a:pt x="4081780" y="659769"/>
+                    <a:pt x="2279015" y="-1901"/>
+                    <a:pt x="1331595" y="4"/>
+                  </a:cubicBezTo>
+                  <a:cubicBezTo>
+                    <a:pt x="384175" y="1909"/>
+                    <a:pt x="198120" y="668024"/>
+                    <a:pt x="0" y="855984"/>
+                  </a:cubicBezTo>
+                </a:path>
+              </a:pathLst>
+            </a:custGeom>
+            <a:noFill/>
+            <a:ln>
+              <a:solidFill>
+                <a:srgbClr val="FF0000"/>
+              </a:solidFill>
+              <a:prstDash val="dash"/>
+              <a:tailEnd type="triangle"/>
+            </a:ln>
+          </p:spPr>
+          <p:style>
+            <a:lnRef idx="2">
+              <a:schemeClr val="accent1">
+                <a:shade val="50000"/>
+              </a:schemeClr>
+            </a:lnRef>
+            <a:fillRef idx="1">
+              <a:schemeClr val="accent1"/>
+            </a:fillRef>
+            <a:effectRef idx="0">
+              <a:schemeClr val="accent1"/>
+            </a:effectRef>
+            <a:fontRef idx="minor">
+              <a:schemeClr val="lt1"/>
+            </a:fontRef>
+          </p:style>
+          <p:txBody>
+            <a:bodyPr rtlCol="0" anchor="ctr"/>
+            <a:p>
+              <a:pPr algn="ctr"/>
+              <a:endParaRPr lang="zh-CN" altLang="en-US"/>
+            </a:p>
+          </p:txBody>
+        </p:sp>
+        <p:sp>
+          <p:nvSpPr>
+            <p:cNvPr id="46" name="左箭头 45"/>
+            <p:cNvSpPr/>
+            <p:nvPr/>
+          </p:nvSpPr>
+          <p:spPr>
+            <a:xfrm>
+              <a:off x="12343" y="5988"/>
+              <a:ext cx="2576" cy="554"/>
+            </a:xfrm>
+            <a:prstGeom prst="leftArrow">
+              <a:avLst/>
+            </a:prstGeom>
+          </p:spPr>
+          <p:style>
+            <a:lnRef idx="2">
+              <a:schemeClr val="accent1">
+                <a:shade val="50000"/>
+              </a:schemeClr>
+            </a:lnRef>
+            <a:fillRef idx="1">
+              <a:schemeClr val="accent1"/>
+            </a:fillRef>
+            <a:effectRef idx="0">
+              <a:schemeClr val="accent1"/>
+            </a:effectRef>
+            <a:fontRef idx="minor">
+              <a:schemeClr val="lt1"/>
+            </a:fontRef>
+          </p:style>
+          <p:txBody>
+            <a:bodyPr rtlCol="0" anchor="ctr"/>
+            <a:p>
+              <a:pPr algn="ctr"/>
+              <a:r>
+                <a:rPr lang="en-US" altLang="zh-CN" sz="1600">
+                  <a:latin typeface="Times New Roman" panose="02020603050405020304" pitchFamily="18" charset="0"/>
+                  <a:cs typeface="Times New Roman" panose="02020603050405020304" pitchFamily="18" charset="0"/>
+                </a:rPr>
+                <a:t>check(</a:t>
+              </a:r>
+              <a:r>
+                <a:rPr lang="zh-CN" altLang="en-US" sz="1600">
+                  <a:latin typeface="Times New Roman" panose="02020603050405020304" pitchFamily="18" charset="0"/>
+                  <a:cs typeface="Times New Roman" panose="02020603050405020304" pitchFamily="18" charset="0"/>
+                </a:rPr>
+                <a:t>发现问题</a:t>
+              </a:r>
+              <a:r>
+                <a:rPr lang="en-US" altLang="zh-CN" sz="1600">
+                  <a:latin typeface="Times New Roman" panose="02020603050405020304" pitchFamily="18" charset="0"/>
+                  <a:cs typeface="Times New Roman" panose="02020603050405020304" pitchFamily="18" charset="0"/>
+                </a:rPr>
+                <a:t>)</a:t>
+              </a:r>
+              <a:endParaRPr lang="zh-CN" altLang="en-US" sz="1600">
+                <a:latin typeface="Times New Roman" panose="02020603050405020304" pitchFamily="18" charset="0"/>
+                <a:cs typeface="Times New Roman" panose="02020603050405020304" pitchFamily="18" charset="0"/>
+              </a:endParaRPr>
+            </a:p>
+          </p:txBody>
+        </p:sp>
+      </p:grpSp>
+    </p:spTree>
+  </p:cSld>
+  <p:clrMapOvr>
+    <a:masterClrMapping/>
+  </p:clrMapOvr>
+</p:sld>
+</file>
+
+<file path=ppt/slides/slide4.xml><?xml version="1.0" encoding="utf-8"?>
+<p:sld xmlns:a="http://schemas.openxmlformats.org/drawingml/2006/main" xmlns:r="http://schemas.openxmlformats.org/officeDocument/2006/relationships" xmlns:p="http://schemas.openxmlformats.org/presentationml/2006/main">
+  <p:cSld>
+    <p:spTree>
+      <p:nvGrpSpPr>
+        <p:cNvPr id="1" name=""/>
+        <p:cNvGrpSpPr/>
+        <p:nvPr/>
+      </p:nvGrpSpPr>
+      <p:grpSpPr/>
+      <p:grpSp>
+        <p:nvGrpSpPr>
+          <p:cNvPr id="34" name="组合 33"/>
+          <p:cNvGrpSpPr/>
+          <p:nvPr/>
+        </p:nvGrpSpPr>
+        <p:grpSpPr>
+          <a:xfrm>
+            <a:off x="907415" y="1482090"/>
+            <a:ext cx="8054340" cy="2282190"/>
+            <a:chOff x="1429" y="2334"/>
+            <a:chExt cx="12684" cy="3594"/>
+          </a:xfrm>
+        </p:grpSpPr>
+        <p:sp>
+          <p:nvSpPr>
+            <p:cNvPr id="30" name="矩形 29"/>
+            <p:cNvSpPr/>
+            <p:nvPr/>
+          </p:nvSpPr>
+          <p:spPr>
+            <a:xfrm>
+              <a:off x="1683" y="2778"/>
+              <a:ext cx="11937" cy="734"/>
+            </a:xfrm>
+            <a:prstGeom prst="rect">
+              <a:avLst/>
+            </a:prstGeom>
+            <a:noFill/>
+            <a:ln w="19050">
+              <a:solidFill>
+                <a:srgbClr val="FF0000"/>
+              </a:solidFill>
+              <a:prstDash val="dash"/>
+            </a:ln>
+          </p:spPr>
+          <p:style>
+            <a:lnRef idx="2">
+              <a:schemeClr val="accent1">
+                <a:shade val="50000"/>
+              </a:schemeClr>
+            </a:lnRef>
+            <a:fillRef idx="1">
+              <a:schemeClr val="accent1"/>
+            </a:fillRef>
+            <a:effectRef idx="0">
+              <a:schemeClr val="accent1"/>
+            </a:effectRef>
+            <a:fontRef idx="minor">
+              <a:schemeClr val="lt1"/>
+            </a:fontRef>
+          </p:style>
+          <p:txBody>
+            <a:bodyPr rtlCol="0" anchor="ctr"/>
+            <a:p>
+              <a:pPr algn="ctr"/>
+              <a:endParaRPr lang="zh-CN" altLang="en-US"/>
+            </a:p>
+          </p:txBody>
+        </p:sp>
+        <p:grpSp>
+          <p:nvGrpSpPr>
+            <p:cNvPr id="29" name="组合 28"/>
+            <p:cNvGrpSpPr/>
+            <p:nvPr/>
+          </p:nvGrpSpPr>
+          <p:grpSpPr>
+            <a:xfrm>
+              <a:off x="1920" y="2919"/>
+              <a:ext cx="9798" cy="2426"/>
+              <a:chOff x="1920" y="2919"/>
+              <a:chExt cx="9798" cy="2426"/>
+            </a:xfrm>
+          </p:grpSpPr>
+          <p:grpSp>
+            <p:nvGrpSpPr>
+              <p:cNvPr id="16" name="组合 15"/>
+              <p:cNvGrpSpPr/>
+              <p:nvPr/>
+            </p:nvGrpSpPr>
+            <p:grpSpPr>
+              <a:xfrm>
+                <a:off x="4492" y="2919"/>
+                <a:ext cx="2082" cy="2426"/>
+                <a:chOff x="3848" y="2328"/>
+                <a:chExt cx="2082" cy="2426"/>
+              </a:xfrm>
+            </p:grpSpPr>
+            <p:sp>
+              <p:nvSpPr>
+                <p:cNvPr id="4" name="矩形 3"/>
+                <p:cNvSpPr/>
+                <p:nvPr/>
+              </p:nvSpPr>
+              <p:spPr>
+                <a:xfrm>
+                  <a:off x="3848" y="2328"/>
+                  <a:ext cx="2082" cy="495"/>
+                </a:xfrm>
+                <a:prstGeom prst="rect">
+                  <a:avLst/>
+                </a:prstGeom>
+              </p:spPr>
+              <p:style>
+                <a:lnRef idx="2">
+                  <a:schemeClr val="accent1">
+                    <a:shade val="50000"/>
+                  </a:schemeClr>
+                </a:lnRef>
+                <a:fillRef idx="1">
+                  <a:schemeClr val="accent1"/>
+                </a:fillRef>
+                <a:effectRef idx="0">
+                  <a:schemeClr val="accent1"/>
+                </a:effectRef>
+                <a:fontRef idx="minor">
+                  <a:schemeClr val="lt1"/>
+                </a:fontRef>
+              </p:style>
+              <p:txBody>
+                <a:bodyPr rtlCol="0" anchor="ctr"/>
+                <a:p>
+                  <a:pPr algn="ctr"/>
+                  <a:r>
+                    <a:rPr lang="en-US" altLang="zh-CN" sz="1600">
+                      <a:latin typeface="Times New Roman" panose="02020603050405020304" pitchFamily="18" charset="0"/>
+                      <a:cs typeface="Times New Roman" panose="02020603050405020304" pitchFamily="18" charset="0"/>
+                    </a:rPr>
+                    <a:t>Block Header</a:t>
+                  </a:r>
+                  <a:endParaRPr lang="en-US" altLang="zh-CN" sz="1600">
+                    <a:latin typeface="Times New Roman" panose="02020603050405020304" pitchFamily="18" charset="0"/>
+                    <a:cs typeface="Times New Roman" panose="02020603050405020304" pitchFamily="18" charset="0"/>
+                  </a:endParaRPr>
+                </a:p>
+              </p:txBody>
+            </p:sp>
+            <p:sp>
+              <p:nvSpPr>
+                <p:cNvPr id="5" name="矩形 4"/>
+                <p:cNvSpPr/>
+                <p:nvPr/>
+              </p:nvSpPr>
+              <p:spPr>
+                <a:xfrm>
+                  <a:off x="3848" y="3002"/>
+                  <a:ext cx="2082" cy="1753"/>
+                </a:xfrm>
+                <a:prstGeom prst="rect">
+                  <a:avLst/>
+                </a:prstGeom>
+                <a:solidFill>
+                  <a:schemeClr val="accent1">
+                    <a:lumMod val="60000"/>
+                    <a:lumOff val="40000"/>
+                  </a:schemeClr>
+                </a:solidFill>
+              </p:spPr>
+              <p:style>
+                <a:lnRef idx="2">
+                  <a:schemeClr val="accent1">
+                    <a:shade val="50000"/>
+                  </a:schemeClr>
+                </a:lnRef>
+                <a:fillRef idx="1">
+                  <a:schemeClr val="accent1"/>
+                </a:fillRef>
+                <a:effectRef idx="0">
+                  <a:schemeClr val="accent1"/>
+                </a:effectRef>
+                <a:fontRef idx="minor">
+                  <a:schemeClr val="lt1"/>
+                </a:fontRef>
+              </p:style>
+              <p:txBody>
+                <a:bodyPr rtlCol="0" anchor="ctr"/>
+                <a:p>
+                  <a:pPr algn="ctr"/>
+                  <a:r>
+                    <a:rPr lang="en-US" altLang="zh-CN" sz="1600">
+                      <a:latin typeface="Times New Roman" panose="02020603050405020304" pitchFamily="18" charset="0"/>
+                      <a:cs typeface="Times New Roman" panose="02020603050405020304" pitchFamily="18" charset="0"/>
+                    </a:rPr>
+                    <a:t>Block Body</a:t>
+                  </a:r>
+                  <a:endParaRPr lang="en-US" altLang="zh-CN" sz="1600">
+                    <a:latin typeface="Times New Roman" panose="02020603050405020304" pitchFamily="18" charset="0"/>
+                    <a:cs typeface="Times New Roman" panose="02020603050405020304" pitchFamily="18" charset="0"/>
+                  </a:endParaRPr>
+                </a:p>
+              </p:txBody>
+            </p:sp>
+          </p:grpSp>
+          <p:grpSp>
+            <p:nvGrpSpPr>
+              <p:cNvPr id="17" name="组合 16"/>
+              <p:cNvGrpSpPr/>
+              <p:nvPr/>
+            </p:nvGrpSpPr>
+            <p:grpSpPr>
+              <a:xfrm>
+                <a:off x="1920" y="2919"/>
+                <a:ext cx="2082" cy="2426"/>
+                <a:chOff x="3848" y="2328"/>
+                <a:chExt cx="2082" cy="2426"/>
+              </a:xfrm>
+            </p:grpSpPr>
+            <p:sp>
+              <p:nvSpPr>
+                <p:cNvPr id="18" name="矩形 17"/>
+                <p:cNvSpPr/>
+                <p:nvPr/>
+              </p:nvSpPr>
+              <p:spPr>
+                <a:xfrm>
+                  <a:off x="3848" y="2328"/>
+                  <a:ext cx="2082" cy="495"/>
+                </a:xfrm>
+                <a:prstGeom prst="rect">
+                  <a:avLst/>
+                </a:prstGeom>
+              </p:spPr>
+              <p:style>
+                <a:lnRef idx="2">
+                  <a:schemeClr val="accent1">
+                    <a:shade val="50000"/>
+                  </a:schemeClr>
+                </a:lnRef>
+                <a:fillRef idx="1">
+                  <a:schemeClr val="accent1"/>
+                </a:fillRef>
+                <a:effectRef idx="0">
+                  <a:schemeClr val="accent1"/>
+                </a:effectRef>
+                <a:fontRef idx="minor">
+                  <a:schemeClr val="lt1"/>
+                </a:fontRef>
+              </p:style>
+              <p:txBody>
+                <a:bodyPr rtlCol="0" anchor="ctr"/>
+                <a:p>
+                  <a:pPr algn="ctr"/>
+                  <a:r>
+                    <a:rPr lang="en-US" altLang="zh-CN" sz="1600">
+                      <a:latin typeface="Times New Roman" panose="02020603050405020304" pitchFamily="18" charset="0"/>
+                      <a:cs typeface="Times New Roman" panose="02020603050405020304" pitchFamily="18" charset="0"/>
+                    </a:rPr>
+                    <a:t>Block Header</a:t>
+                  </a:r>
+                  <a:endParaRPr lang="en-US" altLang="zh-CN" sz="1600">
+                    <a:latin typeface="Times New Roman" panose="02020603050405020304" pitchFamily="18" charset="0"/>
+                    <a:cs typeface="Times New Roman" panose="02020603050405020304" pitchFamily="18" charset="0"/>
+                  </a:endParaRPr>
+                </a:p>
+              </p:txBody>
+            </p:sp>
+            <p:sp>
+              <p:nvSpPr>
+                <p:cNvPr id="19" name="矩形 18"/>
+                <p:cNvSpPr/>
+                <p:nvPr/>
+              </p:nvSpPr>
+              <p:spPr>
+                <a:xfrm>
+                  <a:off x="3848" y="3002"/>
+                  <a:ext cx="2082" cy="1753"/>
+                </a:xfrm>
+                <a:prstGeom prst="rect">
+                  <a:avLst/>
+                </a:prstGeom>
+                <a:solidFill>
+                  <a:schemeClr val="accent1">
+                    <a:lumMod val="60000"/>
+                    <a:lumOff val="40000"/>
+                  </a:schemeClr>
+                </a:solidFill>
+              </p:spPr>
+              <p:style>
+                <a:lnRef idx="2">
+                  <a:schemeClr val="accent1">
+                    <a:shade val="50000"/>
+                  </a:schemeClr>
+                </a:lnRef>
+                <a:fillRef idx="1">
+                  <a:schemeClr val="accent1"/>
+                </a:fillRef>
+                <a:effectRef idx="0">
+                  <a:schemeClr val="accent1"/>
+                </a:effectRef>
+                <a:fontRef idx="minor">
+                  <a:schemeClr val="lt1"/>
+                </a:fontRef>
+              </p:style>
+              <p:txBody>
+                <a:bodyPr rtlCol="0" anchor="ctr"/>
+                <a:p>
+                  <a:pPr algn="ctr"/>
+                  <a:r>
+                    <a:rPr lang="en-US" altLang="zh-CN" sz="1600">
+                      <a:latin typeface="Times New Roman" panose="02020603050405020304" pitchFamily="18" charset="0"/>
+                      <a:cs typeface="Times New Roman" panose="02020603050405020304" pitchFamily="18" charset="0"/>
+                    </a:rPr>
+                    <a:t>Block Body</a:t>
+                  </a:r>
+                  <a:endParaRPr lang="en-US" altLang="zh-CN" sz="1600">
+                    <a:latin typeface="Times New Roman" panose="02020603050405020304" pitchFamily="18" charset="0"/>
+                    <a:cs typeface="Times New Roman" panose="02020603050405020304" pitchFamily="18" charset="0"/>
+                  </a:endParaRPr>
+                </a:p>
+              </p:txBody>
+            </p:sp>
+          </p:grpSp>
+          <p:grpSp>
+            <p:nvGrpSpPr>
+              <p:cNvPr id="20" name="组合 19"/>
+              <p:cNvGrpSpPr/>
+              <p:nvPr/>
+            </p:nvGrpSpPr>
+            <p:grpSpPr>
+              <a:xfrm>
+                <a:off x="7064" y="2919"/>
+                <a:ext cx="2082" cy="2426"/>
+                <a:chOff x="3848" y="2328"/>
+                <a:chExt cx="2082" cy="2426"/>
+              </a:xfrm>
+            </p:grpSpPr>
+            <p:sp>
+              <p:nvSpPr>
+                <p:cNvPr id="21" name="矩形 20"/>
+                <p:cNvSpPr/>
+                <p:nvPr/>
+              </p:nvSpPr>
+              <p:spPr>
+                <a:xfrm>
+                  <a:off x="3848" y="2328"/>
+                  <a:ext cx="2082" cy="495"/>
+                </a:xfrm>
+                <a:prstGeom prst="rect">
+                  <a:avLst/>
+                </a:prstGeom>
+              </p:spPr>
+              <p:style>
+                <a:lnRef idx="2">
+                  <a:schemeClr val="accent1">
+                    <a:shade val="50000"/>
+                  </a:schemeClr>
+                </a:lnRef>
+                <a:fillRef idx="1">
+                  <a:schemeClr val="accent1"/>
+                </a:fillRef>
+                <a:effectRef idx="0">
+                  <a:schemeClr val="accent1"/>
+                </a:effectRef>
+                <a:fontRef idx="minor">
+                  <a:schemeClr val="lt1"/>
+                </a:fontRef>
+              </p:style>
+              <p:txBody>
+                <a:bodyPr rtlCol="0" anchor="ctr"/>
+                <a:p>
+                  <a:pPr algn="ctr"/>
+                  <a:r>
+                    <a:rPr lang="en-US" altLang="zh-CN" sz="1600">
+                      <a:latin typeface="Times New Roman" panose="02020603050405020304" pitchFamily="18" charset="0"/>
+                      <a:cs typeface="Times New Roman" panose="02020603050405020304" pitchFamily="18" charset="0"/>
+                    </a:rPr>
+                    <a:t>Block Header</a:t>
+                  </a:r>
+                  <a:endParaRPr lang="en-US" altLang="zh-CN" sz="1600">
+                    <a:latin typeface="Times New Roman" panose="02020603050405020304" pitchFamily="18" charset="0"/>
+                    <a:cs typeface="Times New Roman" panose="02020603050405020304" pitchFamily="18" charset="0"/>
+                  </a:endParaRPr>
+                </a:p>
+              </p:txBody>
+            </p:sp>
+            <p:sp>
+              <p:nvSpPr>
+                <p:cNvPr id="22" name="矩形 21"/>
+                <p:cNvSpPr/>
+                <p:nvPr/>
+              </p:nvSpPr>
+              <p:spPr>
+                <a:xfrm>
+                  <a:off x="3848" y="3002"/>
+                  <a:ext cx="2082" cy="1753"/>
+                </a:xfrm>
+                <a:prstGeom prst="rect">
+                  <a:avLst/>
+                </a:prstGeom>
+                <a:solidFill>
+                  <a:schemeClr val="accent1">
+                    <a:lumMod val="60000"/>
+                    <a:lumOff val="40000"/>
+                  </a:schemeClr>
+                </a:solidFill>
+              </p:spPr>
+              <p:style>
+                <a:lnRef idx="2">
+                  <a:schemeClr val="accent1">
+                    <a:shade val="50000"/>
+                  </a:schemeClr>
+                </a:lnRef>
+                <a:fillRef idx="1">
+                  <a:schemeClr val="accent1"/>
+                </a:fillRef>
+                <a:effectRef idx="0">
+                  <a:schemeClr val="accent1"/>
+                </a:effectRef>
+                <a:fontRef idx="minor">
+                  <a:schemeClr val="lt1"/>
+                </a:fontRef>
+              </p:style>
+              <p:txBody>
+                <a:bodyPr rtlCol="0" anchor="ctr"/>
+                <a:p>
+                  <a:pPr algn="ctr"/>
+                  <a:r>
+                    <a:rPr lang="en-US" altLang="zh-CN" sz="1600">
+                      <a:latin typeface="Times New Roman" panose="02020603050405020304" pitchFamily="18" charset="0"/>
+                      <a:cs typeface="Times New Roman" panose="02020603050405020304" pitchFamily="18" charset="0"/>
+                    </a:rPr>
+                    <a:t>Block Body</a:t>
+                  </a:r>
+                  <a:endParaRPr lang="en-US" altLang="zh-CN" sz="1600">
+                    <a:latin typeface="Times New Roman" panose="02020603050405020304" pitchFamily="18" charset="0"/>
+                    <a:cs typeface="Times New Roman" panose="02020603050405020304" pitchFamily="18" charset="0"/>
+                  </a:endParaRPr>
+                </a:p>
+              </p:txBody>
+            </p:sp>
+          </p:grpSp>
+          <p:grpSp>
+            <p:nvGrpSpPr>
+              <p:cNvPr id="23" name="组合 22"/>
+              <p:cNvGrpSpPr/>
+              <p:nvPr/>
+            </p:nvGrpSpPr>
+            <p:grpSpPr>
+              <a:xfrm>
+                <a:off x="9636" y="2919"/>
+                <a:ext cx="2082" cy="2426"/>
+                <a:chOff x="3848" y="2328"/>
+                <a:chExt cx="2082" cy="2426"/>
+              </a:xfrm>
+            </p:grpSpPr>
+            <p:sp>
+              <p:nvSpPr>
+                <p:cNvPr id="24" name="矩形 23"/>
+                <p:cNvSpPr/>
+                <p:nvPr/>
+              </p:nvSpPr>
+              <p:spPr>
+                <a:xfrm>
+                  <a:off x="3848" y="2328"/>
+                  <a:ext cx="2082" cy="495"/>
+                </a:xfrm>
+                <a:prstGeom prst="rect">
+                  <a:avLst/>
+                </a:prstGeom>
+              </p:spPr>
+              <p:style>
+                <a:lnRef idx="2">
+                  <a:schemeClr val="accent1">
+                    <a:shade val="50000"/>
+                  </a:schemeClr>
+                </a:lnRef>
+                <a:fillRef idx="1">
+                  <a:schemeClr val="accent1"/>
+                </a:fillRef>
+                <a:effectRef idx="0">
+                  <a:schemeClr val="accent1"/>
+                </a:effectRef>
+                <a:fontRef idx="minor">
+                  <a:schemeClr val="lt1"/>
+                </a:fontRef>
+              </p:style>
+              <p:txBody>
+                <a:bodyPr rtlCol="0" anchor="ctr"/>
+                <a:p>
+                  <a:pPr algn="ctr"/>
+                  <a:r>
+                    <a:rPr lang="en-US" altLang="zh-CN" sz="1600">
+                      <a:latin typeface="Times New Roman" panose="02020603050405020304" pitchFamily="18" charset="0"/>
+                      <a:cs typeface="Times New Roman" panose="02020603050405020304" pitchFamily="18" charset="0"/>
+                    </a:rPr>
+                    <a:t>Block Header</a:t>
+                  </a:r>
+                  <a:endParaRPr lang="en-US" altLang="zh-CN" sz="1600">
+                    <a:latin typeface="Times New Roman" panose="02020603050405020304" pitchFamily="18" charset="0"/>
+                    <a:cs typeface="Times New Roman" panose="02020603050405020304" pitchFamily="18" charset="0"/>
+                  </a:endParaRPr>
+                </a:p>
+              </p:txBody>
+            </p:sp>
+            <p:sp>
+              <p:nvSpPr>
+                <p:cNvPr id="25" name="矩形 24"/>
+                <p:cNvSpPr/>
+                <p:nvPr/>
+              </p:nvSpPr>
+              <p:spPr>
+                <a:xfrm>
+                  <a:off x="3848" y="3002"/>
+                  <a:ext cx="2082" cy="1753"/>
+                </a:xfrm>
+                <a:prstGeom prst="rect">
+                  <a:avLst/>
+                </a:prstGeom>
+                <a:solidFill>
+                  <a:schemeClr val="accent1">
+                    <a:lumMod val="60000"/>
+                    <a:lumOff val="40000"/>
+                  </a:schemeClr>
+                </a:solidFill>
+              </p:spPr>
+              <p:style>
+                <a:lnRef idx="2">
+                  <a:schemeClr val="accent1">
+                    <a:shade val="50000"/>
+                  </a:schemeClr>
+                </a:lnRef>
+                <a:fillRef idx="1">
+                  <a:schemeClr val="accent1"/>
+                </a:fillRef>
+                <a:effectRef idx="0">
+                  <a:schemeClr val="accent1"/>
+                </a:effectRef>
+                <a:fontRef idx="minor">
+                  <a:schemeClr val="lt1"/>
+                </a:fontRef>
+              </p:style>
+              <p:txBody>
+                <a:bodyPr rtlCol="0" anchor="ctr"/>
+                <a:p>
+                  <a:pPr algn="ctr"/>
+                  <a:r>
+                    <a:rPr lang="en-US" altLang="zh-CN" sz="1600">
+                      <a:latin typeface="Times New Roman" panose="02020603050405020304" pitchFamily="18" charset="0"/>
+                      <a:cs typeface="Times New Roman" panose="02020603050405020304" pitchFamily="18" charset="0"/>
+                    </a:rPr>
+                    <a:t>Block Body</a:t>
+                  </a:r>
+                  <a:endParaRPr lang="en-US" altLang="zh-CN" sz="1600">
+                    <a:latin typeface="Times New Roman" panose="02020603050405020304" pitchFamily="18" charset="0"/>
+                    <a:cs typeface="Times New Roman" panose="02020603050405020304" pitchFamily="18" charset="0"/>
+                  </a:endParaRPr>
+                </a:p>
+              </p:txBody>
+            </p:sp>
+          </p:grpSp>
+          <p:cxnSp>
+            <p:nvCxnSpPr>
+              <p:cNvPr id="26" name="直接箭头连接符 25"/>
+              <p:cNvCxnSpPr>
+                <a:stCxn id="4" idx="1"/>
+                <a:endCxn id="18" idx="3"/>
+              </p:cNvCxnSpPr>
+              <p:nvPr/>
+            </p:nvCxnSpPr>
+            <p:spPr>
+              <a:xfrm flipH="1">
+                <a:off x="4002" y="3167"/>
+                <a:ext cx="490" cy="0"/>
+              </a:xfrm>
+              <a:prstGeom prst="straightConnector1">
+                <a:avLst/>
+              </a:prstGeom>
+              <a:ln w="19050">
+                <a:tailEnd type="arrow"/>
+              </a:ln>
+            </p:spPr>
+            <p:style>
+              <a:lnRef idx="1">
+                <a:schemeClr val="accent1"/>
+              </a:lnRef>
+              <a:fillRef idx="0">
+                <a:schemeClr val="accent1"/>
+              </a:fillRef>
+              <a:effectRef idx="0">
+                <a:schemeClr val="accent1"/>
+              </a:effectRef>
+              <a:fontRef idx="minor">
+                <a:schemeClr val="tx1"/>
+              </a:fontRef>
+            </p:style>
+          </p:cxnSp>
+          <p:cxnSp>
+            <p:nvCxnSpPr>
+              <p:cNvPr id="27" name="直接箭头连接符 26"/>
+              <p:cNvCxnSpPr/>
+              <p:nvPr/>
+            </p:nvCxnSpPr>
+            <p:spPr>
+              <a:xfrm flipH="1">
+                <a:off x="6574" y="3167"/>
+                <a:ext cx="490" cy="0"/>
+              </a:xfrm>
+              <a:prstGeom prst="straightConnector1">
+                <a:avLst/>
+              </a:prstGeom>
+              <a:ln w="19050">
+                <a:tailEnd type="arrow"/>
+              </a:ln>
+            </p:spPr>
+            <p:style>
+              <a:lnRef idx="1">
+                <a:schemeClr val="accent1"/>
+              </a:lnRef>
+              <a:fillRef idx="0">
+                <a:schemeClr val="accent1"/>
+              </a:fillRef>
+              <a:effectRef idx="0">
+                <a:schemeClr val="accent1"/>
+              </a:effectRef>
+              <a:fontRef idx="minor">
+                <a:schemeClr val="tx1"/>
+              </a:fontRef>
+            </p:style>
+          </p:cxnSp>
+          <p:cxnSp>
+            <p:nvCxnSpPr>
+              <p:cNvPr id="28" name="直接箭头连接符 27"/>
+              <p:cNvCxnSpPr/>
+              <p:nvPr/>
+            </p:nvCxnSpPr>
+            <p:spPr>
+              <a:xfrm flipH="1">
+                <a:off x="9146" y="3166"/>
+                <a:ext cx="490" cy="0"/>
+              </a:xfrm>
+              <a:prstGeom prst="straightConnector1">
+                <a:avLst/>
+              </a:prstGeom>
+              <a:ln w="19050">
+                <a:tailEnd type="arrow"/>
+              </a:ln>
+            </p:spPr>
+            <p:style>
+              <a:lnRef idx="1">
+                <a:schemeClr val="accent1"/>
+              </a:lnRef>
+              <a:fillRef idx="0">
+                <a:schemeClr val="accent1"/>
+              </a:fillRef>
+              <a:effectRef idx="0">
+                <a:schemeClr val="accent1"/>
+              </a:effectRef>
+              <a:fontRef idx="minor">
+                <a:schemeClr val="tx1"/>
+              </a:fontRef>
+            </p:style>
+          </p:cxnSp>
+        </p:grpSp>
+        <p:sp>
+          <p:nvSpPr>
+            <p:cNvPr id="31" name="文本框 30"/>
+            <p:cNvSpPr txBox="1"/>
+            <p:nvPr/>
+          </p:nvSpPr>
+          <p:spPr>
+            <a:xfrm>
+              <a:off x="11882" y="2834"/>
+              <a:ext cx="1738" cy="580"/>
+            </a:xfrm>
+            <a:prstGeom prst="rect">
+              <a:avLst/>
+            </a:prstGeom>
+            <a:noFill/>
+          </p:spPr>
+          <p:txBody>
+            <a:bodyPr wrap="none" rtlCol="0">
+              <a:spAutoFit/>
+            </a:bodyPr>
+            <a:p>
+              <a:r>
+                <a:rPr lang="en-US" altLang="zh-CN">
+                  <a:latin typeface="Times New Roman" panose="02020603050405020304" pitchFamily="18" charset="0"/>
+                  <a:cs typeface="Times New Roman" panose="02020603050405020304" pitchFamily="18" charset="0"/>
+                </a:rPr>
+                <a:t>light node</a:t>
+              </a:r>
+              <a:endParaRPr lang="en-US" altLang="zh-CN">
+                <a:latin typeface="Times New Roman" panose="02020603050405020304" pitchFamily="18" charset="0"/>
+                <a:cs typeface="Times New Roman" panose="02020603050405020304" pitchFamily="18" charset="0"/>
+              </a:endParaRPr>
+            </a:p>
+          </p:txBody>
+        </p:sp>
+        <p:sp>
+          <p:nvSpPr>
+            <p:cNvPr id="32" name="矩形 31"/>
+            <p:cNvSpPr/>
+            <p:nvPr/>
+          </p:nvSpPr>
+          <p:spPr>
+            <a:xfrm>
+              <a:off x="1429" y="2334"/>
+              <a:ext cx="12685" cy="3595"/>
+            </a:xfrm>
+            <a:prstGeom prst="rect">
+              <a:avLst/>
+            </a:prstGeom>
+            <a:noFill/>
+            <a:ln w="19050">
+              <a:solidFill>
+                <a:srgbClr val="FF0000"/>
+              </a:solidFill>
+              <a:prstDash val="dash"/>
+            </a:ln>
+          </p:spPr>
+          <p:style>
+            <a:lnRef idx="2">
+              <a:schemeClr val="accent1">
+                <a:shade val="50000"/>
+              </a:schemeClr>
+            </a:lnRef>
+            <a:fillRef idx="1">
+              <a:schemeClr val="accent1"/>
+            </a:fillRef>
+            <a:effectRef idx="0">
+              <a:schemeClr val="accent1"/>
+            </a:effectRef>
+            <a:fontRef idx="minor">
+              <a:schemeClr val="lt1"/>
+            </a:fontRef>
+          </p:style>
+          <p:txBody>
+            <a:bodyPr rtlCol="0" anchor="ctr"/>
+            <a:p>
+              <a:pPr algn="ctr"/>
+              <a:endParaRPr lang="zh-CN" altLang="en-US"/>
+            </a:p>
+          </p:txBody>
+        </p:sp>
+        <p:sp>
+          <p:nvSpPr>
+            <p:cNvPr id="33" name="文本框 32"/>
+            <p:cNvSpPr txBox="1"/>
+            <p:nvPr/>
+          </p:nvSpPr>
+          <p:spPr>
+            <a:xfrm>
+              <a:off x="12067" y="4766"/>
+              <a:ext cx="1578" cy="580"/>
+            </a:xfrm>
+            <a:prstGeom prst="rect">
+              <a:avLst/>
+            </a:prstGeom>
+            <a:noFill/>
+          </p:spPr>
+          <p:txBody>
+            <a:bodyPr wrap="none" rtlCol="0">
+              <a:spAutoFit/>
+            </a:bodyPr>
+            <a:p>
+              <a:r>
+                <a:rPr lang="en-US" altLang="zh-CN">
+                  <a:latin typeface="Times New Roman" panose="02020603050405020304" pitchFamily="18" charset="0"/>
+                  <a:cs typeface="Times New Roman" panose="02020603050405020304" pitchFamily="18" charset="0"/>
+                </a:rPr>
+                <a:t>full node</a:t>
+              </a:r>
+              <a:endParaRPr lang="en-US" altLang="zh-CN">
+                <a:latin typeface="Times New Roman" panose="02020603050405020304" pitchFamily="18" charset="0"/>
+                <a:cs typeface="Times New Roman" panose="02020603050405020304" pitchFamily="18" charset="0"/>
+              </a:endParaRPr>
+            </a:p>
+          </p:txBody>
+        </p:sp>
+      </p:grpSp>
+    </p:spTree>
+  </p:cSld>
+  <p:clrMapOvr>
+    <a:masterClrMapping/>
+  </p:clrMapOvr>
+</p:sld>
+</file>
+
+<file path=ppt/slides/slide5.xml><?xml version="1.0" encoding="utf-8"?>
+<p:sld xmlns:a="http://schemas.openxmlformats.org/drawingml/2006/main" xmlns:r="http://schemas.openxmlformats.org/officeDocument/2006/relationships" xmlns:p="http://schemas.openxmlformats.org/presentationml/2006/main">
+  <p:cSld>
+    <p:spTree>
+      <p:nvGrpSpPr>
+        <p:cNvPr id="1" name=""/>
+        <p:cNvGrpSpPr/>
+        <p:nvPr/>
+      </p:nvGrpSpPr>
+      <p:grpSpPr/>
       <p:sp>
         <p:nvSpPr>
-          <p:cNvPr id="2" name="标题 1">
-            <a:extLst>
-              <a:ext uri="{FF2B5EF4-FFF2-40B4-BE49-F238E27FC236}">
-                <a16:creationId xmlns:a16="http://schemas.microsoft.com/office/drawing/2014/main" id="{ABDDDA8F-F844-4875-8189-D7D0CC5495AD}"/>
-              </a:ext>
-            </a:extLst>
-          </p:cNvPr>
-          <p:cNvSpPr>
-            <a:spLocks noGrp="1"/>
-          </p:cNvSpPr>
-          <p:nvPr>
-            <p:ph type="title"/>
-          </p:nvPr>
+          <p:cNvPr id="4" name="文本框 3"/>
+          <p:cNvSpPr txBox="1"/>
+          <p:nvPr/>
         </p:nvSpPr>
-        <p:spPr/>
+        <p:spPr>
+          <a:xfrm>
+            <a:off x="1625600" y="537210"/>
+            <a:ext cx="1325880" cy="368300"/>
+          </a:xfrm>
+          <a:prstGeom prst="rect">
+            <a:avLst/>
+          </a:prstGeom>
+          <a:noFill/>
+        </p:spPr>
         <p:txBody>
-          <a:bodyPr/>
-          <a:lstStyle/>
-          <a:p>
+          <a:bodyPr wrap="none" rtlCol="0">
+            <a:spAutoFit/>
+          </a:bodyPr>
+          <a:p>
+            <a:r>
+              <a:rPr lang="zh-CN" altLang="en-US"/>
+              <a:t>最长合法连</a:t>
+            </a:r>
             <a:endParaRPr lang="zh-CN" altLang="en-US"/>
           </a:p>
         </p:txBody>
       </p:sp>
-      <p:sp>
-        <p:nvSpPr>
-          <p:cNvPr id="3" name="内容占位符 2">
-            <a:extLst>
-              <a:ext uri="{FF2B5EF4-FFF2-40B4-BE49-F238E27FC236}">
-                <a16:creationId xmlns:a16="http://schemas.microsoft.com/office/drawing/2014/main" id="{8EDD44D5-E114-44E2-BC54-C248F7EBE776}"/>
-              </a:ext>
-            </a:extLst>
-          </p:cNvPr>
-          <p:cNvSpPr>
-            <a:spLocks noGrp="1"/>
-          </p:cNvSpPr>
-          <p:nvPr>
-            <p:ph idx="1"/>
-          </p:nvPr>
-        </p:nvSpPr>
-        <p:spPr/>
-        <p:txBody>
-          <a:bodyPr/>
-          <a:lstStyle/>
-          <a:p>
-            <a:endParaRPr lang="zh-CN" altLang="en-US"/>
-          </a:p>
-        </p:txBody>
-      </p:sp>
+      <p:grpSp>
+        <p:nvGrpSpPr>
+          <p:cNvPr id="41" name="组合 40"/>
+          <p:cNvGrpSpPr/>
+          <p:nvPr/>
+        </p:nvGrpSpPr>
+        <p:grpSpPr>
+          <a:xfrm>
+            <a:off x="1625600" y="1400175"/>
+            <a:ext cx="6873240" cy="2866390"/>
+            <a:chOff x="2560" y="2205"/>
+            <a:chExt cx="10824" cy="4514"/>
+          </a:xfrm>
+        </p:grpSpPr>
+        <p:sp>
+          <p:nvSpPr>
+            <p:cNvPr id="20" name="矩形 19"/>
+            <p:cNvSpPr/>
+            <p:nvPr/>
+          </p:nvSpPr>
+          <p:spPr>
+            <a:xfrm>
+              <a:off x="2560" y="3845"/>
+              <a:ext cx="1035" cy="898"/>
+            </a:xfrm>
+            <a:prstGeom prst="rect">
+              <a:avLst/>
+            </a:prstGeom>
+          </p:spPr>
+          <p:style>
+            <a:lnRef idx="2">
+              <a:schemeClr val="accent1">
+                <a:shade val="50000"/>
+              </a:schemeClr>
+            </a:lnRef>
+            <a:fillRef idx="1">
+              <a:schemeClr val="accent1"/>
+            </a:fillRef>
+            <a:effectRef idx="0">
+              <a:schemeClr val="accent1"/>
+            </a:effectRef>
+            <a:fontRef idx="minor">
+              <a:schemeClr val="lt1"/>
+            </a:fontRef>
+          </p:style>
+          <p:txBody>
+            <a:bodyPr rtlCol="0" anchor="ctr"/>
+            <a:p>
+              <a:pPr algn="ctr"/>
+              <a:endParaRPr lang="zh-CN" altLang="en-US" sz="1400" dirty="0">
+                <a:latin typeface="Times New Roman" panose="02020603050405020304" pitchFamily="18" charset="0"/>
+                <a:cs typeface="Times New Roman" panose="02020603050405020304" pitchFamily="18" charset="0"/>
+              </a:endParaRPr>
+            </a:p>
+          </p:txBody>
+        </p:sp>
+        <p:grpSp>
+          <p:nvGrpSpPr>
+            <p:cNvPr id="7" name="组合 6"/>
+            <p:cNvGrpSpPr/>
+            <p:nvPr/>
+          </p:nvGrpSpPr>
+          <p:grpSpPr>
+            <a:xfrm>
+              <a:off x="3595" y="3845"/>
+              <a:ext cx="1547" cy="898"/>
+              <a:chOff x="3595" y="3845"/>
+              <a:chExt cx="1547" cy="898"/>
+            </a:xfrm>
+          </p:grpSpPr>
+          <p:sp>
+            <p:nvSpPr>
+              <p:cNvPr id="5" name="矩形 4"/>
+              <p:cNvSpPr/>
+              <p:nvPr/>
+            </p:nvSpPr>
+            <p:spPr>
+              <a:xfrm>
+                <a:off x="4108" y="3845"/>
+                <a:ext cx="1035" cy="898"/>
+              </a:xfrm>
+              <a:prstGeom prst="rect">
+                <a:avLst/>
+              </a:prstGeom>
+            </p:spPr>
+            <p:style>
+              <a:lnRef idx="2">
+                <a:schemeClr val="accent1">
+                  <a:shade val="50000"/>
+                </a:schemeClr>
+              </a:lnRef>
+              <a:fillRef idx="1">
+                <a:schemeClr val="accent1"/>
+              </a:fillRef>
+              <a:effectRef idx="0">
+                <a:schemeClr val="accent1"/>
+              </a:effectRef>
+              <a:fontRef idx="minor">
+                <a:schemeClr val="lt1"/>
+              </a:fontRef>
+            </p:style>
+            <p:txBody>
+              <a:bodyPr rtlCol="0" anchor="ctr"/>
+              <a:p>
+                <a:pPr algn="ctr"/>
+                <a:r>
+                  <a:rPr lang="en-US" altLang="zh-CN" sz="1400" dirty="0">
+                    <a:latin typeface="Times New Roman" panose="02020603050405020304" pitchFamily="18" charset="0"/>
+                    <a:cs typeface="Times New Roman" panose="02020603050405020304" pitchFamily="18" charset="0"/>
+                  </a:rPr>
+                  <a:t>C-&gt;A</a:t>
+                </a:r>
+                <a:endParaRPr lang="en-US" altLang="zh-CN" sz="1400" dirty="0">
+                  <a:latin typeface="Times New Roman" panose="02020603050405020304" pitchFamily="18" charset="0"/>
+                  <a:cs typeface="Times New Roman" panose="02020603050405020304" pitchFamily="18" charset="0"/>
+                </a:endParaRPr>
+              </a:p>
+            </p:txBody>
+          </p:sp>
+          <p:cxnSp>
+            <p:nvCxnSpPr>
+              <p:cNvPr id="6" name="直接箭头连接符 5"/>
+              <p:cNvCxnSpPr>
+                <a:stCxn id="5" idx="1"/>
+                <a:endCxn id="20" idx="3"/>
+              </p:cNvCxnSpPr>
+              <p:nvPr/>
+            </p:nvCxnSpPr>
+            <p:spPr>
+              <a:xfrm flipH="1">
+                <a:off x="3595" y="4294"/>
+                <a:ext cx="513" cy="0"/>
+              </a:xfrm>
+              <a:prstGeom prst="straightConnector1">
+                <a:avLst/>
+              </a:prstGeom>
+              <a:ln w="19050">
+                <a:tailEnd type="arrow"/>
+              </a:ln>
+            </p:spPr>
+            <p:style>
+              <a:lnRef idx="1">
+                <a:schemeClr val="accent1"/>
+              </a:lnRef>
+              <a:fillRef idx="0">
+                <a:schemeClr val="accent1"/>
+              </a:fillRef>
+              <a:effectRef idx="0">
+                <a:schemeClr val="accent1"/>
+              </a:effectRef>
+              <a:fontRef idx="minor">
+                <a:schemeClr val="tx1"/>
+              </a:fontRef>
+            </p:style>
+          </p:cxnSp>
+        </p:grpSp>
+        <p:grpSp>
+          <p:nvGrpSpPr>
+            <p:cNvPr id="8" name="组合 7"/>
+            <p:cNvGrpSpPr/>
+            <p:nvPr/>
+          </p:nvGrpSpPr>
+          <p:grpSpPr>
+            <a:xfrm>
+              <a:off x="5143" y="3845"/>
+              <a:ext cx="1547" cy="898"/>
+              <a:chOff x="3595" y="3845"/>
+              <a:chExt cx="1547" cy="898"/>
+            </a:xfrm>
+          </p:grpSpPr>
+          <p:sp>
+            <p:nvSpPr>
+              <p:cNvPr id="9" name="矩形 8"/>
+              <p:cNvSpPr/>
+              <p:nvPr/>
+            </p:nvSpPr>
+            <p:spPr>
+              <a:xfrm>
+                <a:off x="4108" y="3845"/>
+                <a:ext cx="1035" cy="898"/>
+              </a:xfrm>
+              <a:prstGeom prst="rect">
+                <a:avLst/>
+              </a:prstGeom>
+            </p:spPr>
+            <p:style>
+              <a:lnRef idx="2">
+                <a:schemeClr val="accent1">
+                  <a:shade val="50000"/>
+                </a:schemeClr>
+              </a:lnRef>
+              <a:fillRef idx="1">
+                <a:schemeClr val="accent1"/>
+              </a:fillRef>
+              <a:effectRef idx="0">
+                <a:schemeClr val="accent1"/>
+              </a:effectRef>
+              <a:fontRef idx="minor">
+                <a:schemeClr val="lt1"/>
+              </a:fontRef>
+            </p:style>
+            <p:txBody>
+              <a:bodyPr rtlCol="0" anchor="ctr"/>
+              <a:p>
+                <a:pPr algn="ctr"/>
+                <a:endParaRPr lang="zh-CN" altLang="en-US" sz="1400" dirty="0">
+                  <a:latin typeface="Times New Roman" panose="02020603050405020304" pitchFamily="18" charset="0"/>
+                  <a:cs typeface="Times New Roman" panose="02020603050405020304" pitchFamily="18" charset="0"/>
+                </a:endParaRPr>
+              </a:p>
+            </p:txBody>
+          </p:sp>
+          <p:cxnSp>
+            <p:nvCxnSpPr>
+              <p:cNvPr id="10" name="直接箭头连接符 9"/>
+              <p:cNvCxnSpPr>
+                <a:stCxn id="9" idx="1"/>
+              </p:cNvCxnSpPr>
+              <p:nvPr/>
+            </p:nvCxnSpPr>
+            <p:spPr>
+              <a:xfrm flipH="1">
+                <a:off x="3595" y="4294"/>
+                <a:ext cx="513" cy="0"/>
+              </a:xfrm>
+              <a:prstGeom prst="straightConnector1">
+                <a:avLst/>
+              </a:prstGeom>
+              <a:ln w="19050">
+                <a:tailEnd type="arrow"/>
+              </a:ln>
+            </p:spPr>
+            <p:style>
+              <a:lnRef idx="1">
+                <a:schemeClr val="accent1"/>
+              </a:lnRef>
+              <a:fillRef idx="0">
+                <a:schemeClr val="accent1"/>
+              </a:fillRef>
+              <a:effectRef idx="0">
+                <a:schemeClr val="accent1"/>
+              </a:effectRef>
+              <a:fontRef idx="minor">
+                <a:schemeClr val="tx1"/>
+              </a:fontRef>
+            </p:style>
+          </p:cxnSp>
+        </p:grpSp>
+        <p:grpSp>
+          <p:nvGrpSpPr>
+            <p:cNvPr id="11" name="组合 10"/>
+            <p:cNvGrpSpPr/>
+            <p:nvPr/>
+          </p:nvGrpSpPr>
+          <p:grpSpPr>
+            <a:xfrm>
+              <a:off x="6691" y="3845"/>
+              <a:ext cx="1547" cy="898"/>
+              <a:chOff x="3595" y="3845"/>
+              <a:chExt cx="1547" cy="898"/>
+            </a:xfrm>
+          </p:grpSpPr>
+          <p:sp>
+            <p:nvSpPr>
+              <p:cNvPr id="12" name="矩形 11"/>
+              <p:cNvSpPr/>
+              <p:nvPr/>
+            </p:nvSpPr>
+            <p:spPr>
+              <a:xfrm>
+                <a:off x="4108" y="3845"/>
+                <a:ext cx="1035" cy="898"/>
+              </a:xfrm>
+              <a:prstGeom prst="rect">
+                <a:avLst/>
+              </a:prstGeom>
+            </p:spPr>
+            <p:style>
+              <a:lnRef idx="2">
+                <a:schemeClr val="accent1">
+                  <a:shade val="50000"/>
+                </a:schemeClr>
+              </a:lnRef>
+              <a:fillRef idx="1">
+                <a:schemeClr val="accent1"/>
+              </a:fillRef>
+              <a:effectRef idx="0">
+                <a:schemeClr val="accent1"/>
+              </a:effectRef>
+              <a:fontRef idx="minor">
+                <a:schemeClr val="lt1"/>
+              </a:fontRef>
+            </p:style>
+            <p:txBody>
+              <a:bodyPr rtlCol="0" anchor="ctr"/>
+              <a:p>
+                <a:pPr algn="ctr"/>
+                <a:r>
+                  <a:rPr lang="en-US" altLang="zh-CN" sz="1400" dirty="0">
+                    <a:latin typeface="Times New Roman" panose="02020603050405020304" pitchFamily="18" charset="0"/>
+                    <a:cs typeface="Times New Roman" panose="02020603050405020304" pitchFamily="18" charset="0"/>
+                  </a:rPr>
+                  <a:t>A-&gt;B</a:t>
+                </a:r>
+                <a:endParaRPr lang="en-US" altLang="zh-CN" sz="1400" dirty="0">
+                  <a:latin typeface="Times New Roman" panose="02020603050405020304" pitchFamily="18" charset="0"/>
+                  <a:cs typeface="Times New Roman" panose="02020603050405020304" pitchFamily="18" charset="0"/>
+                </a:endParaRPr>
+              </a:p>
+            </p:txBody>
+          </p:sp>
+          <p:cxnSp>
+            <p:nvCxnSpPr>
+              <p:cNvPr id="13" name="直接箭头连接符 12"/>
+              <p:cNvCxnSpPr>
+                <a:stCxn id="12" idx="1"/>
+              </p:cNvCxnSpPr>
+              <p:nvPr/>
+            </p:nvCxnSpPr>
+            <p:spPr>
+              <a:xfrm flipH="1">
+                <a:off x="3595" y="4294"/>
+                <a:ext cx="513" cy="0"/>
+              </a:xfrm>
+              <a:prstGeom prst="straightConnector1">
+                <a:avLst/>
+              </a:prstGeom>
+              <a:ln w="19050">
+                <a:tailEnd type="arrow"/>
+              </a:ln>
+            </p:spPr>
+            <p:style>
+              <a:lnRef idx="1">
+                <a:schemeClr val="accent1"/>
+              </a:lnRef>
+              <a:fillRef idx="0">
+                <a:schemeClr val="accent1"/>
+              </a:fillRef>
+              <a:effectRef idx="0">
+                <a:schemeClr val="accent1"/>
+              </a:effectRef>
+              <a:fontRef idx="minor">
+                <a:schemeClr val="tx1"/>
+              </a:fontRef>
+            </p:style>
+          </p:cxnSp>
+        </p:grpSp>
+        <p:grpSp>
+          <p:nvGrpSpPr>
+            <p:cNvPr id="14" name="组合 13"/>
+            <p:cNvGrpSpPr/>
+            <p:nvPr/>
+          </p:nvGrpSpPr>
+          <p:grpSpPr>
+            <a:xfrm>
+              <a:off x="8239" y="3845"/>
+              <a:ext cx="1547" cy="898"/>
+              <a:chOff x="3595" y="3845"/>
+              <a:chExt cx="1547" cy="898"/>
+            </a:xfrm>
+          </p:grpSpPr>
+          <p:sp>
+            <p:nvSpPr>
+              <p:cNvPr id="15" name="矩形 14"/>
+              <p:cNvSpPr/>
+              <p:nvPr/>
+            </p:nvSpPr>
+            <p:spPr>
+              <a:xfrm>
+                <a:off x="4108" y="3845"/>
+                <a:ext cx="1035" cy="898"/>
+              </a:xfrm>
+              <a:prstGeom prst="rect">
+                <a:avLst/>
+              </a:prstGeom>
+            </p:spPr>
+            <p:style>
+              <a:lnRef idx="2">
+                <a:schemeClr val="accent1">
+                  <a:shade val="50000"/>
+                </a:schemeClr>
+              </a:lnRef>
+              <a:fillRef idx="1">
+                <a:schemeClr val="accent1"/>
+              </a:fillRef>
+              <a:effectRef idx="0">
+                <a:schemeClr val="accent1"/>
+              </a:effectRef>
+              <a:fontRef idx="minor">
+                <a:schemeClr val="lt1"/>
+              </a:fontRef>
+            </p:style>
+            <p:txBody>
+              <a:bodyPr rtlCol="0" anchor="ctr"/>
+              <a:p>
+                <a:pPr algn="ctr"/>
+                <a:endParaRPr lang="zh-CN" altLang="en-US" sz="1400" dirty="0">
+                  <a:latin typeface="Times New Roman" panose="02020603050405020304" pitchFamily="18" charset="0"/>
+                  <a:cs typeface="Times New Roman" panose="02020603050405020304" pitchFamily="18" charset="0"/>
+                </a:endParaRPr>
+              </a:p>
+            </p:txBody>
+          </p:sp>
+          <p:cxnSp>
+            <p:nvCxnSpPr>
+              <p:cNvPr id="16" name="直接箭头连接符 15"/>
+              <p:cNvCxnSpPr>
+                <a:stCxn id="15" idx="1"/>
+              </p:cNvCxnSpPr>
+              <p:nvPr/>
+            </p:nvCxnSpPr>
+            <p:spPr>
+              <a:xfrm flipH="1">
+                <a:off x="3595" y="4294"/>
+                <a:ext cx="513" cy="0"/>
+              </a:xfrm>
+              <a:prstGeom prst="straightConnector1">
+                <a:avLst/>
+              </a:prstGeom>
+              <a:ln w="19050">
+                <a:tailEnd type="arrow"/>
+              </a:ln>
+            </p:spPr>
+            <p:style>
+              <a:lnRef idx="1">
+                <a:schemeClr val="accent1"/>
+              </a:lnRef>
+              <a:fillRef idx="0">
+                <a:schemeClr val="accent1"/>
+              </a:fillRef>
+              <a:effectRef idx="0">
+                <a:schemeClr val="accent1"/>
+              </a:effectRef>
+              <a:fontRef idx="minor">
+                <a:schemeClr val="tx1"/>
+              </a:fontRef>
+            </p:style>
+          </p:cxnSp>
+        </p:grpSp>
+        <p:grpSp>
+          <p:nvGrpSpPr>
+            <p:cNvPr id="17" name="组合 16"/>
+            <p:cNvGrpSpPr/>
+            <p:nvPr/>
+          </p:nvGrpSpPr>
+          <p:grpSpPr>
+            <a:xfrm>
+              <a:off x="6174" y="4743"/>
+              <a:ext cx="2065" cy="1278"/>
+              <a:chOff x="3078" y="3465"/>
+              <a:chExt cx="2065" cy="1278"/>
+            </a:xfrm>
+          </p:grpSpPr>
+          <p:sp>
+            <p:nvSpPr>
+              <p:cNvPr id="18" name="矩形 17"/>
+              <p:cNvSpPr/>
+              <p:nvPr/>
+            </p:nvSpPr>
+            <p:spPr>
+              <a:xfrm>
+                <a:off x="4108" y="3845"/>
+                <a:ext cx="1035" cy="898"/>
+              </a:xfrm>
+              <a:prstGeom prst="rect">
+                <a:avLst/>
+              </a:prstGeom>
+            </p:spPr>
+            <p:style>
+              <a:lnRef idx="2">
+                <a:schemeClr val="accent1">
+                  <a:shade val="50000"/>
+                </a:schemeClr>
+              </a:lnRef>
+              <a:fillRef idx="1">
+                <a:schemeClr val="accent1"/>
+              </a:fillRef>
+              <a:effectRef idx="0">
+                <a:schemeClr val="accent1"/>
+              </a:effectRef>
+              <a:fontRef idx="minor">
+                <a:schemeClr val="lt1"/>
+              </a:fontRef>
+            </p:style>
+            <p:txBody>
+              <a:bodyPr rtlCol="0" anchor="ctr"/>
+              <a:p>
+                <a:pPr algn="ctr"/>
+                <a:r>
+                  <a:rPr lang="en-US" altLang="zh-CN" sz="1400" dirty="0">
+                    <a:latin typeface="Times New Roman" panose="02020603050405020304" pitchFamily="18" charset="0"/>
+                    <a:cs typeface="Times New Roman" panose="02020603050405020304" pitchFamily="18" charset="0"/>
+                  </a:rPr>
+                  <a:t>A-&gt;A’</a:t>
+                </a:r>
+                <a:endParaRPr lang="en-US" altLang="zh-CN" sz="1400" dirty="0">
+                  <a:latin typeface="Times New Roman" panose="02020603050405020304" pitchFamily="18" charset="0"/>
+                  <a:cs typeface="Times New Roman" panose="02020603050405020304" pitchFamily="18" charset="0"/>
+                </a:endParaRPr>
+              </a:p>
+            </p:txBody>
+          </p:sp>
+          <p:cxnSp>
+            <p:nvCxnSpPr>
+              <p:cNvPr id="19" name="直接箭头连接符 18"/>
+              <p:cNvCxnSpPr>
+                <a:stCxn id="18" idx="1"/>
+                <a:endCxn id="9" idx="2"/>
+              </p:cNvCxnSpPr>
+              <p:nvPr/>
+            </p:nvCxnSpPr>
+            <p:spPr>
+              <a:xfrm flipH="1" flipV="1">
+                <a:off x="3078" y="3465"/>
+                <a:ext cx="1030" cy="829"/>
+              </a:xfrm>
+              <a:prstGeom prst="straightConnector1">
+                <a:avLst/>
+              </a:prstGeom>
+              <a:ln w="19050">
+                <a:tailEnd type="arrow"/>
+              </a:ln>
+            </p:spPr>
+            <p:style>
+              <a:lnRef idx="1">
+                <a:schemeClr val="accent1"/>
+              </a:lnRef>
+              <a:fillRef idx="0">
+                <a:schemeClr val="accent1"/>
+              </a:fillRef>
+              <a:effectRef idx="0">
+                <a:schemeClr val="accent1"/>
+              </a:effectRef>
+              <a:fontRef idx="minor">
+                <a:schemeClr val="tx1"/>
+              </a:fontRef>
+            </p:style>
+          </p:cxnSp>
+        </p:grpSp>
+        <p:sp>
+          <p:nvSpPr>
+            <p:cNvPr id="21" name="右箭头 20"/>
+            <p:cNvSpPr/>
+            <p:nvPr/>
+          </p:nvSpPr>
+          <p:spPr>
+            <a:xfrm>
+              <a:off x="8401" y="5518"/>
+              <a:ext cx="494" cy="420"/>
+            </a:xfrm>
+            <a:prstGeom prst="rightArrow">
+              <a:avLst/>
+            </a:prstGeom>
+          </p:spPr>
+          <p:style>
+            <a:lnRef idx="2">
+              <a:schemeClr val="accent1">
+                <a:shade val="50000"/>
+              </a:schemeClr>
+            </a:lnRef>
+            <a:fillRef idx="1">
+              <a:schemeClr val="accent1"/>
+            </a:fillRef>
+            <a:effectRef idx="0">
+              <a:schemeClr val="accent1"/>
+            </a:effectRef>
+            <a:fontRef idx="minor">
+              <a:schemeClr val="lt1"/>
+            </a:fontRef>
+          </p:style>
+          <p:txBody>
+            <a:bodyPr rtlCol="0" anchor="ctr"/>
+            <a:p>
+              <a:pPr algn="ctr"/>
+              <a:endParaRPr lang="zh-CN" altLang="en-US"/>
+            </a:p>
+          </p:txBody>
+        </p:sp>
+        <p:sp>
+          <p:nvSpPr>
+            <p:cNvPr id="23" name="文本框 22"/>
+            <p:cNvSpPr txBox="1"/>
+            <p:nvPr/>
+          </p:nvSpPr>
+          <p:spPr>
+            <a:xfrm>
+              <a:off x="8940" y="5489"/>
+              <a:ext cx="2688" cy="434"/>
+            </a:xfrm>
+            <a:prstGeom prst="rect">
+              <a:avLst/>
+            </a:prstGeom>
+            <a:noFill/>
+          </p:spPr>
+          <p:txBody>
+            <a:bodyPr wrap="none" rtlCol="0">
+              <a:spAutoFit/>
+            </a:bodyPr>
+            <a:p>
+              <a:r>
+                <a:rPr lang="zh-CN" altLang="en-US" sz="1200">
+                  <a:latin typeface="微软雅黑" panose="020B0503020204020204" charset="-122"/>
+                  <a:ea typeface="微软雅黑" panose="020B0503020204020204" charset="-122"/>
+                </a:rPr>
+                <a:t>不满足最长合法链原则</a:t>
+              </a:r>
+              <a:endParaRPr lang="zh-CN" altLang="en-US" sz="1200">
+                <a:latin typeface="微软雅黑" panose="020B0503020204020204" charset="-122"/>
+                <a:ea typeface="微软雅黑" panose="020B0503020204020204" charset="-122"/>
+              </a:endParaRPr>
+            </a:p>
+          </p:txBody>
+        </p:sp>
+        <p:sp>
+          <p:nvSpPr>
+            <p:cNvPr id="24" name="文本框 23"/>
+            <p:cNvSpPr txBox="1"/>
+            <p:nvPr/>
+          </p:nvSpPr>
+          <p:spPr>
+            <a:xfrm>
+              <a:off x="7787" y="6237"/>
+              <a:ext cx="3156" cy="483"/>
+            </a:xfrm>
+            <a:prstGeom prst="rect">
+              <a:avLst/>
+            </a:prstGeom>
+            <a:noFill/>
+          </p:spPr>
+          <p:txBody>
+            <a:bodyPr wrap="none" rtlCol="0">
+              <a:spAutoFit/>
+            </a:bodyPr>
+            <a:p>
+              <a:r>
+                <a:rPr lang="en-US" altLang="zh-CN" sz="1400">
+                  <a:latin typeface="Times New Roman" panose="02020603050405020304" pitchFamily="18" charset="0"/>
+                  <a:cs typeface="Times New Roman" panose="02020603050405020304" pitchFamily="18" charset="0"/>
+                </a:rPr>
+                <a:t>forking attack(</a:t>
+              </a:r>
+              <a:r>
+                <a:rPr lang="zh-CN" altLang="en-US" sz="1400">
+                  <a:latin typeface="Times New Roman" panose="02020603050405020304" pitchFamily="18" charset="0"/>
+                  <a:cs typeface="Times New Roman" panose="02020603050405020304" pitchFamily="18" charset="0"/>
+                </a:rPr>
+                <a:t>分叉攻击</a:t>
+              </a:r>
+              <a:r>
+                <a:rPr lang="en-US" altLang="zh-CN" sz="1400">
+                  <a:latin typeface="Times New Roman" panose="02020603050405020304" pitchFamily="18" charset="0"/>
+                  <a:cs typeface="Times New Roman" panose="02020603050405020304" pitchFamily="18" charset="0"/>
+                </a:rPr>
+                <a:t>)</a:t>
+              </a:r>
+              <a:endParaRPr lang="en-US" altLang="zh-CN" sz="1400">
+                <a:latin typeface="Times New Roman" panose="02020603050405020304" pitchFamily="18" charset="0"/>
+                <a:cs typeface="Times New Roman" panose="02020603050405020304" pitchFamily="18" charset="0"/>
+              </a:endParaRPr>
+            </a:p>
+          </p:txBody>
+        </p:sp>
+        <p:grpSp>
+          <p:nvGrpSpPr>
+            <p:cNvPr id="28" name="组合 27"/>
+            <p:cNvGrpSpPr/>
+            <p:nvPr/>
+          </p:nvGrpSpPr>
+          <p:grpSpPr>
+            <a:xfrm>
+              <a:off x="9787" y="3133"/>
+              <a:ext cx="1841" cy="1162"/>
+              <a:chOff x="3302" y="3845"/>
+              <a:chExt cx="1841" cy="1162"/>
+            </a:xfrm>
+          </p:grpSpPr>
+          <p:sp>
+            <p:nvSpPr>
+              <p:cNvPr id="29" name="矩形 28"/>
+              <p:cNvSpPr/>
+              <p:nvPr/>
+            </p:nvSpPr>
+            <p:spPr>
+              <a:xfrm>
+                <a:off x="4108" y="3845"/>
+                <a:ext cx="1035" cy="898"/>
+              </a:xfrm>
+              <a:prstGeom prst="rect">
+                <a:avLst/>
+              </a:prstGeom>
+            </p:spPr>
+            <p:style>
+              <a:lnRef idx="2">
+                <a:schemeClr val="accent1">
+                  <a:shade val="50000"/>
+                </a:schemeClr>
+              </a:lnRef>
+              <a:fillRef idx="1">
+                <a:schemeClr val="accent1"/>
+              </a:fillRef>
+              <a:effectRef idx="0">
+                <a:schemeClr val="accent1"/>
+              </a:effectRef>
+              <a:fontRef idx="minor">
+                <a:schemeClr val="lt1"/>
+              </a:fontRef>
+            </p:style>
+            <p:txBody>
+              <a:bodyPr rtlCol="0" anchor="ctr"/>
+              <a:p>
+                <a:pPr algn="ctr"/>
+                <a:endParaRPr lang="zh-CN" altLang="en-US" sz="1400" dirty="0">
+                  <a:latin typeface="Times New Roman" panose="02020603050405020304" pitchFamily="18" charset="0"/>
+                  <a:cs typeface="Times New Roman" panose="02020603050405020304" pitchFamily="18" charset="0"/>
+                </a:endParaRPr>
+              </a:p>
+            </p:txBody>
+          </p:sp>
+          <p:cxnSp>
+            <p:nvCxnSpPr>
+              <p:cNvPr id="30" name="直接箭头连接符 29"/>
+              <p:cNvCxnSpPr>
+                <a:stCxn id="29" idx="1"/>
+                <a:endCxn id="15" idx="3"/>
+              </p:cNvCxnSpPr>
+              <p:nvPr/>
+            </p:nvCxnSpPr>
+            <p:spPr>
+              <a:xfrm flipH="1">
+                <a:off x="3302" y="4294"/>
+                <a:ext cx="806" cy="713"/>
+              </a:xfrm>
+              <a:prstGeom prst="straightConnector1">
+                <a:avLst/>
+              </a:prstGeom>
+              <a:ln w="19050">
+                <a:tailEnd type="arrow"/>
+              </a:ln>
+            </p:spPr>
+            <p:style>
+              <a:lnRef idx="1">
+                <a:schemeClr val="accent1"/>
+              </a:lnRef>
+              <a:fillRef idx="0">
+                <a:schemeClr val="accent1"/>
+              </a:fillRef>
+              <a:effectRef idx="0">
+                <a:schemeClr val="accent1"/>
+              </a:effectRef>
+              <a:fontRef idx="minor">
+                <a:schemeClr val="tx1"/>
+              </a:fontRef>
+            </p:style>
+          </p:cxnSp>
+        </p:grpSp>
+        <p:grpSp>
+          <p:nvGrpSpPr>
+            <p:cNvPr id="31" name="组合 30"/>
+            <p:cNvGrpSpPr/>
+            <p:nvPr/>
+          </p:nvGrpSpPr>
+          <p:grpSpPr>
+            <a:xfrm>
+              <a:off x="9787" y="4294"/>
+              <a:ext cx="1841" cy="898"/>
+              <a:chOff x="3302" y="3845"/>
+              <a:chExt cx="1841" cy="898"/>
+            </a:xfrm>
+          </p:grpSpPr>
+          <p:sp>
+            <p:nvSpPr>
+              <p:cNvPr id="32" name="矩形 31"/>
+              <p:cNvSpPr/>
+              <p:nvPr/>
+            </p:nvSpPr>
+            <p:spPr>
+              <a:xfrm>
+                <a:off x="4108" y="3845"/>
+                <a:ext cx="1035" cy="898"/>
+              </a:xfrm>
+              <a:prstGeom prst="rect">
+                <a:avLst/>
+              </a:prstGeom>
+            </p:spPr>
+            <p:style>
+              <a:lnRef idx="2">
+                <a:schemeClr val="accent1">
+                  <a:shade val="50000"/>
+                </a:schemeClr>
+              </a:lnRef>
+              <a:fillRef idx="1">
+                <a:schemeClr val="accent1"/>
+              </a:fillRef>
+              <a:effectRef idx="0">
+                <a:schemeClr val="accent1"/>
+              </a:effectRef>
+              <a:fontRef idx="minor">
+                <a:schemeClr val="lt1"/>
+              </a:fontRef>
+            </p:style>
+            <p:txBody>
+              <a:bodyPr rtlCol="0" anchor="ctr"/>
+              <a:p>
+                <a:pPr algn="ctr"/>
+                <a:endParaRPr lang="zh-CN" altLang="en-US" sz="1400" dirty="0">
+                  <a:latin typeface="Times New Roman" panose="02020603050405020304" pitchFamily="18" charset="0"/>
+                  <a:cs typeface="Times New Roman" panose="02020603050405020304" pitchFamily="18" charset="0"/>
+                </a:endParaRPr>
+              </a:p>
+            </p:txBody>
+          </p:sp>
+          <p:cxnSp>
+            <p:nvCxnSpPr>
+              <p:cNvPr id="33" name="直接箭头连接符 32"/>
+              <p:cNvCxnSpPr>
+                <a:stCxn id="32" idx="1"/>
+                <a:endCxn id="15" idx="3"/>
+              </p:cNvCxnSpPr>
+              <p:nvPr/>
+            </p:nvCxnSpPr>
+            <p:spPr>
+              <a:xfrm flipH="1" flipV="1">
+                <a:off x="3302" y="3845"/>
+                <a:ext cx="806" cy="449"/>
+              </a:xfrm>
+              <a:prstGeom prst="straightConnector1">
+                <a:avLst/>
+              </a:prstGeom>
+              <a:ln w="19050">
+                <a:tailEnd type="arrow"/>
+              </a:ln>
+            </p:spPr>
+            <p:style>
+              <a:lnRef idx="1">
+                <a:schemeClr val="accent1"/>
+              </a:lnRef>
+              <a:fillRef idx="0">
+                <a:schemeClr val="accent1"/>
+              </a:fillRef>
+              <a:effectRef idx="0">
+                <a:schemeClr val="accent1"/>
+              </a:effectRef>
+              <a:fontRef idx="minor">
+                <a:schemeClr val="tx1"/>
+              </a:fontRef>
+            </p:style>
+          </p:cxnSp>
+        </p:grpSp>
+        <p:grpSp>
+          <p:nvGrpSpPr>
+            <p:cNvPr id="34" name="组合 33"/>
+            <p:cNvGrpSpPr/>
+            <p:nvPr/>
+          </p:nvGrpSpPr>
+          <p:grpSpPr>
+            <a:xfrm>
+              <a:off x="11628" y="3133"/>
+              <a:ext cx="1548" cy="898"/>
+              <a:chOff x="3595" y="3845"/>
+              <a:chExt cx="1548" cy="898"/>
+            </a:xfrm>
+          </p:grpSpPr>
+          <p:sp>
+            <p:nvSpPr>
+              <p:cNvPr id="35" name="矩形 34"/>
+              <p:cNvSpPr/>
+              <p:nvPr/>
+            </p:nvSpPr>
+            <p:spPr>
+              <a:xfrm>
+                <a:off x="4108" y="3845"/>
+                <a:ext cx="1035" cy="898"/>
+              </a:xfrm>
+              <a:prstGeom prst="rect">
+                <a:avLst/>
+              </a:prstGeom>
+              <a:solidFill>
+                <a:schemeClr val="accent1">
+                  <a:lumMod val="60000"/>
+                  <a:lumOff val="40000"/>
+                </a:schemeClr>
+              </a:solidFill>
+              <a:ln>
+                <a:solidFill>
+                  <a:schemeClr val="accent1">
+                    <a:lumMod val="40000"/>
+                    <a:lumOff val="60000"/>
+                  </a:schemeClr>
+                </a:solidFill>
+              </a:ln>
+            </p:spPr>
+            <p:style>
+              <a:lnRef idx="2">
+                <a:schemeClr val="accent1">
+                  <a:shade val="50000"/>
+                </a:schemeClr>
+              </a:lnRef>
+              <a:fillRef idx="1">
+                <a:schemeClr val="accent1"/>
+              </a:fillRef>
+              <a:effectRef idx="0">
+                <a:schemeClr val="accent1"/>
+              </a:effectRef>
+              <a:fontRef idx="minor">
+                <a:schemeClr val="lt1"/>
+              </a:fontRef>
+            </p:style>
+            <p:txBody>
+              <a:bodyPr rtlCol="0" anchor="ctr"/>
+              <a:p>
+                <a:pPr algn="ctr"/>
+                <a:endParaRPr lang="zh-CN" altLang="en-US" sz="1400" dirty="0">
+                  <a:latin typeface="Times New Roman" panose="02020603050405020304" pitchFamily="18" charset="0"/>
+                  <a:cs typeface="Times New Roman" panose="02020603050405020304" pitchFamily="18" charset="0"/>
+                </a:endParaRPr>
+              </a:p>
+            </p:txBody>
+          </p:sp>
+          <p:cxnSp>
+            <p:nvCxnSpPr>
+              <p:cNvPr id="36" name="直接箭头连接符 35"/>
+              <p:cNvCxnSpPr>
+                <a:stCxn id="35" idx="1"/>
+                <a:endCxn id="29" idx="3"/>
+              </p:cNvCxnSpPr>
+              <p:nvPr/>
+            </p:nvCxnSpPr>
+            <p:spPr>
+              <a:xfrm flipH="1">
+                <a:off x="3595" y="4294"/>
+                <a:ext cx="513" cy="0"/>
+              </a:xfrm>
+              <a:prstGeom prst="straightConnector1">
+                <a:avLst/>
+              </a:prstGeom>
+              <a:ln w="19050">
+                <a:tailEnd type="arrow"/>
+              </a:ln>
+            </p:spPr>
+            <p:style>
+              <a:lnRef idx="1">
+                <a:schemeClr val="accent1"/>
+              </a:lnRef>
+              <a:fillRef idx="0">
+                <a:schemeClr val="accent1"/>
+              </a:fillRef>
+              <a:effectRef idx="0">
+                <a:schemeClr val="accent1"/>
+              </a:effectRef>
+              <a:fontRef idx="minor">
+                <a:schemeClr val="tx1"/>
+              </a:fontRef>
+            </p:style>
+          </p:cxnSp>
+        </p:grpSp>
+        <p:sp>
+          <p:nvSpPr>
+            <p:cNvPr id="37" name="文本框 36"/>
+            <p:cNvSpPr txBox="1"/>
+            <p:nvPr/>
+          </p:nvSpPr>
+          <p:spPr>
+            <a:xfrm>
+              <a:off x="8502" y="2205"/>
+              <a:ext cx="4674" cy="483"/>
+            </a:xfrm>
+            <a:prstGeom prst="rect">
+              <a:avLst/>
+            </a:prstGeom>
+            <a:noFill/>
+          </p:spPr>
+          <p:txBody>
+            <a:bodyPr wrap="none" rtlCol="0">
+              <a:spAutoFit/>
+            </a:bodyPr>
+            <a:p>
+              <a:r>
+                <a:rPr lang="zh-CN" altLang="en-US" sz="1400">
+                  <a:latin typeface="Times New Roman" panose="02020603050405020304" pitchFamily="18" charset="0"/>
+                  <a:cs typeface="Times New Roman" panose="02020603050405020304" pitchFamily="18" charset="0"/>
+                </a:rPr>
+                <a:t>两个矿工几乎同时算出</a:t>
+              </a:r>
+              <a:r>
+                <a:rPr lang="en-US" altLang="zh-CN" sz="1400">
+                  <a:latin typeface="Times New Roman" panose="02020603050405020304" pitchFamily="18" charset="0"/>
+                  <a:cs typeface="Times New Roman" panose="02020603050405020304" pitchFamily="18" charset="0"/>
+                </a:rPr>
+                <a:t>(</a:t>
+              </a:r>
+              <a:r>
+                <a:rPr lang="zh-CN" altLang="en-US" sz="1400">
+                  <a:latin typeface="Times New Roman" panose="02020603050405020304" pitchFamily="18" charset="0"/>
+                  <a:cs typeface="Times New Roman" panose="02020603050405020304" pitchFamily="18" charset="0"/>
+                </a:rPr>
+                <a:t>另一种分叉</a:t>
+              </a:r>
+              <a:r>
+                <a:rPr lang="en-US" altLang="zh-CN" sz="1400">
+                  <a:latin typeface="Times New Roman" panose="02020603050405020304" pitchFamily="18" charset="0"/>
+                  <a:cs typeface="Times New Roman" panose="02020603050405020304" pitchFamily="18" charset="0"/>
+                </a:rPr>
+                <a:t>)</a:t>
+              </a:r>
+              <a:endParaRPr lang="en-US" altLang="zh-CN" sz="1400">
+                <a:latin typeface="Times New Roman" panose="02020603050405020304" pitchFamily="18" charset="0"/>
+                <a:cs typeface="Times New Roman" panose="02020603050405020304" pitchFamily="18" charset="0"/>
+              </a:endParaRPr>
+            </a:p>
+          </p:txBody>
+        </p:sp>
+        <p:sp>
+          <p:nvSpPr>
+            <p:cNvPr id="38" name="右箭头 37"/>
+            <p:cNvSpPr/>
+            <p:nvPr/>
+          </p:nvSpPr>
+          <p:spPr>
+            <a:xfrm rot="5400000">
+              <a:off x="10863" y="2676"/>
+              <a:ext cx="494" cy="420"/>
+            </a:xfrm>
+            <a:prstGeom prst="rightArrow">
+              <a:avLst/>
+            </a:prstGeom>
+          </p:spPr>
+          <p:style>
+            <a:lnRef idx="2">
+              <a:schemeClr val="accent1">
+                <a:shade val="50000"/>
+              </a:schemeClr>
+            </a:lnRef>
+            <a:fillRef idx="1">
+              <a:schemeClr val="accent1"/>
+            </a:fillRef>
+            <a:effectRef idx="0">
+              <a:schemeClr val="accent1"/>
+            </a:effectRef>
+            <a:fontRef idx="minor">
+              <a:schemeClr val="lt1"/>
+            </a:fontRef>
+          </p:style>
+          <p:txBody>
+            <a:bodyPr rtlCol="0" anchor="ctr"/>
+            <a:p>
+              <a:pPr algn="ctr"/>
+              <a:endParaRPr lang="zh-CN" altLang="en-US"/>
+            </a:p>
+          </p:txBody>
+        </p:sp>
+        <p:sp>
+          <p:nvSpPr>
+            <p:cNvPr id="40" name="文本框 39"/>
+            <p:cNvSpPr txBox="1"/>
+            <p:nvPr/>
+          </p:nvSpPr>
+          <p:spPr>
+            <a:xfrm>
+              <a:off x="11628" y="4743"/>
+              <a:ext cx="1757" cy="483"/>
+            </a:xfrm>
+            <a:prstGeom prst="rect">
+              <a:avLst/>
+            </a:prstGeom>
+            <a:noFill/>
+          </p:spPr>
+          <p:txBody>
+            <a:bodyPr wrap="none" rtlCol="0">
+              <a:spAutoFit/>
+            </a:bodyPr>
+            <a:p>
+              <a:r>
+                <a:rPr lang="en-US" altLang="zh-CN" sz="1400">
+                  <a:latin typeface="Times New Roman" panose="02020603050405020304" pitchFamily="18" charset="0"/>
+                  <a:cs typeface="Times New Roman" panose="02020603050405020304" pitchFamily="18" charset="0"/>
+                </a:rPr>
+                <a:t>orphan block</a:t>
+              </a:r>
+              <a:endParaRPr lang="en-US" altLang="zh-CN" sz="1400">
+                <a:latin typeface="Times New Roman" panose="02020603050405020304" pitchFamily="18" charset="0"/>
+                <a:cs typeface="Times New Roman" panose="02020603050405020304" pitchFamily="18" charset="0"/>
+              </a:endParaRPr>
+            </a:p>
+          </p:txBody>
+        </p:sp>
+      </p:grpSp>
     </p:spTree>
-    <p:extLst>
-      <p:ext uri="{BB962C8B-B14F-4D97-AF65-F5344CB8AC3E}">
-        <p14:creationId xmlns:p14="http://schemas.microsoft.com/office/powerpoint/2010/main" val="1044794991"/>
-      </p:ext>
-    </p:extLst>
   </p:cSld>
   <p:clrMapOvr>
     <a:masterClrMapping/>
@@ -4451,7 +7673,7 @@
     </a:clrScheme>
     <a:fontScheme name="Office">
       <a:majorFont>
-        <a:latin typeface="等线 Light" panose="020F0302020204030204"/>
+        <a:latin typeface="等线 Light"/>
         <a:ea typeface=""/>
         <a:cs typeface=""/>
         <a:font script="Jpan" typeface="游ゴシック Light"/>
@@ -4484,26 +7706,9 @@
         <a:font script="Viet" typeface="Times New Roman"/>
         <a:font script="Uigh" typeface="Microsoft Uighur"/>
         <a:font script="Geor" typeface="Sylfaen"/>
-        <a:font script="Armn" typeface="Arial"/>
-        <a:font script="Bugi" typeface="Leelawadee UI"/>
-        <a:font script="Bopo" typeface="Microsoft JhengHei"/>
-        <a:font script="Java" typeface="Javanese Text"/>
-        <a:font script="Lisu" typeface="Segoe UI"/>
-        <a:font script="Mymr" typeface="Myanmar Text"/>
-        <a:font script="Nkoo" typeface="Ebrima"/>
-        <a:font script="Olck" typeface="Nirmala UI"/>
-        <a:font script="Osma" typeface="Ebrima"/>
-        <a:font script="Phag" typeface="Phagspa"/>
-        <a:font script="Syrn" typeface="Estrangelo Edessa"/>
-        <a:font script="Syrj" typeface="Estrangelo Edessa"/>
-        <a:font script="Syre" typeface="Estrangelo Edessa"/>
-        <a:font script="Sora" typeface="Nirmala UI"/>
-        <a:font script="Tale" typeface="Microsoft Tai Le"/>
-        <a:font script="Talu" typeface="Microsoft New Tai Lue"/>
-        <a:font script="Tfng" typeface="Ebrima"/>
       </a:majorFont>
       <a:minorFont>
-        <a:latin typeface="等线" panose="020F0502020204030204"/>
+        <a:latin typeface="等线"/>
         <a:ea typeface=""/>
         <a:cs typeface=""/>
         <a:font script="Jpan" typeface="游ゴシック"/>
@@ -4536,23 +7741,6 @@
         <a:font script="Viet" typeface="Arial"/>
         <a:font script="Uigh" typeface="Microsoft Uighur"/>
         <a:font script="Geor" typeface="Sylfaen"/>
-        <a:font script="Armn" typeface="Arial"/>
-        <a:font script="Bugi" typeface="Leelawadee UI"/>
-        <a:font script="Bopo" typeface="Microsoft JhengHei"/>
-        <a:font script="Java" typeface="Javanese Text"/>
-        <a:font script="Lisu" typeface="Segoe UI"/>
-        <a:font script="Mymr" typeface="Myanmar Text"/>
-        <a:font script="Nkoo" typeface="Ebrima"/>
-        <a:font script="Olck" typeface="Nirmala UI"/>
-        <a:font script="Osma" typeface="Ebrima"/>
-        <a:font script="Phag" typeface="Phagspa"/>
-        <a:font script="Syrn" typeface="Estrangelo Edessa"/>
-        <a:font script="Syrj" typeface="Estrangelo Edessa"/>
-        <a:font script="Syre" typeface="Estrangelo Edessa"/>
-        <a:font script="Sora" typeface="Nirmala UI"/>
-        <a:font script="Tale" typeface="Microsoft Tai Le"/>
-        <a:font script="Talu" typeface="Microsoft New Tai Lue"/>
-        <a:font script="Tfng" typeface="Ebrima"/>
       </a:minorFont>
     </a:fontScheme>
     <a:fmtScheme name="Office">
@@ -4693,8 +7881,6 @@
       </a:bgFillStyleLst>
     </a:fmtScheme>
   </a:themeElements>
-  <a:objectDefaults/>
-  <a:extraClrSchemeLst/>
   <a:extLst>
     <a:ext uri="{05A4C25C-085E-4340-85A3-A5531E510DB2}">
       <thm15:themeFamily xmlns:thm15="http://schemas.microsoft.com/office/thememl/2012/main" name="Office Theme" id="{62F939B6-93AF-4DB8-9C6B-D6C7DFDC589F}" vid="{4A3C46E8-61CC-4603-A589-7422A47A8E4A}"/>
